--- a/public/files/resume.pptx
+++ b/public/files/resume.pptx
@@ -8,7 +8,7 @@
     <p:notesMasterId r:id="rId3"/>
   </p:notesMasterIdLst>
   <p:sldIdLst>
-    <p:sldId id="256" r:id="rId2"/>
+    <p:sldId id="257" r:id="rId2"/>
   </p:sldIdLst>
   <p:sldSz cx="6858000" cy="9144000" type="letter"/>
   <p:notesSz cx="6858000" cy="9144000"/>
@@ -197,7 +197,7 @@
           <a:p>
             <a:fld id="{5EE9A4F7-1A22-1744-9935-DCEFD2F601E8}" type="datetimeFigureOut">
               <a:rPr lang="en-US" smtClean="0"/>
-              <a:t>1/22/17</a:t>
+              <a:t>2/7/17</a:t>
             </a:fld>
             <a:endParaRPr lang="en-US"/>
           </a:p>
@@ -465,90 +465,6 @@
 </p:notesMaster>
 </file>
 
-<file path=ppt/notesSlides/notesSlide1.xml><?xml version="1.0" encoding="utf-8"?>
-<p:notes xmlns:a="http://schemas.openxmlformats.org/drawingml/2006/main" xmlns:r="http://schemas.openxmlformats.org/officeDocument/2006/relationships" xmlns:p="http://schemas.openxmlformats.org/presentationml/2006/main">
-  <p:cSld>
-    <p:spTree>
-      <p:nvGrpSpPr>
-        <p:cNvPr id="1" name=""/>
-        <p:cNvGrpSpPr/>
-        <p:nvPr/>
-      </p:nvGrpSpPr>
-      <p:grpSpPr>
-        <a:xfrm>
-          <a:off x="0" y="0"/>
-          <a:ext cx="0" cy="0"/>
-          <a:chOff x="0" y="0"/>
-          <a:chExt cx="0" cy="0"/>
-        </a:xfrm>
-      </p:grpSpPr>
-      <p:sp>
-        <p:nvSpPr>
-          <p:cNvPr id="2" name="Slide Image Placeholder 1"/>
-          <p:cNvSpPr>
-            <a:spLocks noGrp="1" noRot="1" noChangeAspect="1"/>
-          </p:cNvSpPr>
-          <p:nvPr>
-            <p:ph type="sldImg"/>
-          </p:nvPr>
-        </p:nvSpPr>
-        <p:spPr/>
-      </p:sp>
-      <p:sp>
-        <p:nvSpPr>
-          <p:cNvPr id="3" name="Notes Placeholder 2"/>
-          <p:cNvSpPr>
-            <a:spLocks noGrp="1"/>
-          </p:cNvSpPr>
-          <p:nvPr>
-            <p:ph type="body" idx="1"/>
-          </p:nvPr>
-        </p:nvSpPr>
-        <p:spPr/>
-        <p:txBody>
-          <a:bodyPr/>
-          <a:lstStyle/>
-          <a:p>
-            <a:endParaRPr lang="en-US" dirty="0"/>
-          </a:p>
-        </p:txBody>
-      </p:sp>
-      <p:sp>
-        <p:nvSpPr>
-          <p:cNvPr id="4" name="Slide Number Placeholder 3"/>
-          <p:cNvSpPr>
-            <a:spLocks noGrp="1"/>
-          </p:cNvSpPr>
-          <p:nvPr>
-            <p:ph type="sldNum" sz="quarter" idx="10"/>
-          </p:nvPr>
-        </p:nvSpPr>
-        <p:spPr/>
-        <p:txBody>
-          <a:bodyPr/>
-          <a:lstStyle/>
-          <a:p>
-            <a:fld id="{FB4DF583-E23F-B74F-82BF-D23EE70D8F91}" type="slidenum">
-              <a:rPr lang="en-US" smtClean="0"/>
-              <a:t>1</a:t>
-            </a:fld>
-            <a:endParaRPr lang="en-US"/>
-          </a:p>
-        </p:txBody>
-      </p:sp>
-    </p:spTree>
-    <p:extLst>
-      <p:ext uri="{BB962C8B-B14F-4D97-AF65-F5344CB8AC3E}">
-        <p14:creationId xmlns:p14="http://schemas.microsoft.com/office/powerpoint/2010/main" val="732571005"/>
-      </p:ext>
-    </p:extLst>
-  </p:cSld>
-  <p:clrMapOvr>
-    <a:masterClrMapping/>
-  </p:clrMapOvr>
-</p:notes>
-</file>
-
 <file path=ppt/slideLayouts/slideLayout1.xml><?xml version="1.0" encoding="utf-8"?>
 <p:sldLayout xmlns:a="http://schemas.openxmlformats.org/drawingml/2006/main" xmlns:r="http://schemas.openxmlformats.org/officeDocument/2006/relationships" xmlns:p="http://schemas.openxmlformats.org/presentationml/2006/main" type="title" preserve="1">
   <p:cSld name="Title Slide">
@@ -680,7 +596,7 @@
           <a:p>
             <a:fld id="{0AE1F7CC-2E77-F54C-B79D-D1014779F13F}" type="datetimeFigureOut">
               <a:rPr lang="en-US" smtClean="0"/>
-              <a:t>1/22/17</a:t>
+              <a:t>2/7/17</a:t>
             </a:fld>
             <a:endParaRPr lang="en-US"/>
           </a:p>
@@ -845,7 +761,7 @@
           <a:p>
             <a:fld id="{0AE1F7CC-2E77-F54C-B79D-D1014779F13F}" type="datetimeFigureOut">
               <a:rPr lang="en-US" smtClean="0"/>
-              <a:t>1/22/17</a:t>
+              <a:t>2/7/17</a:t>
             </a:fld>
             <a:endParaRPr lang="en-US"/>
           </a:p>
@@ -1020,7 +936,7 @@
           <a:p>
             <a:fld id="{0AE1F7CC-2E77-F54C-B79D-D1014779F13F}" type="datetimeFigureOut">
               <a:rPr lang="en-US" smtClean="0"/>
-              <a:t>1/22/17</a:t>
+              <a:t>2/7/17</a:t>
             </a:fld>
             <a:endParaRPr lang="en-US"/>
           </a:p>
@@ -1185,7 +1101,7 @@
           <a:p>
             <a:fld id="{0AE1F7CC-2E77-F54C-B79D-D1014779F13F}" type="datetimeFigureOut">
               <a:rPr lang="en-US" smtClean="0"/>
-              <a:t>1/22/17</a:t>
+              <a:t>2/7/17</a:t>
             </a:fld>
             <a:endParaRPr lang="en-US"/>
           </a:p>
@@ -1424,7 +1340,7 @@
           <a:p>
             <a:fld id="{0AE1F7CC-2E77-F54C-B79D-D1014779F13F}" type="datetimeFigureOut">
               <a:rPr lang="en-US" smtClean="0"/>
-              <a:t>1/22/17</a:t>
+              <a:t>2/7/17</a:t>
             </a:fld>
             <a:endParaRPr lang="en-US"/>
           </a:p>
@@ -1651,7 +1567,7 @@
           <a:p>
             <a:fld id="{0AE1F7CC-2E77-F54C-B79D-D1014779F13F}" type="datetimeFigureOut">
               <a:rPr lang="en-US" smtClean="0"/>
-              <a:t>1/22/17</a:t>
+              <a:t>2/7/17</a:t>
             </a:fld>
             <a:endParaRPr lang="en-US"/>
           </a:p>
@@ -2013,7 +1929,7 @@
           <a:p>
             <a:fld id="{0AE1F7CC-2E77-F54C-B79D-D1014779F13F}" type="datetimeFigureOut">
               <a:rPr lang="en-US" smtClean="0"/>
-              <a:t>1/22/17</a:t>
+              <a:t>2/7/17</a:t>
             </a:fld>
             <a:endParaRPr lang="en-US"/>
           </a:p>
@@ -2126,7 +2042,7 @@
           <a:p>
             <a:fld id="{0AE1F7CC-2E77-F54C-B79D-D1014779F13F}" type="datetimeFigureOut">
               <a:rPr lang="en-US" smtClean="0"/>
-              <a:t>1/22/17</a:t>
+              <a:t>2/7/17</a:t>
             </a:fld>
             <a:endParaRPr lang="en-US"/>
           </a:p>
@@ -2216,7 +2132,7 @@
           <a:p>
             <a:fld id="{0AE1F7CC-2E77-F54C-B79D-D1014779F13F}" type="datetimeFigureOut">
               <a:rPr lang="en-US" smtClean="0"/>
-              <a:t>1/22/17</a:t>
+              <a:t>2/7/17</a:t>
             </a:fld>
             <a:endParaRPr lang="en-US"/>
           </a:p>
@@ -2488,7 +2404,7 @@
           <a:p>
             <a:fld id="{0AE1F7CC-2E77-F54C-B79D-D1014779F13F}" type="datetimeFigureOut">
               <a:rPr lang="en-US" smtClean="0"/>
-              <a:t>1/22/17</a:t>
+              <a:t>2/7/17</a:t>
             </a:fld>
             <a:endParaRPr lang="en-US"/>
           </a:p>
@@ -2740,7 +2656,7 @@
           <a:p>
             <a:fld id="{0AE1F7CC-2E77-F54C-B79D-D1014779F13F}" type="datetimeFigureOut">
               <a:rPr lang="en-US" smtClean="0"/>
-              <a:t>1/22/17</a:t>
+              <a:t>2/7/17</a:t>
             </a:fld>
             <a:endParaRPr lang="en-US"/>
           </a:p>
@@ -2948,7 +2864,7 @@
           <a:p>
             <a:fld id="{0AE1F7CC-2E77-F54C-B79D-D1014779F13F}" type="datetimeFigureOut">
               <a:rPr lang="en-US" smtClean="0"/>
-              <a:t>1/22/17</a:t>
+              <a:t>2/7/17</a:t>
             </a:fld>
             <a:endParaRPr lang="en-US"/>
           </a:p>
@@ -3353,1572 +3269,293 @@
           <a:chExt cx="0" cy="0"/>
         </a:xfrm>
       </p:grpSpPr>
-      <p:cxnSp>
-        <p:nvCxnSpPr>
-          <p:cNvPr id="12" name="Straight Connector 11"/>
-          <p:cNvCxnSpPr/>
+      <p:sp>
+        <p:nvSpPr>
+          <p:cNvPr id="15" name="Rectangle 14"/>
+          <p:cNvSpPr/>
           <p:nvPr/>
-        </p:nvCxnSpPr>
+        </p:nvSpPr>
         <p:spPr>
-          <a:xfrm flipV="1">
-            <a:off x="3131044" y="3924482"/>
-            <a:ext cx="13447" cy="2767212"/>
+          <a:xfrm rot="5400000">
+            <a:off x="-3302464" y="3289993"/>
+            <a:ext cx="9143999" cy="2564014"/>
           </a:xfrm>
-          <a:prstGeom prst="line">
+          <a:prstGeom prst="rect">
             <a:avLst/>
           </a:prstGeom>
-          <a:ln w="9525">
-            <a:solidFill>
-              <a:srgbClr val="00B0F0"/>
-            </a:solidFill>
+          <a:solidFill>
+            <a:srgbClr val="00B0F0">
+              <a:alpha val="58431"/>
+            </a:srgbClr>
+          </a:solidFill>
+          <a:ln>
+            <a:noFill/>
           </a:ln>
         </p:spPr>
         <p:style>
-          <a:lnRef idx="1">
-            <a:schemeClr val="accent1"/>
+          <a:lnRef idx="2">
+            <a:schemeClr val="accent1">
+              <a:shade val="50000"/>
+            </a:schemeClr>
           </a:lnRef>
-          <a:fillRef idx="0">
+          <a:fillRef idx="1">
             <a:schemeClr val="accent1"/>
           </a:fillRef>
           <a:effectRef idx="0">
             <a:schemeClr val="accent1"/>
           </a:effectRef>
           <a:fontRef idx="minor">
-            <a:schemeClr val="tx1"/>
+            <a:schemeClr val="lt1"/>
           </a:fontRef>
         </p:style>
-      </p:cxnSp>
-      <p:sp>
-        <p:nvSpPr>
-          <p:cNvPr id="17" name="TextBox 16"/>
+        <p:txBody>
+          <a:bodyPr rtlCol="0" anchor="ctr"/>
+          <a:lstStyle/>
+          <a:p>
+            <a:pPr algn="ctr"/>
+            <a:endParaRPr lang="en-US">
+              <a:solidFill>
+                <a:srgbClr val="92D050"/>
+              </a:solidFill>
+            </a:endParaRPr>
+          </a:p>
+        </p:txBody>
+      </p:sp>
+      <p:grpSp>
+        <p:nvGrpSpPr>
+          <p:cNvPr id="5" name="Group 4"/>
+          <p:cNvGrpSpPr/>
+          <p:nvPr/>
+        </p:nvGrpSpPr>
+        <p:grpSpPr>
+          <a:xfrm>
+            <a:off x="2789700" y="61956"/>
+            <a:ext cx="4068300" cy="1261546"/>
+            <a:chOff x="2789700" y="212597"/>
+            <a:chExt cx="4068300" cy="1261546"/>
+          </a:xfrm>
+        </p:grpSpPr>
+        <p:sp>
+          <p:nvSpPr>
+            <p:cNvPr id="8" name="TextBox 7"/>
+            <p:cNvSpPr txBox="1"/>
+            <p:nvPr/>
+          </p:nvSpPr>
+          <p:spPr>
+            <a:xfrm>
+              <a:off x="2792459" y="212597"/>
+              <a:ext cx="4065541" cy="276999"/>
+            </a:xfrm>
+            <a:prstGeom prst="rect">
+              <a:avLst/>
+            </a:prstGeom>
+            <a:noFill/>
+            <a:ln>
+              <a:noFill/>
+            </a:ln>
+          </p:spPr>
+          <p:style>
+            <a:lnRef idx="2">
+              <a:schemeClr val="accent2"/>
+            </a:lnRef>
+            <a:fillRef idx="1">
+              <a:schemeClr val="lt1"/>
+            </a:fillRef>
+            <a:effectRef idx="0">
+              <a:schemeClr val="accent2"/>
+            </a:effectRef>
+            <a:fontRef idx="minor">
+              <a:schemeClr val="dk1"/>
+            </a:fontRef>
+          </p:style>
+          <p:txBody>
+            <a:bodyPr wrap="square" rtlCol="0">
+              <a:spAutoFit/>
+            </a:bodyPr>
+            <a:lstStyle/>
+            <a:p>
+              <a:r>
+                <a:rPr lang="en-US" sz="1200" b="1" dirty="0" smtClean="0">
+                  <a:solidFill>
+                    <a:schemeClr val="tx1"/>
+                  </a:solidFill>
+                  <a:latin typeface="Verdana" charset="0"/>
+                  <a:ea typeface="Verdana" charset="0"/>
+                  <a:cs typeface="Verdana" charset="0"/>
+                </a:rPr>
+                <a:t>ABOUT ME</a:t>
+              </a:r>
+            </a:p>
+          </p:txBody>
+        </p:sp>
+        <p:sp>
+          <p:nvSpPr>
+            <p:cNvPr id="9" name="TextBox 8"/>
+            <p:cNvSpPr txBox="1"/>
+            <p:nvPr/>
+          </p:nvSpPr>
+          <p:spPr>
+            <a:xfrm>
+              <a:off x="2789700" y="458480"/>
+              <a:ext cx="3877728" cy="1015663"/>
+            </a:xfrm>
+            <a:prstGeom prst="rect">
+              <a:avLst/>
+            </a:prstGeom>
+            <a:noFill/>
+            <a:ln>
+              <a:noFill/>
+            </a:ln>
+          </p:spPr>
+          <p:style>
+            <a:lnRef idx="2">
+              <a:schemeClr val="accent2"/>
+            </a:lnRef>
+            <a:fillRef idx="1">
+              <a:schemeClr val="lt1"/>
+            </a:fillRef>
+            <a:effectRef idx="0">
+              <a:schemeClr val="accent2"/>
+            </a:effectRef>
+            <a:fontRef idx="minor">
+              <a:schemeClr val="dk1"/>
+            </a:fontRef>
+          </p:style>
+          <p:txBody>
+            <a:bodyPr wrap="square" rtlCol="0">
+              <a:spAutoFit/>
+            </a:bodyPr>
+            <a:lstStyle/>
+            <a:p>
+              <a:r>
+                <a:rPr lang="en-US" sz="1000" dirty="0" smtClean="0">
+                  <a:latin typeface="Lucida Sans" charset="0"/>
+                  <a:ea typeface="Lucida Sans" charset="0"/>
+                  <a:cs typeface="Lucida Sans" charset="0"/>
+                </a:rPr>
+                <a:t>I am a first year undergraduate at UC Berkeley looking for a position in front end web development. I am interested in creating and designing a friendly and impactful user experience. I have previous experience working in medium to large groups on planning and executing long term, detail oriented projects.</a:t>
+              </a:r>
+              <a:endParaRPr lang="en-US" sz="1000" dirty="0" smtClean="0">
+                <a:solidFill>
+                  <a:schemeClr val="tx1"/>
+                </a:solidFill>
+                <a:latin typeface="Verdana" charset="0"/>
+                <a:ea typeface="Verdana" charset="0"/>
+                <a:cs typeface="Verdana" charset="0"/>
+              </a:endParaRPr>
+            </a:p>
+          </p:txBody>
+        </p:sp>
+      </p:grpSp>
+      <p:grpSp>
+        <p:nvGrpSpPr>
+          <p:cNvPr id="17" name="Group 16"/>
+          <p:cNvGrpSpPr/>
+          <p:nvPr/>
+        </p:nvGrpSpPr>
+        <p:grpSpPr>
+          <a:xfrm>
+            <a:off x="352935" y="366485"/>
+            <a:ext cx="1833204" cy="1828800"/>
+            <a:chOff x="263179" y="185295"/>
+            <a:chExt cx="1833204" cy="1828800"/>
+          </a:xfrm>
+        </p:grpSpPr>
+        <p:sp>
+          <p:nvSpPr>
+            <p:cNvPr id="13" name="Oval 12"/>
+            <p:cNvSpPr/>
+            <p:nvPr/>
+          </p:nvSpPr>
+          <p:spPr>
+            <a:xfrm flipV="1">
+              <a:off x="263179" y="185295"/>
+              <a:ext cx="1828800" cy="1828800"/>
+            </a:xfrm>
+            <a:prstGeom prst="ellipse">
+              <a:avLst/>
+            </a:prstGeom>
+            <a:solidFill>
+              <a:schemeClr val="bg1"/>
+            </a:solidFill>
+            <a:ln>
+              <a:noFill/>
+            </a:ln>
+          </p:spPr>
+          <p:style>
+            <a:lnRef idx="2">
+              <a:schemeClr val="accent1">
+                <a:shade val="50000"/>
+              </a:schemeClr>
+            </a:lnRef>
+            <a:fillRef idx="1">
+              <a:schemeClr val="accent1"/>
+            </a:fillRef>
+            <a:effectRef idx="0">
+              <a:schemeClr val="accent1"/>
+            </a:effectRef>
+            <a:fontRef idx="minor">
+              <a:schemeClr val="lt1"/>
+            </a:fontRef>
+          </p:style>
+          <p:txBody>
+            <a:bodyPr rtlCol="0" anchor="ctr"/>
+            <a:lstStyle/>
+            <a:p>
+              <a:pPr algn="ctr"/>
+              <a:endParaRPr lang="en-US"/>
+            </a:p>
+          </p:txBody>
+        </p:sp>
+        <p:pic>
+          <p:nvPicPr>
+            <p:cNvPr id="12" name="Picture 11"/>
+            <p:cNvPicPr>
+              <a:picLocks noChangeAspect="1"/>
+            </p:cNvPicPr>
+            <p:nvPr/>
+          </p:nvPicPr>
+          <p:blipFill rotWithShape="1">
+            <a:blip r:embed="rId2">
+              <a:extLst>
+                <a:ext uri="{28A0092B-C50C-407E-A947-70E740481C1C}">
+                  <a14:useLocalDpi xmlns:a14="http://schemas.microsoft.com/office/drawing/2010/main" val="0"/>
+                </a:ext>
+              </a:extLst>
+            </a:blip>
+            <a:srcRect l="3324" t="9861" r="5477"/>
+            <a:stretch/>
+          </p:blipFill>
+          <p:spPr>
+            <a:xfrm>
+              <a:off x="263179" y="185295"/>
+              <a:ext cx="1833204" cy="1828800"/>
+            </a:xfrm>
+            <a:prstGeom prst="ellipse">
+              <a:avLst/>
+            </a:prstGeom>
+            <a:ln>
+              <a:noFill/>
+            </a:ln>
+            <a:effectLst/>
+          </p:spPr>
+        </p:pic>
+      </p:grpSp>
+      <p:sp>
+        <p:nvSpPr>
+          <p:cNvPr id="14" name="TextBox 13"/>
           <p:cNvSpPr txBox="1"/>
           <p:nvPr/>
         </p:nvSpPr>
         <p:spPr>
           <a:xfrm>
-            <a:off x="207878" y="1183904"/>
-            <a:ext cx="6469138" cy="2562240"/>
+            <a:off x="-1" y="2244478"/>
+            <a:ext cx="2539077" cy="1323439"/>
           </a:xfrm>
           <a:prstGeom prst="rect">
             <a:avLst/>
           </a:prstGeom>
           <a:noFill/>
-        </p:spPr>
-        <p:txBody>
-          <a:bodyPr wrap="square" rtlCol="0">
-            <a:spAutoFit/>
-          </a:bodyPr>
-          <a:lstStyle/>
-          <a:p>
-            <a:pPr>
-              <a:lnSpc>
-                <a:spcPct val="150000"/>
-              </a:lnSpc>
-            </a:pPr>
-            <a:r>
-              <a:rPr lang="en-US" sz="1400" b="1" dirty="0" smtClean="0">
-                <a:latin typeface="Lucida Sans" charset="0"/>
-                <a:ea typeface="Lucida Sans" charset="0"/>
-                <a:cs typeface="Lucida Sans" charset="0"/>
-              </a:rPr>
-              <a:t>Education</a:t>
-            </a:r>
-            <a:endParaRPr lang="en-US" sz="2000" b="1" dirty="0" smtClean="0">
-              <a:latin typeface="Lucida Sans" charset="0"/>
-              <a:ea typeface="Lucida Sans" charset="0"/>
-              <a:cs typeface="Lucida Sans" charset="0"/>
-            </a:endParaRPr>
-          </a:p>
-          <a:p>
-            <a:pPr>
-              <a:lnSpc>
-                <a:spcPct val="150000"/>
-              </a:lnSpc>
-            </a:pPr>
-            <a:r>
-              <a:rPr lang="en-US" sz="1100" b="1" dirty="0" smtClean="0">
-                <a:solidFill>
-                  <a:srgbClr val="00B0F0"/>
-                </a:solidFill>
-                <a:latin typeface="Lucida Sans" charset="0"/>
-                <a:ea typeface="Lucida Sans" charset="0"/>
-                <a:cs typeface="Lucida Sans" charset="0"/>
-              </a:rPr>
-              <a:t>UC Berkeley </a:t>
-            </a:r>
-            <a:r>
-              <a:rPr lang="en-US" sz="1100" dirty="0" smtClean="0">
-                <a:latin typeface="Lucida Sans" charset="0"/>
-                <a:ea typeface="Lucida Sans" charset="0"/>
-                <a:cs typeface="Lucida Sans" charset="0"/>
-              </a:rPr>
-              <a:t>B.S. Electrical Engineering &amp; Computer Science</a:t>
-            </a:r>
-          </a:p>
-          <a:p>
-            <a:pPr>
-              <a:lnSpc>
-                <a:spcPct val="150000"/>
-              </a:lnSpc>
-            </a:pPr>
-            <a:r>
-              <a:rPr lang="en-US" sz="900" dirty="0">
-                <a:latin typeface="Lucida Sans" charset="0"/>
-                <a:ea typeface="Lucida Sans" charset="0"/>
-                <a:cs typeface="Lucida Sans" charset="0"/>
-              </a:rPr>
-              <a:t>Aug 2016 </a:t>
-            </a:r>
-            <a:r>
-              <a:rPr lang="mr-IN" sz="900" dirty="0">
-                <a:latin typeface="Lucida Sans" charset="0"/>
-                <a:ea typeface="Lucida Sans" charset="0"/>
-                <a:cs typeface="Lucida Sans" charset="0"/>
-              </a:rPr>
-              <a:t>–</a:t>
-            </a:r>
-            <a:r>
-              <a:rPr lang="en-US" sz="900" dirty="0">
-                <a:latin typeface="Lucida Sans" charset="0"/>
-                <a:ea typeface="Lucida Sans" charset="0"/>
-                <a:cs typeface="Lucida Sans" charset="0"/>
-              </a:rPr>
-              <a:t> May 2020          Overall GPA: 3.528          Technical GPA: 3.740</a:t>
-            </a:r>
-          </a:p>
-          <a:p>
-            <a:pPr>
-              <a:lnSpc>
-                <a:spcPct val="150000"/>
-              </a:lnSpc>
-            </a:pPr>
-            <a:r>
-              <a:rPr lang="en-US" sz="1100" dirty="0">
-                <a:latin typeface="Lucida Sans" charset="0"/>
-                <a:ea typeface="Lucida Sans" charset="0"/>
-                <a:cs typeface="Lucida Sans" charset="0"/>
-              </a:rPr>
-              <a:t>Relevant Courses</a:t>
-            </a:r>
-            <a:r>
-              <a:rPr lang="en-US" sz="1100" b="1" dirty="0">
-                <a:latin typeface="Lucida Sans" charset="0"/>
-                <a:ea typeface="Lucida Sans" charset="0"/>
-                <a:cs typeface="Lucida Sans" charset="0"/>
-              </a:rPr>
-              <a:t>:</a:t>
-            </a:r>
-          </a:p>
-          <a:p>
-            <a:pPr>
-              <a:lnSpc>
-                <a:spcPct val="120000"/>
-              </a:lnSpc>
-            </a:pPr>
-            <a:r>
-              <a:rPr lang="en-US" sz="900" dirty="0">
-                <a:latin typeface="Lucida Sans" charset="0"/>
-                <a:ea typeface="Lucida Sans" charset="0"/>
-                <a:cs typeface="Lucida Sans" charset="0"/>
-              </a:rPr>
-              <a:t>CS </a:t>
-            </a:r>
-            <a:r>
-              <a:rPr lang="en-US" sz="900" dirty="0" smtClean="0">
-                <a:latin typeface="Lucida Sans" charset="0"/>
-                <a:ea typeface="Lucida Sans" charset="0"/>
-                <a:cs typeface="Lucida Sans" charset="0"/>
-              </a:rPr>
-              <a:t>61A	The </a:t>
-            </a:r>
-            <a:r>
-              <a:rPr lang="en-US" sz="900" dirty="0">
-                <a:latin typeface="Lucida Sans" charset="0"/>
-                <a:ea typeface="Lucida Sans" charset="0"/>
-                <a:cs typeface="Lucida Sans" charset="0"/>
-              </a:rPr>
-              <a:t>Structure and Interpretation of Computer Programs </a:t>
-            </a:r>
-            <a:r>
-              <a:rPr lang="en-US" sz="900" dirty="0" smtClean="0">
-                <a:latin typeface="Lucida Sans" charset="0"/>
-                <a:ea typeface="Lucida Sans" charset="0"/>
-                <a:cs typeface="Lucida Sans" charset="0"/>
-              </a:rPr>
-              <a:t>(Python</a:t>
-            </a:r>
-            <a:r>
-              <a:rPr lang="en-US" sz="900" dirty="0">
-                <a:latin typeface="Lucida Sans" charset="0"/>
-                <a:ea typeface="Lucida Sans" charset="0"/>
-                <a:cs typeface="Lucida Sans" charset="0"/>
-              </a:rPr>
-              <a:t>)</a:t>
-            </a:r>
-            <a:r>
-              <a:rPr lang="en-US" sz="900" dirty="0" smtClean="0">
-                <a:latin typeface="Lucida Sans" charset="0"/>
-                <a:ea typeface="Lucida Sans" charset="0"/>
-                <a:cs typeface="Lucida Sans" charset="0"/>
-              </a:rPr>
-              <a:t>		</a:t>
-            </a:r>
-            <a:r>
-              <a:rPr lang="en-US" sz="900" spc="300" dirty="0" smtClean="0">
-                <a:latin typeface="Lucida Sans" charset="0"/>
-                <a:ea typeface="Lucida Sans" charset="0"/>
-                <a:cs typeface="Lucida Sans" charset="0"/>
-              </a:rPr>
-              <a:t>A</a:t>
-            </a:r>
-          </a:p>
-          <a:p>
-            <a:pPr>
-              <a:lnSpc>
-                <a:spcPct val="120000"/>
-              </a:lnSpc>
-            </a:pPr>
-            <a:r>
-              <a:rPr lang="en-US" sz="900" dirty="0">
-                <a:latin typeface="Lucida Sans" charset="0"/>
-                <a:ea typeface="Lucida Sans" charset="0"/>
-                <a:cs typeface="Lucida Sans" charset="0"/>
-              </a:rPr>
-              <a:t>MATH 53	Multivariable Calculus 				A-</a:t>
-            </a:r>
-          </a:p>
-          <a:p>
-            <a:pPr>
-              <a:lnSpc>
-                <a:spcPct val="120000"/>
-              </a:lnSpc>
-            </a:pPr>
-            <a:r>
-              <a:rPr lang="en-US" sz="900" dirty="0" smtClean="0">
-                <a:latin typeface="Lucida Sans" charset="0"/>
-                <a:ea typeface="Lucida Sans" charset="0"/>
-                <a:cs typeface="Lucida Sans" charset="0"/>
-              </a:rPr>
-              <a:t>CS 98	Directed Group Studies for Advanced Undergraduates (HTML/CSS/JS) 	Pass</a:t>
-            </a:r>
-          </a:p>
-          <a:p>
-            <a:pPr>
-              <a:lnSpc>
-                <a:spcPct val="120000"/>
-              </a:lnSpc>
-            </a:pPr>
-            <a:r>
-              <a:rPr lang="en-US" sz="900" dirty="0" smtClean="0">
-                <a:latin typeface="Lucida Sans" charset="0"/>
-                <a:ea typeface="Lucida Sans" charset="0"/>
-                <a:cs typeface="Lucida Sans" charset="0"/>
-              </a:rPr>
-              <a:t>CS 61B	Data Structures (Java) 				In Progress</a:t>
-            </a:r>
-          </a:p>
-          <a:p>
-            <a:pPr>
-              <a:lnSpc>
-                <a:spcPct val="120000"/>
-              </a:lnSpc>
-            </a:pPr>
-            <a:r>
-              <a:rPr lang="en-US" sz="900" dirty="0" smtClean="0">
-                <a:latin typeface="Lucida Sans" charset="0"/>
-                <a:ea typeface="Lucida Sans" charset="0"/>
-                <a:cs typeface="Lucida Sans" charset="0"/>
-              </a:rPr>
-              <a:t>MATH </a:t>
-            </a:r>
-            <a:r>
-              <a:rPr lang="en-US" sz="900" dirty="0">
-                <a:latin typeface="Lucida Sans" charset="0"/>
-                <a:ea typeface="Lucida Sans" charset="0"/>
-                <a:cs typeface="Lucida Sans" charset="0"/>
-              </a:rPr>
-              <a:t>54	Linear Algebra and Differential Equations 			</a:t>
-            </a:r>
-            <a:r>
-              <a:rPr lang="en-US" sz="900" dirty="0" smtClean="0">
-                <a:latin typeface="Lucida Sans" charset="0"/>
-                <a:ea typeface="Lucida Sans" charset="0"/>
-                <a:cs typeface="Lucida Sans" charset="0"/>
-              </a:rPr>
-              <a:t>In Progress</a:t>
-            </a:r>
-          </a:p>
-          <a:p>
-            <a:pPr>
-              <a:lnSpc>
-                <a:spcPct val="150000"/>
-              </a:lnSpc>
-            </a:pPr>
-            <a:endParaRPr lang="en-US" sz="600" b="1" dirty="0" smtClean="0">
-              <a:latin typeface="Lucida Sans" charset="0"/>
-              <a:ea typeface="Lucida Sans" charset="0"/>
-              <a:cs typeface="Lucida Sans" charset="0"/>
-            </a:endParaRPr>
-          </a:p>
-          <a:p>
-            <a:pPr>
-              <a:lnSpc>
-                <a:spcPct val="150000"/>
-              </a:lnSpc>
-            </a:pPr>
-            <a:r>
-              <a:rPr lang="en-US" sz="1100" b="1" dirty="0" smtClean="0">
-                <a:solidFill>
-                  <a:srgbClr val="00B0F0"/>
-                </a:solidFill>
-                <a:latin typeface="Lucida Sans" charset="0"/>
-                <a:ea typeface="Lucida Sans" charset="0"/>
-                <a:cs typeface="Lucida Sans" charset="0"/>
-              </a:rPr>
-              <a:t>CSU Dominguez Hills </a:t>
-            </a:r>
-            <a:r>
-              <a:rPr lang="en-US" sz="1100" dirty="0" smtClean="0">
-                <a:latin typeface="Lucida Sans" charset="0"/>
-                <a:ea typeface="Lucida Sans" charset="0"/>
-                <a:cs typeface="Lucida Sans" charset="0"/>
-              </a:rPr>
-              <a:t>Concurrent Enrollment</a:t>
-            </a:r>
-          </a:p>
-          <a:p>
-            <a:pPr>
-              <a:lnSpc>
-                <a:spcPct val="150000"/>
-              </a:lnSpc>
-            </a:pPr>
-            <a:r>
-              <a:rPr lang="en-US" sz="900" dirty="0" smtClean="0">
-                <a:latin typeface="Lucida Sans" charset="0"/>
-                <a:ea typeface="Lucida Sans" charset="0"/>
-                <a:cs typeface="Lucida Sans" charset="0"/>
-              </a:rPr>
-              <a:t>Jun 2013 </a:t>
-            </a:r>
-            <a:r>
-              <a:rPr lang="mr-IN" sz="900" dirty="0" smtClean="0">
-                <a:latin typeface="Lucida Sans" charset="0"/>
-                <a:ea typeface="Lucida Sans" charset="0"/>
-                <a:cs typeface="Lucida Sans" charset="0"/>
-              </a:rPr>
-              <a:t>–</a:t>
-            </a:r>
-            <a:r>
-              <a:rPr lang="en-US" sz="900" dirty="0" smtClean="0">
-                <a:latin typeface="Lucida Sans" charset="0"/>
-                <a:ea typeface="Lucida Sans" charset="0"/>
-                <a:cs typeface="Lucida Sans" charset="0"/>
-              </a:rPr>
-              <a:t> May 2016          Overall GPA: 3.978</a:t>
-            </a:r>
-            <a:endParaRPr lang="en-US" sz="900" dirty="0">
-              <a:latin typeface="Lucida Sans" charset="0"/>
-              <a:ea typeface="Lucida Sans" charset="0"/>
-              <a:cs typeface="Lucida Sans" charset="0"/>
-            </a:endParaRPr>
-          </a:p>
-        </p:txBody>
-      </p:sp>
-      <p:cxnSp>
-        <p:nvCxnSpPr>
-          <p:cNvPr id="23" name="Straight Connector 22"/>
-          <p:cNvCxnSpPr/>
-          <p:nvPr/>
-        </p:nvCxnSpPr>
-        <p:spPr>
-          <a:xfrm>
-            <a:off x="221325" y="3847055"/>
-            <a:ext cx="6442244" cy="0"/>
-          </a:xfrm>
-          <a:prstGeom prst="line">
-            <a:avLst/>
-          </a:prstGeom>
-          <a:ln w="9525">
-            <a:solidFill>
-              <a:srgbClr val="00B0F0"/>
-            </a:solidFill>
-          </a:ln>
-        </p:spPr>
-        <p:style>
-          <a:lnRef idx="1">
-            <a:schemeClr val="accent1"/>
-          </a:lnRef>
-          <a:fillRef idx="0">
-            <a:schemeClr val="accent1"/>
-          </a:fillRef>
-          <a:effectRef idx="0">
-            <a:schemeClr val="accent1"/>
-          </a:effectRef>
-          <a:fontRef idx="minor">
-            <a:schemeClr val="tx1"/>
-          </a:fontRef>
-        </p:style>
-      </p:cxnSp>
-      <p:sp>
-        <p:nvSpPr>
-          <p:cNvPr id="26" name="TextBox 25"/>
-          <p:cNvSpPr txBox="1"/>
-          <p:nvPr/>
-        </p:nvSpPr>
-        <p:spPr>
-          <a:xfrm>
-            <a:off x="3245814" y="3856383"/>
-            <a:ext cx="3417755" cy="2172903"/>
-          </a:xfrm>
-          <a:prstGeom prst="rect">
-            <a:avLst/>
-          </a:prstGeom>
-          <a:noFill/>
-        </p:spPr>
-        <p:txBody>
-          <a:bodyPr wrap="square" rtlCol="0">
-            <a:spAutoFit/>
-          </a:bodyPr>
-          <a:lstStyle/>
-          <a:p>
-            <a:pPr>
-              <a:lnSpc>
-                <a:spcPct val="150000"/>
-              </a:lnSpc>
-            </a:pPr>
-            <a:r>
-              <a:rPr lang="en-US" sz="1400" b="1" dirty="0" smtClean="0">
-                <a:latin typeface="Lucida Sans" charset="0"/>
-                <a:ea typeface="Lucida Sans" charset="0"/>
-                <a:cs typeface="Lucida Sans" charset="0"/>
-              </a:rPr>
-              <a:t>Experience</a:t>
-            </a:r>
-            <a:endParaRPr lang="en-US" sz="500" b="1" dirty="0" smtClean="0">
-              <a:latin typeface="Lucida Sans" charset="0"/>
-              <a:ea typeface="Lucida Sans" charset="0"/>
-              <a:cs typeface="Lucida Sans" charset="0"/>
-            </a:endParaRPr>
-          </a:p>
-          <a:p>
-            <a:pPr>
-              <a:lnSpc>
-                <a:spcPct val="150000"/>
-              </a:lnSpc>
-            </a:pPr>
-            <a:r>
-              <a:rPr lang="en-US" sz="1100" b="1" dirty="0" smtClean="0">
-                <a:solidFill>
-                  <a:srgbClr val="00B0F0"/>
-                </a:solidFill>
-                <a:latin typeface="Lucida Sans" charset="0"/>
-                <a:ea typeface="Lucida Sans" charset="0"/>
-                <a:cs typeface="Lucida Sans" charset="0"/>
-              </a:rPr>
-              <a:t>Gulfstream Aerospace </a:t>
-            </a:r>
-            <a:r>
-              <a:rPr lang="en-US" sz="1100" dirty="0" smtClean="0">
-                <a:latin typeface="Lucida Sans" charset="0"/>
-                <a:ea typeface="Lucida Sans" charset="0"/>
-                <a:cs typeface="Lucida Sans" charset="0"/>
-              </a:rPr>
-              <a:t>High School </a:t>
-            </a:r>
-            <a:r>
-              <a:rPr lang="en-US" sz="1100" dirty="0" smtClean="0">
-                <a:latin typeface="Lucida Sans" charset="0"/>
-                <a:ea typeface="Lucida Sans" charset="0"/>
-                <a:cs typeface="Lucida Sans" charset="0"/>
-              </a:rPr>
-              <a:t>Intern</a:t>
-            </a:r>
-            <a:endParaRPr lang="en-US" sz="1100" dirty="0" smtClean="0">
-              <a:latin typeface="Lucida Sans" charset="0"/>
-              <a:ea typeface="Lucida Sans" charset="0"/>
-              <a:cs typeface="Lucida Sans" charset="0"/>
-            </a:endParaRPr>
-          </a:p>
-          <a:p>
-            <a:pPr>
-              <a:lnSpc>
-                <a:spcPct val="150000"/>
-              </a:lnSpc>
-            </a:pPr>
-            <a:r>
-              <a:rPr lang="en-US" sz="900" dirty="0" smtClean="0">
-                <a:latin typeface="Lucida Sans" charset="0"/>
-                <a:ea typeface="Lucida Sans" charset="0"/>
-                <a:cs typeface="Lucida Sans" charset="0"/>
-              </a:rPr>
-              <a:t>Aug 2015 </a:t>
-            </a:r>
-            <a:r>
-              <a:rPr lang="mr-IN" sz="900" dirty="0" smtClean="0">
-                <a:latin typeface="Lucida Sans" charset="0"/>
-                <a:ea typeface="Lucida Sans" charset="0"/>
-                <a:cs typeface="Lucida Sans" charset="0"/>
-              </a:rPr>
-              <a:t>–</a:t>
-            </a:r>
-            <a:r>
-              <a:rPr lang="en-US" sz="900" dirty="0" smtClean="0">
-                <a:latin typeface="Lucida Sans" charset="0"/>
-                <a:ea typeface="Lucida Sans" charset="0"/>
-                <a:cs typeface="Lucida Sans" charset="0"/>
-              </a:rPr>
-              <a:t> May 2016</a:t>
-            </a:r>
-          </a:p>
-          <a:p>
-            <a:pPr>
-              <a:lnSpc>
-                <a:spcPct val="120000"/>
-              </a:lnSpc>
-              <a:spcBef>
-                <a:spcPts val="300"/>
-              </a:spcBef>
-            </a:pPr>
-            <a:r>
-              <a:rPr lang="en-US" sz="900" dirty="0" smtClean="0">
-                <a:latin typeface="Lucida Sans" charset="0"/>
-                <a:ea typeface="Lucida Sans" charset="0"/>
-                <a:cs typeface="Lucida Sans" charset="0"/>
-              </a:rPr>
-              <a:t>Worked with the mechanical engineering teams on interior design drawings of G550 and G650 aircraft. Responsibilities included intensive use of AutoCAD, CATIA, and Excel.</a:t>
-            </a:r>
-            <a:endParaRPr lang="en-US" sz="900" b="1" dirty="0" smtClean="0">
-              <a:latin typeface="Lucida Sans" charset="0"/>
-              <a:ea typeface="Lucida Sans" charset="0"/>
-              <a:cs typeface="Lucida Sans" charset="0"/>
-            </a:endParaRPr>
-          </a:p>
-          <a:p>
-            <a:pPr>
-              <a:lnSpc>
-                <a:spcPct val="120000"/>
-              </a:lnSpc>
-              <a:spcBef>
-                <a:spcPts val="300"/>
-              </a:spcBef>
-            </a:pPr>
-            <a:endParaRPr lang="en-US" sz="500" dirty="0" smtClean="0">
-              <a:latin typeface="Lucida Sans" charset="0"/>
-              <a:ea typeface="Lucida Sans" charset="0"/>
-              <a:cs typeface="Lucida Sans" charset="0"/>
-            </a:endParaRPr>
-          </a:p>
-          <a:p>
-            <a:pPr>
-              <a:lnSpc>
-                <a:spcPct val="150000"/>
-              </a:lnSpc>
-            </a:pPr>
-            <a:r>
-              <a:rPr lang="en-US" sz="1100" b="1" dirty="0" smtClean="0">
-                <a:solidFill>
-                  <a:srgbClr val="00B0F0"/>
-                </a:solidFill>
-                <a:latin typeface="Lucida Sans" charset="0"/>
-                <a:ea typeface="Lucida Sans" charset="0"/>
-                <a:cs typeface="Lucida Sans" charset="0"/>
-              </a:rPr>
-              <a:t>Lab Technician </a:t>
-            </a:r>
-            <a:r>
-              <a:rPr lang="en-US" sz="1100" dirty="0" smtClean="0">
-                <a:latin typeface="Lucida Sans" charset="0"/>
-                <a:ea typeface="Lucida Sans" charset="0"/>
-                <a:cs typeface="Lucida Sans" charset="0"/>
-              </a:rPr>
-              <a:t>Experium Science Academy</a:t>
-            </a:r>
-          </a:p>
-          <a:p>
-            <a:pPr>
-              <a:lnSpc>
-                <a:spcPct val="150000"/>
-              </a:lnSpc>
-            </a:pPr>
-            <a:r>
-              <a:rPr lang="en-US" sz="900" dirty="0" smtClean="0">
-                <a:latin typeface="Lucida Sans" charset="0"/>
-                <a:ea typeface="Lucida Sans" charset="0"/>
-                <a:cs typeface="Lucida Sans" charset="0"/>
-              </a:rPr>
-              <a:t>Jun 2014 </a:t>
-            </a:r>
-            <a:r>
-              <a:rPr lang="mr-IN" sz="900" dirty="0" smtClean="0">
-                <a:latin typeface="Lucida Sans" charset="0"/>
-                <a:ea typeface="Lucida Sans" charset="0"/>
-                <a:cs typeface="Lucida Sans" charset="0"/>
-              </a:rPr>
-              <a:t>–</a:t>
-            </a:r>
-            <a:r>
-              <a:rPr lang="en-US" sz="900" dirty="0" smtClean="0">
-                <a:latin typeface="Lucida Sans" charset="0"/>
-                <a:ea typeface="Lucida Sans" charset="0"/>
-                <a:cs typeface="Lucida Sans" charset="0"/>
-              </a:rPr>
-              <a:t> Aug 2014</a:t>
-            </a:r>
-          </a:p>
-        </p:txBody>
-      </p:sp>
-      <p:sp>
-        <p:nvSpPr>
-          <p:cNvPr id="28" name="TextBox 27"/>
-          <p:cNvSpPr txBox="1"/>
-          <p:nvPr/>
-        </p:nvSpPr>
-        <p:spPr>
-          <a:xfrm>
-            <a:off x="221325" y="3856383"/>
-            <a:ext cx="3040137" cy="2139047"/>
-          </a:xfrm>
-          <a:prstGeom prst="rect">
-            <a:avLst/>
-          </a:prstGeom>
-          <a:noFill/>
-        </p:spPr>
-        <p:txBody>
-          <a:bodyPr wrap="square" numCol="1" rtlCol="0">
-            <a:spAutoFit/>
-          </a:bodyPr>
-          <a:lstStyle/>
-          <a:p>
-            <a:pPr>
-              <a:lnSpc>
-                <a:spcPct val="150000"/>
-              </a:lnSpc>
-            </a:pPr>
-            <a:r>
-              <a:rPr lang="en-US" sz="1400" b="1" dirty="0" smtClean="0">
-                <a:latin typeface="Lucida Sans" charset="0"/>
-                <a:ea typeface="Lucida Sans" charset="0"/>
-                <a:cs typeface="Lucida Sans" charset="0"/>
-              </a:rPr>
-              <a:t>Skills</a:t>
-            </a:r>
-            <a:endParaRPr lang="en-US" sz="2000" b="1" dirty="0" smtClean="0">
-              <a:latin typeface="Lucida Sans" charset="0"/>
-              <a:ea typeface="Lucida Sans" charset="0"/>
-              <a:cs typeface="Lucida Sans" charset="0"/>
-            </a:endParaRPr>
-          </a:p>
-          <a:p>
-            <a:pPr>
-              <a:lnSpc>
-                <a:spcPct val="150000"/>
-              </a:lnSpc>
-            </a:pPr>
-            <a:r>
-              <a:rPr lang="en-US" sz="1100" b="1" dirty="0" smtClean="0">
-                <a:solidFill>
-                  <a:srgbClr val="00B0F0"/>
-                </a:solidFill>
-                <a:latin typeface="Lucida Sans" charset="0"/>
-                <a:ea typeface="Lucida Sans" charset="0"/>
-                <a:cs typeface="Lucida Sans" charset="0"/>
-              </a:rPr>
-              <a:t>Programming</a:t>
-            </a:r>
-            <a:endParaRPr lang="en-US" sz="1100" dirty="0" smtClean="0">
-              <a:solidFill>
-                <a:srgbClr val="00B0F0"/>
-              </a:solidFill>
-              <a:latin typeface="Lucida Sans" charset="0"/>
-              <a:ea typeface="Lucida Sans" charset="0"/>
-              <a:cs typeface="Lucida Sans" charset="0"/>
-            </a:endParaRPr>
-          </a:p>
-          <a:p>
-            <a:pPr>
-              <a:lnSpc>
-                <a:spcPct val="150000"/>
-              </a:lnSpc>
-            </a:pPr>
-            <a:endParaRPr lang="en-US" sz="1000" dirty="0">
-              <a:latin typeface="Lucida Sans" charset="0"/>
-              <a:ea typeface="Lucida Sans" charset="0"/>
-              <a:cs typeface="Lucida Sans" charset="0"/>
-            </a:endParaRPr>
-          </a:p>
-          <a:p>
-            <a:pPr>
-              <a:lnSpc>
-                <a:spcPct val="150000"/>
-              </a:lnSpc>
-            </a:pPr>
-            <a:endParaRPr lang="en-US" sz="1000" dirty="0" smtClean="0">
-              <a:latin typeface="Lucida Sans" charset="0"/>
-              <a:ea typeface="Lucida Sans" charset="0"/>
-              <a:cs typeface="Lucida Sans" charset="0"/>
-            </a:endParaRPr>
-          </a:p>
-          <a:p>
-            <a:pPr>
-              <a:lnSpc>
-                <a:spcPct val="150000"/>
-              </a:lnSpc>
-            </a:pPr>
-            <a:endParaRPr lang="en-US" sz="1000" dirty="0">
-              <a:latin typeface="Lucida Sans" charset="0"/>
-              <a:ea typeface="Lucida Sans" charset="0"/>
-              <a:cs typeface="Lucida Sans" charset="0"/>
-            </a:endParaRPr>
-          </a:p>
-          <a:p>
-            <a:pPr>
-              <a:lnSpc>
-                <a:spcPct val="150000"/>
-              </a:lnSpc>
-            </a:pPr>
-            <a:endParaRPr lang="en-US" sz="1000" dirty="0">
-              <a:latin typeface="Lucida Sans" charset="0"/>
-              <a:ea typeface="Lucida Sans" charset="0"/>
-              <a:cs typeface="Lucida Sans" charset="0"/>
-            </a:endParaRPr>
-          </a:p>
-          <a:p>
-            <a:pPr>
-              <a:lnSpc>
-                <a:spcPct val="150000"/>
-              </a:lnSpc>
-            </a:pPr>
-            <a:endParaRPr lang="en-US" sz="600" dirty="0" smtClean="0">
-              <a:latin typeface="Lucida Sans" charset="0"/>
-              <a:ea typeface="Lucida Sans" charset="0"/>
-              <a:cs typeface="Lucida Sans" charset="0"/>
-            </a:endParaRPr>
-          </a:p>
-          <a:p>
-            <a:pPr>
-              <a:lnSpc>
-                <a:spcPct val="150000"/>
-              </a:lnSpc>
-            </a:pPr>
-            <a:r>
-              <a:rPr lang="en-US" sz="1100" b="1" dirty="0" smtClean="0">
-                <a:solidFill>
-                  <a:srgbClr val="00B0F0"/>
-                </a:solidFill>
-                <a:latin typeface="Lucida Sans" charset="0"/>
-                <a:ea typeface="Lucida Sans" charset="0"/>
-                <a:cs typeface="Lucida Sans" charset="0"/>
-              </a:rPr>
-              <a:t>Applications	</a:t>
-            </a:r>
-            <a:r>
-              <a:rPr lang="en-US" sz="1100" b="1" dirty="0">
-                <a:solidFill>
-                  <a:srgbClr val="00B0F0"/>
-                </a:solidFill>
-                <a:latin typeface="Lucida Sans" charset="0"/>
-                <a:ea typeface="Lucida Sans" charset="0"/>
-                <a:cs typeface="Lucida Sans" charset="0"/>
-              </a:rPr>
-              <a:t> </a:t>
-            </a:r>
-            <a:r>
-              <a:rPr lang="en-US" sz="1100" b="1" dirty="0" smtClean="0">
-                <a:solidFill>
-                  <a:srgbClr val="00B0F0"/>
-                </a:solidFill>
-                <a:latin typeface="Lucida Sans" charset="0"/>
-                <a:ea typeface="Lucida Sans" charset="0"/>
-                <a:cs typeface="Lucida Sans" charset="0"/>
-              </a:rPr>
-              <a:t>          Languages</a:t>
-            </a:r>
-            <a:endParaRPr lang="en-US" sz="1100" b="1" dirty="0">
-              <a:solidFill>
-                <a:srgbClr val="00B0F0"/>
-              </a:solidFill>
-              <a:latin typeface="Lucida Sans" charset="0"/>
-              <a:ea typeface="Lucida Sans" charset="0"/>
-              <a:cs typeface="Lucida Sans" charset="0"/>
-            </a:endParaRPr>
-          </a:p>
-          <a:p>
-            <a:endParaRPr lang="en-US" sz="1000" dirty="0" smtClean="0">
-              <a:latin typeface="Lucida Sans" charset="0"/>
-              <a:ea typeface="Lucida Sans" charset="0"/>
-              <a:cs typeface="Lucida Sans" charset="0"/>
-            </a:endParaRPr>
-          </a:p>
-        </p:txBody>
-      </p:sp>
-      <p:sp>
-        <p:nvSpPr>
-          <p:cNvPr id="30" name="Rectangle 29"/>
-          <p:cNvSpPr/>
-          <p:nvPr/>
-        </p:nvSpPr>
-        <p:spPr>
-          <a:xfrm>
-            <a:off x="221324" y="4453122"/>
-            <a:ext cx="1032710" cy="896207"/>
-          </a:xfrm>
-          <a:prstGeom prst="rect">
-            <a:avLst/>
-          </a:prstGeom>
-        </p:spPr>
-        <p:txBody>
-          <a:bodyPr wrap="square">
-            <a:spAutoFit/>
-          </a:bodyPr>
-          <a:lstStyle/>
-          <a:p>
-            <a:pPr>
-              <a:lnSpc>
-                <a:spcPct val="150000"/>
-              </a:lnSpc>
-            </a:pPr>
-            <a:r>
-              <a:rPr lang="en-US" sz="900" dirty="0">
-                <a:latin typeface="Lucida Sans" charset="0"/>
-                <a:ea typeface="Lucida Sans" charset="0"/>
-                <a:cs typeface="Lucida Sans" charset="0"/>
-              </a:rPr>
-              <a:t>Python</a:t>
-            </a:r>
-          </a:p>
-          <a:p>
-            <a:pPr>
-              <a:lnSpc>
-                <a:spcPct val="150000"/>
-              </a:lnSpc>
-            </a:pPr>
-            <a:r>
-              <a:rPr lang="en-US" sz="900" dirty="0">
-                <a:latin typeface="Lucida Sans" charset="0"/>
-                <a:ea typeface="Lucida Sans" charset="0"/>
-                <a:cs typeface="Lucida Sans" charset="0"/>
-              </a:rPr>
-              <a:t>HTML</a:t>
-            </a:r>
-          </a:p>
-          <a:p>
-            <a:pPr>
-              <a:lnSpc>
-                <a:spcPct val="150000"/>
-              </a:lnSpc>
-            </a:pPr>
-            <a:r>
-              <a:rPr lang="en-US" sz="900" dirty="0">
-                <a:latin typeface="Lucida Sans" charset="0"/>
-                <a:ea typeface="Lucida Sans" charset="0"/>
-                <a:cs typeface="Lucida Sans" charset="0"/>
-              </a:rPr>
-              <a:t>CSS</a:t>
-            </a:r>
-          </a:p>
-          <a:p>
-            <a:pPr>
-              <a:lnSpc>
-                <a:spcPct val="150000"/>
-              </a:lnSpc>
-            </a:pPr>
-            <a:r>
-              <a:rPr lang="en-US" sz="900" dirty="0" smtClean="0">
-                <a:latin typeface="Lucida Sans" charset="0"/>
-                <a:ea typeface="Lucida Sans" charset="0"/>
-                <a:cs typeface="Lucida Sans" charset="0"/>
-              </a:rPr>
-              <a:t>JQuery</a:t>
-            </a:r>
-            <a:endParaRPr lang="en-US" sz="900" dirty="0">
-              <a:latin typeface="Lucida Sans" charset="0"/>
-              <a:ea typeface="Lucida Sans" charset="0"/>
-              <a:cs typeface="Lucida Sans" charset="0"/>
-            </a:endParaRPr>
-          </a:p>
-        </p:txBody>
-      </p:sp>
-      <p:sp>
-        <p:nvSpPr>
-          <p:cNvPr id="31" name="Rectangle 30"/>
-          <p:cNvSpPr/>
-          <p:nvPr/>
-        </p:nvSpPr>
-        <p:spPr>
-          <a:xfrm>
-            <a:off x="1441442" y="4461633"/>
-            <a:ext cx="1032710" cy="896207"/>
-          </a:xfrm>
-          <a:prstGeom prst="rect">
-            <a:avLst/>
-          </a:prstGeom>
-        </p:spPr>
-        <p:txBody>
-          <a:bodyPr wrap="square">
-            <a:spAutoFit/>
-          </a:bodyPr>
-          <a:lstStyle/>
-          <a:p>
-            <a:pPr>
-              <a:lnSpc>
-                <a:spcPct val="150000"/>
-              </a:lnSpc>
-            </a:pPr>
-            <a:r>
-              <a:rPr lang="en-US" sz="900" dirty="0" smtClean="0">
-                <a:latin typeface="Lucida Sans" charset="0"/>
-                <a:ea typeface="Lucida Sans" charset="0"/>
-                <a:cs typeface="Lucida Sans" charset="0"/>
-              </a:rPr>
-              <a:t>Java</a:t>
-            </a:r>
-            <a:endParaRPr lang="en-US" sz="900" dirty="0">
-              <a:latin typeface="Lucida Sans" charset="0"/>
-              <a:ea typeface="Lucida Sans" charset="0"/>
-              <a:cs typeface="Lucida Sans" charset="0"/>
-            </a:endParaRPr>
-          </a:p>
-          <a:p>
-            <a:pPr>
-              <a:lnSpc>
-                <a:spcPct val="150000"/>
-              </a:lnSpc>
-            </a:pPr>
-            <a:r>
-              <a:rPr lang="en-US" sz="900" dirty="0" smtClean="0">
-                <a:latin typeface="Lucida Sans" charset="0"/>
-                <a:ea typeface="Lucida Sans" charset="0"/>
-                <a:cs typeface="Lucida Sans" charset="0"/>
-              </a:rPr>
-              <a:t>Ruby</a:t>
-            </a:r>
-            <a:endParaRPr lang="en-US" sz="900" dirty="0">
-              <a:latin typeface="Lucida Sans" charset="0"/>
-              <a:ea typeface="Lucida Sans" charset="0"/>
-              <a:cs typeface="Lucida Sans" charset="0"/>
-            </a:endParaRPr>
-          </a:p>
-          <a:p>
-            <a:pPr>
-              <a:lnSpc>
-                <a:spcPct val="150000"/>
-              </a:lnSpc>
-            </a:pPr>
-            <a:r>
-              <a:rPr lang="en-US" sz="900" dirty="0" smtClean="0">
-                <a:latin typeface="Lucida Sans" charset="0"/>
-                <a:ea typeface="Lucida Sans" charset="0"/>
-                <a:cs typeface="Lucida Sans" charset="0"/>
-              </a:rPr>
-              <a:t>Scheme</a:t>
-            </a:r>
-            <a:endParaRPr lang="en-US" sz="900" dirty="0">
-              <a:latin typeface="Lucida Sans" charset="0"/>
-              <a:ea typeface="Lucida Sans" charset="0"/>
-              <a:cs typeface="Lucida Sans" charset="0"/>
-            </a:endParaRPr>
-          </a:p>
-          <a:p>
-            <a:pPr>
-              <a:lnSpc>
-                <a:spcPct val="150000"/>
-              </a:lnSpc>
-            </a:pPr>
-            <a:r>
-              <a:rPr lang="en-US" sz="900" dirty="0" smtClean="0">
-                <a:latin typeface="Lucida Sans" charset="0"/>
-                <a:ea typeface="Lucida Sans" charset="0"/>
-                <a:cs typeface="Lucida Sans" charset="0"/>
-              </a:rPr>
-              <a:t>SQL</a:t>
-            </a:r>
-            <a:endParaRPr lang="en-US" sz="900" dirty="0">
-              <a:latin typeface="Lucida Sans" charset="0"/>
-              <a:ea typeface="Lucida Sans" charset="0"/>
-              <a:cs typeface="Lucida Sans" charset="0"/>
-            </a:endParaRPr>
-          </a:p>
-        </p:txBody>
-      </p:sp>
-      <p:sp>
-        <p:nvSpPr>
-          <p:cNvPr id="32" name="Rectangle 31"/>
-          <p:cNvSpPr/>
-          <p:nvPr/>
-        </p:nvSpPr>
-        <p:spPr>
-          <a:xfrm>
-            <a:off x="221324" y="5743099"/>
-            <a:ext cx="1032710" cy="896207"/>
-          </a:xfrm>
-          <a:prstGeom prst="rect">
-            <a:avLst/>
-          </a:prstGeom>
-        </p:spPr>
-        <p:txBody>
-          <a:bodyPr wrap="square">
-            <a:spAutoFit/>
-          </a:bodyPr>
-          <a:lstStyle/>
-          <a:p>
-            <a:pPr>
-              <a:lnSpc>
-                <a:spcPct val="150000"/>
-              </a:lnSpc>
-            </a:pPr>
-            <a:r>
-              <a:rPr lang="en-US" sz="900" dirty="0" smtClean="0">
-                <a:latin typeface="Lucida Sans" charset="0"/>
-                <a:ea typeface="Lucida Sans" charset="0"/>
-                <a:cs typeface="Lucida Sans" charset="0"/>
-              </a:rPr>
-              <a:t>AutoCAD</a:t>
-            </a:r>
-            <a:endParaRPr lang="en-US" sz="900" dirty="0">
-              <a:latin typeface="Lucida Sans" charset="0"/>
-              <a:ea typeface="Lucida Sans" charset="0"/>
-              <a:cs typeface="Lucida Sans" charset="0"/>
-            </a:endParaRPr>
-          </a:p>
-          <a:p>
-            <a:pPr>
-              <a:lnSpc>
-                <a:spcPct val="150000"/>
-              </a:lnSpc>
-            </a:pPr>
-            <a:r>
-              <a:rPr lang="en-US" sz="900" dirty="0" smtClean="0">
-                <a:latin typeface="Lucida Sans" charset="0"/>
-                <a:ea typeface="Lucida Sans" charset="0"/>
-                <a:cs typeface="Lucida Sans" charset="0"/>
-              </a:rPr>
-              <a:t>Inventor</a:t>
-            </a:r>
-            <a:endParaRPr lang="en-US" sz="900" dirty="0">
-              <a:latin typeface="Lucida Sans" charset="0"/>
-              <a:ea typeface="Lucida Sans" charset="0"/>
-              <a:cs typeface="Lucida Sans" charset="0"/>
-            </a:endParaRPr>
-          </a:p>
-          <a:p>
-            <a:pPr>
-              <a:lnSpc>
-                <a:spcPct val="150000"/>
-              </a:lnSpc>
-            </a:pPr>
-            <a:r>
-              <a:rPr lang="en-US" sz="900" dirty="0" smtClean="0">
-                <a:latin typeface="Lucida Sans" charset="0"/>
-                <a:ea typeface="Lucida Sans" charset="0"/>
-                <a:cs typeface="Lucida Sans" charset="0"/>
-              </a:rPr>
-              <a:t>Solidworks</a:t>
-            </a:r>
-            <a:endParaRPr lang="en-US" sz="900" dirty="0">
-              <a:latin typeface="Lucida Sans" charset="0"/>
-              <a:ea typeface="Lucida Sans" charset="0"/>
-              <a:cs typeface="Lucida Sans" charset="0"/>
-            </a:endParaRPr>
-          </a:p>
-          <a:p>
-            <a:pPr>
-              <a:lnSpc>
-                <a:spcPct val="150000"/>
-              </a:lnSpc>
-            </a:pPr>
-            <a:r>
-              <a:rPr lang="en-US" sz="900" dirty="0" smtClean="0">
-                <a:latin typeface="Lucida Sans" charset="0"/>
-                <a:ea typeface="Lucida Sans" charset="0"/>
-                <a:cs typeface="Lucida Sans" charset="0"/>
-              </a:rPr>
-              <a:t>Final Cut Pro</a:t>
-            </a:r>
-            <a:endParaRPr lang="en-US" sz="900" dirty="0">
-              <a:latin typeface="Lucida Sans" charset="0"/>
-              <a:ea typeface="Lucida Sans" charset="0"/>
-              <a:cs typeface="Lucida Sans" charset="0"/>
-            </a:endParaRPr>
-          </a:p>
-        </p:txBody>
-      </p:sp>
-      <p:cxnSp>
-        <p:nvCxnSpPr>
-          <p:cNvPr id="35" name="Straight Connector 34"/>
-          <p:cNvCxnSpPr/>
-          <p:nvPr/>
-        </p:nvCxnSpPr>
-        <p:spPr>
-          <a:xfrm>
-            <a:off x="168178" y="6801933"/>
-            <a:ext cx="6442244" cy="0"/>
-          </a:xfrm>
-          <a:prstGeom prst="line">
-            <a:avLst/>
-          </a:prstGeom>
-          <a:ln w="9525">
-            <a:solidFill>
-              <a:srgbClr val="00B0F0"/>
-            </a:solidFill>
-          </a:ln>
-        </p:spPr>
-        <p:style>
-          <a:lnRef idx="1">
-            <a:schemeClr val="accent1"/>
-          </a:lnRef>
-          <a:fillRef idx="0">
-            <a:schemeClr val="accent1"/>
-          </a:fillRef>
-          <a:effectRef idx="0">
-            <a:schemeClr val="accent1"/>
-          </a:effectRef>
-          <a:fontRef idx="minor">
-            <a:schemeClr val="tx1"/>
-          </a:fontRef>
-        </p:style>
-      </p:cxnSp>
-      <p:sp>
-        <p:nvSpPr>
-          <p:cNvPr id="41" name="Rectangle 40"/>
-          <p:cNvSpPr/>
-          <p:nvPr/>
-        </p:nvSpPr>
-        <p:spPr>
-          <a:xfrm>
-            <a:off x="1611105" y="5736450"/>
-            <a:ext cx="1469277" cy="688458"/>
-          </a:xfrm>
-          <a:prstGeom prst="rect">
-            <a:avLst/>
-          </a:prstGeom>
-        </p:spPr>
-        <p:txBody>
-          <a:bodyPr wrap="square">
-            <a:spAutoFit/>
-          </a:bodyPr>
-          <a:lstStyle/>
-          <a:p>
-            <a:pPr>
-              <a:lnSpc>
-                <a:spcPct val="150000"/>
-              </a:lnSpc>
-            </a:pPr>
-            <a:r>
-              <a:rPr lang="en-US" sz="900" dirty="0" smtClean="0">
-                <a:latin typeface="Lucida Sans" charset="0"/>
-                <a:ea typeface="Lucida Sans" charset="0"/>
-                <a:cs typeface="Lucida Sans" charset="0"/>
-              </a:rPr>
-              <a:t>English</a:t>
-            </a:r>
-            <a:endParaRPr lang="en-US" sz="900" dirty="0">
-              <a:latin typeface="Lucida Sans" charset="0"/>
-              <a:ea typeface="Lucida Sans" charset="0"/>
-              <a:cs typeface="Lucida Sans" charset="0"/>
-            </a:endParaRPr>
-          </a:p>
-          <a:p>
-            <a:pPr>
-              <a:lnSpc>
-                <a:spcPct val="150000"/>
-              </a:lnSpc>
-            </a:pPr>
-            <a:r>
-              <a:rPr lang="en-US" sz="900" dirty="0" smtClean="0">
-                <a:latin typeface="Lucida Sans" charset="0"/>
-                <a:ea typeface="Lucida Sans" charset="0"/>
-                <a:cs typeface="Lucida Sans" charset="0"/>
-              </a:rPr>
-              <a:t>Chinese (Mandarin)</a:t>
-            </a:r>
-            <a:endParaRPr lang="en-US" sz="900" dirty="0">
-              <a:latin typeface="Lucida Sans" charset="0"/>
-              <a:ea typeface="Lucida Sans" charset="0"/>
-              <a:cs typeface="Lucida Sans" charset="0"/>
-            </a:endParaRPr>
-          </a:p>
-          <a:p>
-            <a:pPr>
-              <a:lnSpc>
-                <a:spcPct val="150000"/>
-              </a:lnSpc>
-            </a:pPr>
-            <a:r>
-              <a:rPr lang="en-US" sz="900" dirty="0" smtClean="0">
-                <a:latin typeface="Lucida Sans" charset="0"/>
-                <a:ea typeface="Lucida Sans" charset="0"/>
-                <a:cs typeface="Lucida Sans" charset="0"/>
-              </a:rPr>
-              <a:t>Spanish</a:t>
-            </a:r>
-            <a:endParaRPr lang="en-US" sz="900" dirty="0">
-              <a:latin typeface="Lucida Sans" charset="0"/>
-              <a:ea typeface="Lucida Sans" charset="0"/>
-              <a:cs typeface="Lucida Sans" charset="0"/>
-            </a:endParaRPr>
-          </a:p>
-        </p:txBody>
-      </p:sp>
-      <p:sp>
-        <p:nvSpPr>
-          <p:cNvPr id="42" name="TextBox 41"/>
-          <p:cNvSpPr txBox="1"/>
-          <p:nvPr/>
-        </p:nvSpPr>
-        <p:spPr>
-          <a:xfrm>
-            <a:off x="168178" y="6831301"/>
-            <a:ext cx="3221122" cy="2012859"/>
-          </a:xfrm>
-          <a:prstGeom prst="rect">
-            <a:avLst/>
-          </a:prstGeom>
-          <a:noFill/>
-        </p:spPr>
-        <p:txBody>
-          <a:bodyPr wrap="square" rtlCol="0">
-            <a:spAutoFit/>
-          </a:bodyPr>
-          <a:lstStyle/>
-          <a:p>
-            <a:pPr>
-              <a:lnSpc>
-                <a:spcPct val="150000"/>
-              </a:lnSpc>
-            </a:pPr>
-            <a:r>
-              <a:rPr lang="en-US" sz="1400" b="1" dirty="0" smtClean="0">
-                <a:latin typeface="Lucida Sans" charset="0"/>
-                <a:ea typeface="Lucida Sans" charset="0"/>
-                <a:cs typeface="Lucida Sans" charset="0"/>
-              </a:rPr>
-              <a:t>Projects</a:t>
-            </a:r>
-            <a:endParaRPr lang="en-US" sz="2000" b="1" dirty="0" smtClean="0">
-              <a:latin typeface="Lucida Sans" charset="0"/>
-              <a:ea typeface="Lucida Sans" charset="0"/>
-              <a:cs typeface="Lucida Sans" charset="0"/>
-            </a:endParaRPr>
-          </a:p>
-          <a:p>
-            <a:pPr>
-              <a:lnSpc>
-                <a:spcPct val="150000"/>
-              </a:lnSpc>
-            </a:pPr>
-            <a:r>
-              <a:rPr lang="en-US" sz="1100" b="1" dirty="0" smtClean="0">
-                <a:solidFill>
-                  <a:srgbClr val="00B0F0"/>
-                </a:solidFill>
-                <a:latin typeface="Lucida Sans" charset="0"/>
-                <a:ea typeface="Lucida Sans" charset="0"/>
-                <a:cs typeface="Lucida Sans" charset="0"/>
-              </a:rPr>
-              <a:t>Scheme Interpreter </a:t>
-            </a:r>
-            <a:r>
-              <a:rPr lang="en-US" sz="1100" dirty="0" smtClean="0">
-                <a:latin typeface="Lucida Sans" charset="0"/>
-                <a:ea typeface="Lucida Sans" charset="0"/>
-                <a:cs typeface="Lucida Sans" charset="0"/>
-              </a:rPr>
-              <a:t>CS 61A, Fall 2016</a:t>
-            </a:r>
-          </a:p>
-          <a:p>
-            <a:pPr>
-              <a:lnSpc>
-                <a:spcPct val="120000"/>
-              </a:lnSpc>
-            </a:pPr>
-            <a:r>
-              <a:rPr lang="en-US" sz="900" dirty="0" smtClean="0">
-                <a:latin typeface="Lucida Sans" charset="0"/>
-                <a:ea typeface="Lucida Sans" charset="0"/>
-                <a:cs typeface="Lucida Sans" charset="0"/>
-              </a:rPr>
-              <a:t>Interactive Interpreter that reads and executes user input in Scheme, a dialect of Lisp. Project is written in Python and focuses on Object Orientated Programming and environments.</a:t>
-            </a:r>
-          </a:p>
-          <a:p>
-            <a:pPr>
-              <a:lnSpc>
-                <a:spcPct val="120000"/>
-              </a:lnSpc>
-            </a:pPr>
-            <a:endParaRPr lang="en-US" sz="500" dirty="0" smtClean="0">
-              <a:latin typeface="Lucida Sans" charset="0"/>
-              <a:ea typeface="Lucida Sans" charset="0"/>
-              <a:cs typeface="Lucida Sans" charset="0"/>
-            </a:endParaRPr>
-          </a:p>
-          <a:p>
-            <a:pPr>
-              <a:lnSpc>
-                <a:spcPct val="150000"/>
-              </a:lnSpc>
-            </a:pPr>
-            <a:r>
-              <a:rPr lang="en-US" sz="1100" b="1" dirty="0">
-                <a:solidFill>
-                  <a:srgbClr val="00B0F0"/>
-                </a:solidFill>
-                <a:latin typeface="Lucida Sans" charset="0"/>
-                <a:ea typeface="Lucida Sans" charset="0"/>
-                <a:cs typeface="Lucida Sans" charset="0"/>
-              </a:rPr>
-              <a:t>h</a:t>
-            </a:r>
-            <a:r>
-              <a:rPr lang="en-US" sz="1100" b="1" dirty="0" smtClean="0">
-                <a:solidFill>
-                  <a:srgbClr val="00B0F0"/>
-                </a:solidFill>
-                <a:latin typeface="Lucida Sans" charset="0"/>
-                <a:ea typeface="Lucida Sans" charset="0"/>
-                <a:cs typeface="Lucida Sans" charset="0"/>
-              </a:rPr>
-              <a:t>antaowang.me</a:t>
-            </a:r>
-            <a:r>
-              <a:rPr lang="en-US" sz="1100" b="1" dirty="0" smtClean="0">
-                <a:latin typeface="Lucida Sans" charset="0"/>
-                <a:ea typeface="Lucida Sans" charset="0"/>
-                <a:cs typeface="Lucida Sans" charset="0"/>
-              </a:rPr>
-              <a:t> </a:t>
-            </a:r>
-            <a:r>
-              <a:rPr lang="en-US" sz="1100" dirty="0" smtClean="0">
-                <a:latin typeface="Lucida Sans" charset="0"/>
-                <a:ea typeface="Lucida Sans" charset="0"/>
-                <a:cs typeface="Lucida Sans" charset="0"/>
-              </a:rPr>
-              <a:t>Personal, Winter 2016</a:t>
-            </a:r>
-          </a:p>
-          <a:p>
-            <a:pPr>
-              <a:lnSpc>
-                <a:spcPct val="120000"/>
-              </a:lnSpc>
-            </a:pPr>
-            <a:r>
-              <a:rPr lang="en-US" sz="900" dirty="0" smtClean="0">
-                <a:latin typeface="Lucida Sans" charset="0"/>
-                <a:ea typeface="Lucida Sans" charset="0"/>
-                <a:cs typeface="Lucida Sans" charset="0"/>
-              </a:rPr>
-              <a:t>Professional website written in HTML, CSS, and JQuery.</a:t>
-            </a:r>
-          </a:p>
-        </p:txBody>
-      </p:sp>
-      <p:sp>
-        <p:nvSpPr>
-          <p:cNvPr id="43" name="TextBox 42"/>
-          <p:cNvSpPr txBox="1"/>
-          <p:nvPr/>
-        </p:nvSpPr>
-        <p:spPr>
-          <a:xfrm>
-            <a:off x="3455894" y="6798726"/>
-            <a:ext cx="3221122" cy="2180597"/>
-          </a:xfrm>
-          <a:prstGeom prst="rect">
-            <a:avLst/>
-          </a:prstGeom>
-          <a:noFill/>
-        </p:spPr>
-        <p:txBody>
-          <a:bodyPr wrap="square" rtlCol="0">
-            <a:spAutoFit/>
-          </a:bodyPr>
-          <a:lstStyle/>
-          <a:p>
-            <a:pPr>
-              <a:lnSpc>
-                <a:spcPct val="150000"/>
-              </a:lnSpc>
-            </a:pPr>
-            <a:r>
-              <a:rPr lang="en-US" sz="1400" b="1" dirty="0" smtClean="0">
-                <a:latin typeface="Lucida Sans" charset="0"/>
-                <a:ea typeface="Lucida Sans" charset="0"/>
-                <a:cs typeface="Lucida Sans" charset="0"/>
-              </a:rPr>
-              <a:t> </a:t>
-            </a:r>
-            <a:endParaRPr lang="en-US" sz="2000" b="1" dirty="0" smtClean="0">
-              <a:latin typeface="Lucida Sans" charset="0"/>
-              <a:ea typeface="Lucida Sans" charset="0"/>
-              <a:cs typeface="Lucida Sans" charset="0"/>
-            </a:endParaRPr>
-          </a:p>
-          <a:p>
-            <a:pPr>
-              <a:lnSpc>
-                <a:spcPct val="150000"/>
-              </a:lnSpc>
-            </a:pPr>
-            <a:r>
-              <a:rPr lang="en-US" sz="1100" b="1" dirty="0" smtClean="0">
-                <a:solidFill>
-                  <a:srgbClr val="00B0F0"/>
-                </a:solidFill>
-                <a:latin typeface="Lucida Sans" charset="0"/>
-                <a:ea typeface="Lucida Sans" charset="0"/>
-                <a:cs typeface="Lucida Sans" charset="0"/>
-              </a:rPr>
-              <a:t>Ruby Blackjack</a:t>
-            </a:r>
-            <a:r>
-              <a:rPr lang="en-US" sz="1100" b="1" dirty="0" smtClean="0">
-                <a:latin typeface="Lucida Sans" charset="0"/>
-                <a:ea typeface="Lucida Sans" charset="0"/>
-                <a:cs typeface="Lucida Sans" charset="0"/>
-              </a:rPr>
-              <a:t> </a:t>
-            </a:r>
-            <a:r>
-              <a:rPr lang="en-US" sz="1100" dirty="0" smtClean="0">
-                <a:latin typeface="Lucida Sans" charset="0"/>
-                <a:ea typeface="Lucida Sans" charset="0"/>
-                <a:cs typeface="Lucida Sans" charset="0"/>
-              </a:rPr>
-              <a:t>Personal, Winter 2016</a:t>
-            </a:r>
-          </a:p>
-          <a:p>
-            <a:pPr>
-              <a:lnSpc>
-                <a:spcPct val="120000"/>
-              </a:lnSpc>
-            </a:pPr>
-            <a:r>
-              <a:rPr lang="en-US" sz="900" dirty="0" smtClean="0">
-                <a:latin typeface="Lucida Sans" charset="0"/>
-                <a:ea typeface="Lucida Sans" charset="0"/>
-                <a:cs typeface="Lucida Sans" charset="0"/>
-              </a:rPr>
-              <a:t>Object orientation blackjack game written in Ruby and run in a terminal, complete with a simple AI dealer. Card drawing implementation designed to allow card counting.</a:t>
-            </a:r>
-          </a:p>
-          <a:p>
-            <a:pPr>
-              <a:lnSpc>
-                <a:spcPct val="120000"/>
-              </a:lnSpc>
-              <a:spcBef>
-                <a:spcPts val="300"/>
-              </a:spcBef>
-            </a:pPr>
-            <a:endParaRPr lang="en-US" sz="300" dirty="0" smtClean="0">
-              <a:latin typeface="Lucida Sans" charset="0"/>
-              <a:ea typeface="Lucida Sans" charset="0"/>
-              <a:cs typeface="Lucida Sans" charset="0"/>
-            </a:endParaRPr>
-          </a:p>
-          <a:p>
-            <a:pPr>
-              <a:lnSpc>
-                <a:spcPct val="150000"/>
-              </a:lnSpc>
-            </a:pPr>
-            <a:r>
-              <a:rPr lang="en-US" sz="1100" b="1" dirty="0" smtClean="0">
-                <a:solidFill>
-                  <a:srgbClr val="00B0F0"/>
-                </a:solidFill>
-                <a:latin typeface="Lucida Sans" charset="0"/>
-                <a:ea typeface="Lucida Sans" charset="0"/>
-                <a:cs typeface="Lucida Sans" charset="0"/>
-              </a:rPr>
-              <a:t>pyCalc</a:t>
-            </a:r>
-            <a:r>
-              <a:rPr lang="en-US" sz="1100" dirty="0" smtClean="0">
-                <a:latin typeface="Lucida Sans" charset="0"/>
-                <a:ea typeface="Lucida Sans" charset="0"/>
-                <a:cs typeface="Lucida Sans" charset="0"/>
-              </a:rPr>
-              <a:t> </a:t>
-            </a:r>
-            <a:r>
-              <a:rPr lang="en-US" sz="1100" dirty="0">
-                <a:latin typeface="Lucida Sans" charset="0"/>
-                <a:ea typeface="Lucida Sans" charset="0"/>
-                <a:cs typeface="Lucida Sans" charset="0"/>
-              </a:rPr>
-              <a:t>Personal, </a:t>
-            </a:r>
-            <a:r>
-              <a:rPr lang="en-US" sz="1100" dirty="0" smtClean="0">
-                <a:latin typeface="Lucida Sans" charset="0"/>
-                <a:ea typeface="Lucida Sans" charset="0"/>
-                <a:cs typeface="Lucida Sans" charset="0"/>
-              </a:rPr>
-              <a:t>Fall 2016</a:t>
-            </a:r>
-            <a:endParaRPr lang="en-US" sz="1100" dirty="0">
-              <a:latin typeface="Lucida Sans" charset="0"/>
-              <a:ea typeface="Lucida Sans" charset="0"/>
-              <a:cs typeface="Lucida Sans" charset="0"/>
-            </a:endParaRPr>
-          </a:p>
-          <a:p>
-            <a:pPr>
-              <a:lnSpc>
-                <a:spcPct val="120000"/>
-              </a:lnSpc>
-            </a:pPr>
-            <a:r>
-              <a:rPr lang="en-US" sz="900" dirty="0" smtClean="0">
-                <a:latin typeface="Lucida Sans" charset="0"/>
-                <a:ea typeface="Lucida Sans" charset="0"/>
-                <a:cs typeface="Lucida Sans" charset="0"/>
-              </a:rPr>
-              <a:t>Python based graphing calculator that reads, evaluates, and graphs user input. Emphasis on Read-</a:t>
-            </a:r>
-            <a:r>
-              <a:rPr lang="en-US" sz="900" dirty="0" err="1" smtClean="0">
-                <a:latin typeface="Lucida Sans" charset="0"/>
-                <a:ea typeface="Lucida Sans" charset="0"/>
-                <a:cs typeface="Lucida Sans" charset="0"/>
-              </a:rPr>
-              <a:t>Evalv</a:t>
-            </a:r>
-            <a:r>
-              <a:rPr lang="en-US" sz="900" dirty="0" smtClean="0">
-                <a:latin typeface="Lucida Sans" charset="0"/>
-                <a:ea typeface="Lucida Sans" charset="0"/>
-                <a:cs typeface="Lucida Sans" charset="0"/>
-              </a:rPr>
-              <a:t>-Print Loops (REPL) and tree objects.</a:t>
-            </a:r>
-            <a:endParaRPr lang="en-US" sz="900" dirty="0">
-              <a:latin typeface="Lucida Sans" charset="0"/>
-              <a:ea typeface="Lucida Sans" charset="0"/>
-              <a:cs typeface="Lucida Sans" charset="0"/>
-            </a:endParaRPr>
-          </a:p>
-        </p:txBody>
-      </p:sp>
-      <p:sp>
-        <p:nvSpPr>
-          <p:cNvPr id="18" name="TextBox 17"/>
-          <p:cNvSpPr txBox="1"/>
-          <p:nvPr/>
-        </p:nvSpPr>
-        <p:spPr>
-          <a:xfrm>
-            <a:off x="143993" y="169652"/>
-            <a:ext cx="3992578" cy="984885"/>
-          </a:xfrm>
-          <a:prstGeom prst="rect">
-            <a:avLst/>
-          </a:prstGeom>
           <a:ln>
             <a:noFill/>
           </a:ln>
@@ -4943,195 +3580,1052 @@
           </a:bodyPr>
           <a:lstStyle/>
           <a:p>
-            <a:r>
-              <a:rPr lang="en-US" sz="2000" b="1" dirty="0" smtClean="0">
+            <a:pPr algn="ctr"/>
+            <a:r>
+              <a:rPr lang="en-US" sz="4000" spc="300" dirty="0" smtClean="0">
+                <a:solidFill>
+                  <a:schemeClr val="bg1"/>
+                </a:solidFill>
+                <a:latin typeface="Lucida Sans" charset="0"/>
+                <a:ea typeface="Lucida Sans" charset="0"/>
+                <a:cs typeface="Lucida Sans" charset="0"/>
+              </a:rPr>
+              <a:t>WILL</a:t>
+            </a:r>
+          </a:p>
+          <a:p>
+            <a:pPr algn="ctr"/>
+            <a:r>
+              <a:rPr lang="en-US" sz="4000" spc="300" dirty="0" smtClean="0">
+                <a:solidFill>
+                  <a:schemeClr val="bg1"/>
+                </a:solidFill>
+                <a:latin typeface="Lucida Sans" charset="0"/>
+                <a:ea typeface="Lucida Sans" charset="0"/>
+                <a:cs typeface="Lucida Sans" charset="0"/>
+              </a:rPr>
+              <a:t>WANG</a:t>
+            </a:r>
+          </a:p>
+        </p:txBody>
+      </p:sp>
+      <p:sp>
+        <p:nvSpPr>
+          <p:cNvPr id="18" name="TextBox 17"/>
+          <p:cNvSpPr txBox="1"/>
+          <p:nvPr/>
+        </p:nvSpPr>
+        <p:spPr>
+          <a:xfrm>
+            <a:off x="-24939" y="3501130"/>
+            <a:ext cx="2588952" cy="369332"/>
+          </a:xfrm>
+          <a:prstGeom prst="rect">
+            <a:avLst/>
+          </a:prstGeom>
+          <a:noFill/>
+          <a:ln>
+            <a:noFill/>
+          </a:ln>
+        </p:spPr>
+        <p:style>
+          <a:lnRef idx="2">
+            <a:schemeClr val="accent2"/>
+          </a:lnRef>
+          <a:fillRef idx="1">
+            <a:schemeClr val="lt1"/>
+          </a:fillRef>
+          <a:effectRef idx="0">
+            <a:schemeClr val="accent2"/>
+          </a:effectRef>
+          <a:fontRef idx="minor">
+            <a:schemeClr val="dk1"/>
+          </a:fontRef>
+        </p:style>
+        <p:txBody>
+          <a:bodyPr wrap="square" rtlCol="0">
+            <a:spAutoFit/>
+          </a:bodyPr>
+          <a:lstStyle/>
+          <a:p>
+            <a:pPr algn="ctr"/>
+            <a:r>
+              <a:rPr lang="en-US" dirty="0" smtClean="0">
+                <a:solidFill>
+                  <a:schemeClr val="bg1"/>
+                </a:solidFill>
+                <a:latin typeface="Lucida Sans" charset="0"/>
+                <a:ea typeface="Lucida Sans" charset="0"/>
+                <a:cs typeface="Lucida Sans" charset="0"/>
+              </a:rPr>
+              <a:t>Front End Developer</a:t>
+            </a:r>
+          </a:p>
+        </p:txBody>
+      </p:sp>
+      <p:grpSp>
+        <p:nvGrpSpPr>
+          <p:cNvPr id="4" name="Group 3"/>
+          <p:cNvGrpSpPr/>
+          <p:nvPr/>
+        </p:nvGrpSpPr>
+        <p:grpSpPr>
+          <a:xfrm>
+            <a:off x="2789700" y="1370325"/>
+            <a:ext cx="4065541" cy="1733829"/>
+            <a:chOff x="2789700" y="2562843"/>
+            <a:chExt cx="4065541" cy="1733829"/>
+          </a:xfrm>
+        </p:grpSpPr>
+        <p:sp>
+          <p:nvSpPr>
+            <p:cNvPr id="10" name="TextBox 9"/>
+            <p:cNvSpPr txBox="1"/>
+            <p:nvPr/>
+          </p:nvSpPr>
+          <p:spPr>
+            <a:xfrm>
+              <a:off x="2789700" y="2562843"/>
+              <a:ext cx="4065541" cy="276999"/>
+            </a:xfrm>
+            <a:prstGeom prst="rect">
+              <a:avLst/>
+            </a:prstGeom>
+            <a:noFill/>
+            <a:ln>
+              <a:noFill/>
+            </a:ln>
+          </p:spPr>
+          <p:style>
+            <a:lnRef idx="2">
+              <a:schemeClr val="accent2"/>
+            </a:lnRef>
+            <a:fillRef idx="1">
+              <a:schemeClr val="lt1"/>
+            </a:fillRef>
+            <a:effectRef idx="0">
+              <a:schemeClr val="accent2"/>
+            </a:effectRef>
+            <a:fontRef idx="minor">
+              <a:schemeClr val="dk1"/>
+            </a:fontRef>
+          </p:style>
+          <p:txBody>
+            <a:bodyPr wrap="square" rtlCol="0">
+              <a:spAutoFit/>
+            </a:bodyPr>
+            <a:lstStyle/>
+            <a:p>
+              <a:r>
+                <a:rPr lang="en-US" sz="1200" b="1" dirty="0" smtClean="0">
+                  <a:solidFill>
+                    <a:schemeClr val="tx1"/>
+                  </a:solidFill>
+                  <a:latin typeface="Verdana" charset="0"/>
+                  <a:ea typeface="Verdana" charset="0"/>
+                  <a:cs typeface="Verdana" charset="0"/>
+                </a:rPr>
+                <a:t>EDUCATION</a:t>
+              </a:r>
+            </a:p>
+          </p:txBody>
+        </p:sp>
+        <p:sp>
+          <p:nvSpPr>
+            <p:cNvPr id="19" name="Rectangle 18"/>
+            <p:cNvSpPr/>
+            <p:nvPr/>
+          </p:nvSpPr>
+          <p:spPr>
+            <a:xfrm>
+              <a:off x="2792459" y="2770613"/>
+              <a:ext cx="3877729" cy="1526059"/>
+            </a:xfrm>
+            <a:prstGeom prst="rect">
+              <a:avLst/>
+            </a:prstGeom>
+          </p:spPr>
+          <p:txBody>
+            <a:bodyPr wrap="square">
+              <a:spAutoFit/>
+            </a:bodyPr>
+            <a:lstStyle/>
+            <a:p>
+              <a:pPr>
+                <a:lnSpc>
+                  <a:spcPct val="120000"/>
+                </a:lnSpc>
+              </a:pPr>
+              <a:r>
+                <a:rPr lang="en-US" sz="1000" b="1" dirty="0" smtClean="0">
+                  <a:solidFill>
+                    <a:srgbClr val="00B0F0"/>
+                  </a:solidFill>
+                  <a:latin typeface="Verdana" charset="0"/>
+                  <a:ea typeface="Verdana" charset="0"/>
+                  <a:cs typeface="Verdana" charset="0"/>
+                </a:rPr>
+                <a:t>UC Berkeley,  Class of 2020</a:t>
+              </a:r>
+            </a:p>
+            <a:p>
+              <a:pPr>
+                <a:lnSpc>
+                  <a:spcPct val="120000"/>
+                </a:lnSpc>
+              </a:pPr>
+              <a:r>
+                <a:rPr lang="en-US" sz="1000" dirty="0" smtClean="0">
+                  <a:latin typeface="Verdana" charset="0"/>
+                  <a:ea typeface="Verdana" charset="0"/>
+                  <a:cs typeface="Verdana" charset="0"/>
+                </a:rPr>
+                <a:t>B.S. Electrical Engineering and Computer Science</a:t>
+              </a:r>
+            </a:p>
+            <a:p>
+              <a:r>
+                <a:rPr lang="en-US" sz="1000" dirty="0" smtClean="0">
+                  <a:latin typeface="Verdana" charset="0"/>
+                  <a:ea typeface="Verdana" charset="0"/>
+                  <a:cs typeface="Verdana" charset="0"/>
+                </a:rPr>
+                <a:t>Relevant Courses: CS 61A SCIP, CS 198 Web Design Decal, CS 61B Data Structures (IP)</a:t>
+              </a:r>
+            </a:p>
+            <a:p>
+              <a:pPr>
+                <a:spcBef>
+                  <a:spcPts val="500"/>
+                </a:spcBef>
+              </a:pPr>
+              <a:r>
+                <a:rPr lang="en-US" sz="1000" b="1" dirty="0" smtClean="0">
+                  <a:solidFill>
+                    <a:srgbClr val="00B0F0"/>
+                  </a:solidFill>
+                  <a:latin typeface="Verdana" charset="0"/>
+                  <a:ea typeface="Verdana" charset="0"/>
+                  <a:cs typeface="Verdana" charset="0"/>
+                </a:rPr>
+                <a:t>CSU Dominguez Hills</a:t>
+              </a:r>
+            </a:p>
+            <a:p>
+              <a:pPr>
+                <a:lnSpc>
+                  <a:spcPct val="150000"/>
+                </a:lnSpc>
+              </a:pPr>
+              <a:r>
+                <a:rPr lang="en-US" sz="1000" dirty="0" smtClean="0">
+                  <a:latin typeface="Verdana" charset="0"/>
+                  <a:ea typeface="Verdana" charset="0"/>
+                  <a:cs typeface="Verdana" charset="0"/>
+                </a:rPr>
+                <a:t>High School Concurrent Enrollment</a:t>
+              </a:r>
+              <a:endParaRPr lang="en-US" sz="1000" dirty="0">
+                <a:latin typeface="Verdana" charset="0"/>
+                <a:ea typeface="Verdana" charset="0"/>
+                <a:cs typeface="Verdana" charset="0"/>
+              </a:endParaRPr>
+            </a:p>
+            <a:p>
+              <a:r>
+                <a:rPr lang="en-US" sz="1000" dirty="0">
+                  <a:latin typeface="Verdana" charset="0"/>
+                  <a:ea typeface="Verdana" charset="0"/>
+                  <a:cs typeface="Verdana" charset="0"/>
+                </a:rPr>
+                <a:t>Relevant </a:t>
+              </a:r>
+              <a:r>
+                <a:rPr lang="en-US" sz="1000" dirty="0" smtClean="0">
+                  <a:latin typeface="Verdana" charset="0"/>
+                  <a:ea typeface="Verdana" charset="0"/>
+                  <a:cs typeface="Verdana" charset="0"/>
+                </a:rPr>
+                <a:t>Courses: CS 116 Intro to Computer Hardware &amp; Tools, FIN 360 Business Finance</a:t>
+              </a:r>
+              <a:endParaRPr lang="en-US" sz="1000" dirty="0">
+                <a:latin typeface="Verdana" charset="0"/>
+                <a:ea typeface="Verdana" charset="0"/>
+                <a:cs typeface="Verdana" charset="0"/>
+              </a:endParaRPr>
+            </a:p>
+          </p:txBody>
+        </p:sp>
+      </p:grpSp>
+      <p:grpSp>
+        <p:nvGrpSpPr>
+          <p:cNvPr id="6" name="Group 5"/>
+          <p:cNvGrpSpPr/>
+          <p:nvPr/>
+        </p:nvGrpSpPr>
+        <p:grpSpPr>
+          <a:xfrm>
+            <a:off x="2792459" y="3166049"/>
+            <a:ext cx="4065541" cy="2314853"/>
+            <a:chOff x="2792459" y="3719308"/>
+            <a:chExt cx="4065541" cy="2314853"/>
+          </a:xfrm>
+        </p:grpSpPr>
+        <p:sp>
+          <p:nvSpPr>
+            <p:cNvPr id="20" name="TextBox 19"/>
+            <p:cNvSpPr txBox="1"/>
+            <p:nvPr/>
+          </p:nvSpPr>
+          <p:spPr>
+            <a:xfrm>
+              <a:off x="2792459" y="3719308"/>
+              <a:ext cx="4065541" cy="276999"/>
+            </a:xfrm>
+            <a:prstGeom prst="rect">
+              <a:avLst/>
+            </a:prstGeom>
+            <a:noFill/>
+            <a:ln>
+              <a:noFill/>
+            </a:ln>
+          </p:spPr>
+          <p:style>
+            <a:lnRef idx="2">
+              <a:schemeClr val="accent2"/>
+            </a:lnRef>
+            <a:fillRef idx="1">
+              <a:schemeClr val="lt1"/>
+            </a:fillRef>
+            <a:effectRef idx="0">
+              <a:schemeClr val="accent2"/>
+            </a:effectRef>
+            <a:fontRef idx="minor">
+              <a:schemeClr val="dk1"/>
+            </a:fontRef>
+          </p:style>
+          <p:txBody>
+            <a:bodyPr wrap="square" rtlCol="0">
+              <a:spAutoFit/>
+            </a:bodyPr>
+            <a:lstStyle/>
+            <a:p>
+              <a:r>
+                <a:rPr lang="en-US" sz="1200" b="1" dirty="0" smtClean="0">
+                  <a:solidFill>
+                    <a:schemeClr val="tx1"/>
+                  </a:solidFill>
+                  <a:latin typeface="Verdana" charset="0"/>
+                  <a:ea typeface="Verdana" charset="0"/>
+                  <a:cs typeface="Verdana" charset="0"/>
+                </a:rPr>
+                <a:t>EXPERIENCE</a:t>
+              </a:r>
+              <a:endParaRPr lang="en-US" sz="1400" b="1" dirty="0" smtClean="0">
+                <a:solidFill>
+                  <a:schemeClr val="tx1"/>
+                </a:solidFill>
+                <a:latin typeface="Verdana" charset="0"/>
+                <a:ea typeface="Verdana" charset="0"/>
+                <a:cs typeface="Verdana" charset="0"/>
+              </a:endParaRPr>
+            </a:p>
+          </p:txBody>
+        </p:sp>
+        <p:sp>
+          <p:nvSpPr>
+            <p:cNvPr id="21" name="Rectangle 20"/>
+            <p:cNvSpPr/>
+            <p:nvPr/>
+          </p:nvSpPr>
+          <p:spPr>
+            <a:xfrm>
+              <a:off x="2792459" y="3933586"/>
+              <a:ext cx="3877730" cy="2100575"/>
+            </a:xfrm>
+            <a:prstGeom prst="rect">
+              <a:avLst/>
+            </a:prstGeom>
+          </p:spPr>
+          <p:txBody>
+            <a:bodyPr wrap="square">
+              <a:spAutoFit/>
+            </a:bodyPr>
+            <a:lstStyle/>
+            <a:p>
+              <a:pPr>
+                <a:lnSpc>
+                  <a:spcPct val="120000"/>
+                </a:lnSpc>
+              </a:pPr>
+              <a:r>
+                <a:rPr lang="en-US" sz="1000" b="1" dirty="0" smtClean="0">
+                  <a:solidFill>
+                    <a:srgbClr val="00B0F0"/>
+                  </a:solidFill>
+                  <a:latin typeface="Verdana" charset="0"/>
+                  <a:ea typeface="Verdana" charset="0"/>
+                  <a:cs typeface="Verdana" charset="0"/>
+                </a:rPr>
+                <a:t>Gulfstream Aerospace</a:t>
+              </a:r>
+            </a:p>
+            <a:p>
+              <a:pPr>
+                <a:lnSpc>
+                  <a:spcPct val="120000"/>
+                </a:lnSpc>
+              </a:pPr>
+              <a:r>
+                <a:rPr lang="en-US" sz="1000" dirty="0" smtClean="0">
+                  <a:latin typeface="Verdana" charset="0"/>
+                  <a:ea typeface="Verdana" charset="0"/>
+                  <a:cs typeface="Verdana" charset="0"/>
+                </a:rPr>
+                <a:t>High School Apprentice, Aug 2015 </a:t>
+              </a:r>
+              <a:r>
+                <a:rPr lang="mr-IN" sz="1000" dirty="0" smtClean="0">
+                  <a:latin typeface="Verdana" charset="0"/>
+                  <a:ea typeface="Verdana" charset="0"/>
+                  <a:cs typeface="Verdana" charset="0"/>
+                </a:rPr>
+                <a:t>–</a:t>
+              </a:r>
+              <a:r>
+                <a:rPr lang="en-US" sz="1000" dirty="0" smtClean="0">
+                  <a:latin typeface="Verdana" charset="0"/>
+                  <a:ea typeface="Verdana" charset="0"/>
+                  <a:cs typeface="Verdana" charset="0"/>
+                </a:rPr>
+                <a:t> June 2016</a:t>
+              </a:r>
+            </a:p>
+            <a:p>
+              <a:pPr>
+                <a:lnSpc>
+                  <a:spcPct val="120000"/>
+                </a:lnSpc>
+                <a:spcBef>
+                  <a:spcPts val="300"/>
+                </a:spcBef>
+              </a:pPr>
+              <a:r>
+                <a:rPr lang="en-US" sz="1000" dirty="0" smtClean="0">
+                  <a:latin typeface="Verdana" charset="0"/>
+                  <a:ea typeface="Verdana" charset="0"/>
+                  <a:cs typeface="Verdana" charset="0"/>
+                </a:rPr>
+                <a:t>Worked </a:t>
+              </a:r>
+              <a:r>
+                <a:rPr lang="en-US" sz="1000" dirty="0">
+                  <a:latin typeface="Verdana" charset="0"/>
+                  <a:ea typeface="Verdana" charset="0"/>
+                  <a:cs typeface="Verdana" charset="0"/>
+                </a:rPr>
+                <a:t>with the mechanical engineering teams on interior design drawings of G550 and G650 aircraft. Responsibilities included intensive use of AutoCAD, CATIA, and Excel</a:t>
+              </a:r>
+              <a:r>
+                <a:rPr lang="en-US" sz="1000" dirty="0" smtClean="0">
+                  <a:latin typeface="Verdana" charset="0"/>
+                  <a:ea typeface="Verdana" charset="0"/>
+                  <a:cs typeface="Verdana" charset="0"/>
+                </a:rPr>
+                <a:t>.</a:t>
+              </a:r>
+            </a:p>
+            <a:p>
+              <a:pPr>
+                <a:lnSpc>
+                  <a:spcPct val="120000"/>
+                </a:lnSpc>
+                <a:spcBef>
+                  <a:spcPts val="300"/>
+                </a:spcBef>
+              </a:pPr>
+              <a:r>
+                <a:rPr lang="en-US" sz="1000" dirty="0" smtClean="0">
+                  <a:latin typeface="Verdana" charset="0"/>
+                  <a:ea typeface="Verdana" charset="0"/>
+                  <a:cs typeface="Verdana" charset="0"/>
+                </a:rPr>
+                <a:t>Honors: Mach 3 Excellence Award</a:t>
+              </a:r>
+            </a:p>
+            <a:p>
+              <a:pPr>
+                <a:lnSpc>
+                  <a:spcPct val="150000"/>
+                </a:lnSpc>
+              </a:pPr>
+              <a:r>
+                <a:rPr lang="en-US" sz="1000" b="1" dirty="0" err="1" smtClean="0">
+                  <a:solidFill>
+                    <a:srgbClr val="00B0F0"/>
+                  </a:solidFill>
+                  <a:latin typeface="Verdana" charset="0"/>
+                  <a:ea typeface="Verdana" charset="0"/>
+                  <a:cs typeface="Verdana" charset="0"/>
+                </a:rPr>
+                <a:t>Experium</a:t>
+              </a:r>
+              <a:r>
+                <a:rPr lang="en-US" sz="1000" b="1" dirty="0" smtClean="0">
+                  <a:solidFill>
+                    <a:srgbClr val="00B0F0"/>
+                  </a:solidFill>
+                  <a:latin typeface="Verdana" charset="0"/>
+                  <a:ea typeface="Verdana" charset="0"/>
+                  <a:cs typeface="Verdana" charset="0"/>
+                </a:rPr>
+                <a:t> Science Academy</a:t>
+              </a:r>
+              <a:endParaRPr lang="en-US" sz="1000" b="1" dirty="0">
+                <a:solidFill>
+                  <a:srgbClr val="00B0F0"/>
+                </a:solidFill>
+                <a:latin typeface="Verdana" charset="0"/>
+                <a:ea typeface="Verdana" charset="0"/>
+                <a:cs typeface="Verdana" charset="0"/>
+              </a:endParaRPr>
+            </a:p>
+            <a:p>
+              <a:pPr>
+                <a:lnSpc>
+                  <a:spcPct val="120000"/>
+                </a:lnSpc>
+              </a:pPr>
+              <a:r>
+                <a:rPr lang="en-US" sz="1000" dirty="0" smtClean="0">
+                  <a:latin typeface="Verdana" charset="0"/>
+                  <a:ea typeface="Verdana" charset="0"/>
+                  <a:cs typeface="Verdana" charset="0"/>
+                </a:rPr>
+                <a:t>Laboratory Technician, June 2014 </a:t>
+              </a:r>
+              <a:r>
+                <a:rPr lang="mr-IN" sz="1000" dirty="0" smtClean="0">
+                  <a:latin typeface="Verdana" charset="0"/>
+                  <a:ea typeface="Verdana" charset="0"/>
+                  <a:cs typeface="Verdana" charset="0"/>
+                </a:rPr>
+                <a:t>–</a:t>
+              </a:r>
+              <a:r>
+                <a:rPr lang="en-US" sz="1000" dirty="0" smtClean="0">
+                  <a:latin typeface="Verdana" charset="0"/>
+                  <a:ea typeface="Verdana" charset="0"/>
+                  <a:cs typeface="Verdana" charset="0"/>
+                </a:rPr>
+                <a:t> Aug 2015</a:t>
+              </a:r>
+              <a:endParaRPr lang="en-US" sz="1000" dirty="0">
+                <a:latin typeface="Verdana" charset="0"/>
+                <a:ea typeface="Verdana" charset="0"/>
+                <a:cs typeface="Verdana" charset="0"/>
+              </a:endParaRPr>
+            </a:p>
+            <a:p>
+              <a:pPr>
+                <a:lnSpc>
+                  <a:spcPct val="120000"/>
+                </a:lnSpc>
+                <a:spcBef>
+                  <a:spcPts val="300"/>
+                </a:spcBef>
+              </a:pPr>
+              <a:endParaRPr lang="en-US" sz="1000" b="1" dirty="0">
+                <a:latin typeface="Verdana" charset="0"/>
+                <a:ea typeface="Verdana" charset="0"/>
+                <a:cs typeface="Verdana" charset="0"/>
+              </a:endParaRPr>
+            </a:p>
+          </p:txBody>
+        </p:sp>
+      </p:grpSp>
+      <p:grpSp>
+        <p:nvGrpSpPr>
+          <p:cNvPr id="3" name="Group 2"/>
+          <p:cNvGrpSpPr/>
+          <p:nvPr/>
+        </p:nvGrpSpPr>
+        <p:grpSpPr>
+          <a:xfrm>
+            <a:off x="2789699" y="5283201"/>
+            <a:ext cx="4065541" cy="3625938"/>
+            <a:chOff x="2789699" y="5283201"/>
+            <a:chExt cx="4065541" cy="3625938"/>
+          </a:xfrm>
+        </p:grpSpPr>
+        <p:sp>
+          <p:nvSpPr>
+            <p:cNvPr id="22" name="TextBox 21"/>
+            <p:cNvSpPr txBox="1"/>
+            <p:nvPr/>
+          </p:nvSpPr>
+          <p:spPr>
+            <a:xfrm>
+              <a:off x="2789699" y="5283201"/>
+              <a:ext cx="4065541" cy="276999"/>
+            </a:xfrm>
+            <a:prstGeom prst="rect">
+              <a:avLst/>
+            </a:prstGeom>
+            <a:noFill/>
+            <a:ln>
+              <a:noFill/>
+            </a:ln>
+          </p:spPr>
+          <p:style>
+            <a:lnRef idx="2">
+              <a:schemeClr val="accent2"/>
+            </a:lnRef>
+            <a:fillRef idx="1">
+              <a:schemeClr val="lt1"/>
+            </a:fillRef>
+            <a:effectRef idx="0">
+              <a:schemeClr val="accent2"/>
+            </a:effectRef>
+            <a:fontRef idx="minor">
+              <a:schemeClr val="dk1"/>
+            </a:fontRef>
+          </p:style>
+          <p:txBody>
+            <a:bodyPr wrap="square" rtlCol="0">
+              <a:spAutoFit/>
+            </a:bodyPr>
+            <a:lstStyle/>
+            <a:p>
+              <a:r>
+                <a:rPr lang="en-US" sz="1200" b="1" dirty="0" smtClean="0">
+                  <a:solidFill>
+                    <a:schemeClr val="tx1"/>
+                  </a:solidFill>
+                  <a:latin typeface="Verdana" charset="0"/>
+                  <a:ea typeface="Verdana" charset="0"/>
+                  <a:cs typeface="Verdana" charset="0"/>
+                </a:rPr>
+                <a:t>PROJECTS</a:t>
+              </a:r>
+              <a:endParaRPr lang="en-US" sz="1400" b="1" dirty="0" smtClean="0">
+                <a:solidFill>
+                  <a:schemeClr val="tx1"/>
+                </a:solidFill>
+                <a:latin typeface="Verdana" charset="0"/>
+                <a:ea typeface="Verdana" charset="0"/>
+                <a:cs typeface="Verdana" charset="0"/>
+              </a:endParaRPr>
+            </a:p>
+          </p:txBody>
+        </p:sp>
+        <p:sp>
+          <p:nvSpPr>
+            <p:cNvPr id="23" name="Rectangle 22"/>
+            <p:cNvSpPr/>
+            <p:nvPr/>
+          </p:nvSpPr>
+          <p:spPr>
+            <a:xfrm>
+              <a:off x="2792459" y="5515955"/>
+              <a:ext cx="3877730" cy="1015663"/>
+            </a:xfrm>
+            <a:prstGeom prst="rect">
+              <a:avLst/>
+            </a:prstGeom>
+          </p:spPr>
+          <p:txBody>
+            <a:bodyPr wrap="square">
+              <a:spAutoFit/>
+            </a:bodyPr>
+            <a:lstStyle/>
+            <a:p>
+              <a:pPr>
+                <a:lnSpc>
+                  <a:spcPct val="120000"/>
+                </a:lnSpc>
+              </a:pPr>
+              <a:r>
+                <a:rPr lang="en-US" sz="1000" b="1" dirty="0" smtClean="0">
+                  <a:solidFill>
+                    <a:srgbClr val="00B0F0"/>
+                  </a:solidFill>
+                  <a:latin typeface="Lucida Sans" charset="0"/>
+                  <a:ea typeface="Lucida Sans" charset="0"/>
+                  <a:cs typeface="Lucida Sans" charset="0"/>
+                </a:rPr>
+                <a:t>Scheme Interpreter</a:t>
+              </a:r>
+              <a:endParaRPr lang="en-US" sz="1000" b="1" dirty="0">
                 <a:solidFill>
                   <a:srgbClr val="00B0F0"/>
                 </a:solidFill>
                 <a:latin typeface="Lucida Sans" charset="0"/>
                 <a:ea typeface="Lucida Sans" charset="0"/>
                 <a:cs typeface="Lucida Sans" charset="0"/>
-              </a:rPr>
-              <a:t>HANTAO</a:t>
-            </a:r>
-          </a:p>
-          <a:p>
-            <a:r>
-              <a:rPr lang="en-US" sz="2000" b="1" dirty="0" smtClean="0">
-                <a:latin typeface="Lucida Sans" charset="0"/>
-                <a:ea typeface="Lucida Sans" charset="0"/>
-                <a:cs typeface="Lucida Sans" charset="0"/>
-              </a:rPr>
-              <a:t>(WILL) </a:t>
-            </a:r>
-            <a:r>
-              <a:rPr lang="en-US" sz="2000" b="1" dirty="0" smtClean="0">
+              </a:endParaRPr>
+            </a:p>
+            <a:p>
+              <a:pPr>
+                <a:lnSpc>
+                  <a:spcPct val="120000"/>
+                </a:lnSpc>
+              </a:pPr>
+              <a:r>
+                <a:rPr lang="en-US" sz="1000" dirty="0">
+                  <a:latin typeface="Lucida Sans" charset="0"/>
+                  <a:ea typeface="Lucida Sans" charset="0"/>
+                  <a:cs typeface="Lucida Sans" charset="0"/>
+                </a:rPr>
+                <a:t>Interactive Interpreter that reads and executes user input in Scheme, a dialect of Lisp. Project is written in Python and focuses on Object Orientated Programming and environments.</a:t>
+              </a:r>
+            </a:p>
+          </p:txBody>
+        </p:sp>
+        <p:sp>
+          <p:nvSpPr>
+            <p:cNvPr id="24" name="Rectangle 23"/>
+            <p:cNvSpPr/>
+            <p:nvPr/>
+          </p:nvSpPr>
+          <p:spPr>
+            <a:xfrm>
+              <a:off x="2792459" y="6446852"/>
+              <a:ext cx="3877730" cy="830997"/>
+            </a:xfrm>
+            <a:prstGeom prst="rect">
+              <a:avLst/>
+            </a:prstGeom>
+          </p:spPr>
+          <p:txBody>
+            <a:bodyPr wrap="square">
+              <a:spAutoFit/>
+            </a:bodyPr>
+            <a:lstStyle/>
+            <a:p>
+              <a:pPr>
+                <a:lnSpc>
+                  <a:spcPct val="120000"/>
+                </a:lnSpc>
+              </a:pPr>
+              <a:r>
+                <a:rPr lang="en-US" sz="1000" b="1" dirty="0" err="1" smtClean="0">
+                  <a:solidFill>
+                    <a:srgbClr val="00B0F0"/>
+                  </a:solidFill>
+                  <a:latin typeface="Lucida Sans" charset="0"/>
+                  <a:ea typeface="Lucida Sans" charset="0"/>
+                  <a:cs typeface="Lucida Sans" charset="0"/>
+                </a:rPr>
+                <a:t>pyCalc</a:t>
+              </a:r>
+              <a:endParaRPr lang="en-US" sz="1000" b="1" dirty="0">
                 <a:solidFill>
                   <a:srgbClr val="00B0F0"/>
                 </a:solidFill>
                 <a:latin typeface="Lucida Sans" charset="0"/>
                 <a:ea typeface="Lucida Sans" charset="0"/>
                 <a:cs typeface="Lucida Sans" charset="0"/>
-              </a:rPr>
-              <a:t>WANG</a:t>
-            </a:r>
-          </a:p>
-          <a:p>
-            <a:pPr>
-              <a:lnSpc>
-                <a:spcPct val="150000"/>
-              </a:lnSpc>
-            </a:pPr>
-            <a:r>
-              <a:rPr lang="en-US" sz="1200" b="1" dirty="0" smtClean="0">
-                <a:latin typeface="Lucida Sans" charset="0"/>
-                <a:ea typeface="Lucida Sans" charset="0"/>
-                <a:cs typeface="Lucida Sans" charset="0"/>
-              </a:rPr>
-              <a:t>Part Time Developer, Full Time Debugger</a:t>
-            </a:r>
-            <a:endParaRPr lang="en-US" sz="1200" b="1" dirty="0">
-              <a:latin typeface="Lucida Sans" charset="0"/>
-              <a:ea typeface="Lucida Sans" charset="0"/>
-              <a:cs typeface="Lucida Sans" charset="0"/>
-            </a:endParaRPr>
-          </a:p>
-        </p:txBody>
-      </p:sp>
-      <p:cxnSp>
-        <p:nvCxnSpPr>
-          <p:cNvPr id="19" name="Straight Connector 18"/>
-          <p:cNvCxnSpPr/>
-          <p:nvPr/>
-        </p:nvCxnSpPr>
-        <p:spPr>
-          <a:xfrm>
-            <a:off x="207878" y="1183904"/>
-            <a:ext cx="6442244" cy="0"/>
-          </a:xfrm>
-          <a:prstGeom prst="line">
-            <a:avLst/>
-          </a:prstGeom>
-          <a:ln w="9525">
-            <a:solidFill>
-              <a:srgbClr val="00B0F0"/>
-            </a:solidFill>
-          </a:ln>
-        </p:spPr>
-        <p:style>
-          <a:lnRef idx="1">
-            <a:schemeClr val="accent1"/>
-          </a:lnRef>
-          <a:fillRef idx="0">
-            <a:schemeClr val="accent1"/>
-          </a:fillRef>
-          <a:effectRef idx="0">
-            <a:schemeClr val="accent1"/>
-          </a:effectRef>
-          <a:fontRef idx="minor">
-            <a:schemeClr val="tx1"/>
-          </a:fontRef>
-        </p:style>
-      </p:cxnSp>
-      <p:sp>
-        <p:nvSpPr>
-          <p:cNvPr id="20" name="TextBox 19"/>
-          <p:cNvSpPr txBox="1"/>
-          <p:nvPr/>
-        </p:nvSpPr>
-        <p:spPr>
-          <a:xfrm>
-            <a:off x="3190884" y="371655"/>
-            <a:ext cx="3527614" cy="757130"/>
-          </a:xfrm>
-          <a:prstGeom prst="rect">
-            <a:avLst/>
-          </a:prstGeom>
-          <a:noFill/>
-        </p:spPr>
-        <p:txBody>
-          <a:bodyPr wrap="square" rtlCol="0" anchor="b">
-            <a:spAutoFit/>
-          </a:bodyPr>
-          <a:lstStyle/>
-          <a:p>
-            <a:pPr algn="r">
-              <a:lnSpc>
-                <a:spcPct val="120000"/>
-              </a:lnSpc>
-            </a:pPr>
-            <a:r>
-              <a:rPr lang="en-US" sz="900" dirty="0" smtClean="0">
+              </a:endParaRPr>
+            </a:p>
+            <a:p>
+              <a:pPr>
+                <a:lnSpc>
+                  <a:spcPct val="120000"/>
+                </a:lnSpc>
+              </a:pPr>
+              <a:r>
+                <a:rPr lang="en-US" sz="1000" dirty="0">
+                  <a:latin typeface="Lucida Sans" charset="0"/>
+                  <a:ea typeface="Lucida Sans" charset="0"/>
+                  <a:cs typeface="Lucida Sans" charset="0"/>
+                </a:rPr>
+                <a:t>Python based graphing calculator that reads, evaluates, and graphs user input. Emphasis on Read-</a:t>
+              </a:r>
+              <a:r>
+                <a:rPr lang="en-US" sz="1000" dirty="0" err="1">
+                  <a:latin typeface="Lucida Sans" charset="0"/>
+                  <a:ea typeface="Lucida Sans" charset="0"/>
+                  <a:cs typeface="Lucida Sans" charset="0"/>
+                </a:rPr>
+                <a:t>Evalv</a:t>
+              </a:r>
+              <a:r>
+                <a:rPr lang="en-US" sz="1000" dirty="0">
+                  <a:latin typeface="Lucida Sans" charset="0"/>
+                  <a:ea typeface="Lucida Sans" charset="0"/>
+                  <a:cs typeface="Lucida Sans" charset="0"/>
+                </a:rPr>
+                <a:t>-Print Loops (REPL) and tree objects.</a:t>
+              </a:r>
+            </a:p>
+          </p:txBody>
+        </p:sp>
+        <p:sp>
+          <p:nvSpPr>
+            <p:cNvPr id="25" name="Rectangle 24"/>
+            <p:cNvSpPr/>
+            <p:nvPr/>
+          </p:nvSpPr>
+          <p:spPr>
+            <a:xfrm>
+              <a:off x="2792459" y="7247145"/>
+              <a:ext cx="3877730" cy="830997"/>
+            </a:xfrm>
+            <a:prstGeom prst="rect">
+              <a:avLst/>
+            </a:prstGeom>
+          </p:spPr>
+          <p:txBody>
+            <a:bodyPr wrap="square">
+              <a:spAutoFit/>
+            </a:bodyPr>
+            <a:lstStyle/>
+            <a:p>
+              <a:pPr>
+                <a:lnSpc>
+                  <a:spcPct val="120000"/>
+                </a:lnSpc>
+              </a:pPr>
+              <a:r>
+                <a:rPr lang="en-US" sz="1000" b="1" dirty="0" err="1" smtClean="0">
+                  <a:solidFill>
+                    <a:srgbClr val="00B0F0"/>
+                  </a:solidFill>
+                  <a:latin typeface="Lucida Sans" charset="0"/>
+                  <a:ea typeface="Lucida Sans" charset="0"/>
+                  <a:cs typeface="Lucida Sans" charset="0"/>
+                </a:rPr>
+                <a:t>hantaowang.me</a:t>
+              </a:r>
+              <a:endParaRPr lang="en-US" sz="1000" b="1" dirty="0">
                 <a:solidFill>
                   <a:srgbClr val="00B0F0"/>
                 </a:solidFill>
                 <a:latin typeface="Lucida Sans" charset="0"/>
                 <a:ea typeface="Lucida Sans" charset="0"/>
                 <a:cs typeface="Lucida Sans" charset="0"/>
-              </a:rPr>
-              <a:t>website</a:t>
-            </a:r>
-            <a:r>
-              <a:rPr lang="en-US" sz="900" dirty="0" smtClean="0">
-                <a:solidFill>
-                  <a:schemeClr val="tx1">
-                    <a:lumMod val="65000"/>
-                    <a:lumOff val="35000"/>
-                  </a:schemeClr>
-                </a:solidFill>
+              </a:endParaRPr>
+            </a:p>
+            <a:p>
+              <a:pPr>
+                <a:lnSpc>
+                  <a:spcPct val="120000"/>
+                </a:lnSpc>
+              </a:pPr>
+              <a:r>
+                <a:rPr lang="en-US" sz="1000" dirty="0" smtClean="0">
+                  <a:latin typeface="Lucida Sans" charset="0"/>
+                  <a:ea typeface="Lucida Sans" charset="0"/>
+                  <a:cs typeface="Lucida Sans" charset="0"/>
+                </a:rPr>
+                <a:t>Personal website </a:t>
+              </a:r>
+              <a:r>
+                <a:rPr lang="en-US" sz="1000" dirty="0">
+                  <a:latin typeface="Lucida Sans" charset="0"/>
+                  <a:ea typeface="Lucida Sans" charset="0"/>
+                  <a:cs typeface="Lucida Sans" charset="0"/>
+                </a:rPr>
+                <a:t>written in HTML, CSS, and </a:t>
+              </a:r>
+              <a:r>
+                <a:rPr lang="en-US" sz="1000" dirty="0" err="1" smtClean="0">
+                  <a:latin typeface="Lucida Sans" charset="0"/>
+                  <a:ea typeface="Lucida Sans" charset="0"/>
+                  <a:cs typeface="Lucida Sans" charset="0"/>
+                </a:rPr>
+                <a:t>Javascript</a:t>
+              </a:r>
+              <a:r>
+                <a:rPr lang="en-US" sz="1000" dirty="0" smtClean="0">
+                  <a:latin typeface="Lucida Sans" charset="0"/>
+                  <a:ea typeface="Lucida Sans" charset="0"/>
+                  <a:cs typeface="Lucida Sans" charset="0"/>
+                </a:rPr>
+                <a:t>. Currently in the process of migrating to a server built with Express in </a:t>
+              </a:r>
+              <a:r>
+                <a:rPr lang="en-US" sz="1000" dirty="0" err="1" smtClean="0">
+                  <a:latin typeface="Lucida Sans" charset="0"/>
+                  <a:ea typeface="Lucida Sans" charset="0"/>
+                  <a:cs typeface="Lucida Sans" charset="0"/>
+                </a:rPr>
+                <a:t>Node.JS</a:t>
+              </a:r>
+              <a:r>
+                <a:rPr lang="en-US" sz="1000" dirty="0" smtClean="0">
+                  <a:latin typeface="Lucida Sans" charset="0"/>
+                  <a:ea typeface="Lucida Sans" charset="0"/>
+                  <a:cs typeface="Lucida Sans" charset="0"/>
+                </a:rPr>
+                <a:t>. </a:t>
+              </a:r>
+              <a:endParaRPr lang="en-US" sz="1000" dirty="0">
                 <a:latin typeface="Lucida Sans" charset="0"/>
                 <a:ea typeface="Lucida Sans" charset="0"/>
                 <a:cs typeface="Lucida Sans" charset="0"/>
-              </a:rPr>
-              <a:t>: </a:t>
-            </a:r>
-            <a:r>
-              <a:rPr lang="en-US" sz="900" dirty="0" err="1" smtClean="0">
-                <a:latin typeface="Lucida Sans" charset="0"/>
-                <a:ea typeface="Lucida Sans" charset="0"/>
-                <a:cs typeface="Lucida Sans" charset="0"/>
-              </a:rPr>
-              <a:t>hantaowang.me</a:t>
-            </a:r>
-            <a:endParaRPr lang="en-US" sz="900" dirty="0" smtClean="0">
-              <a:latin typeface="Lucida Sans" charset="0"/>
-              <a:ea typeface="Lucida Sans" charset="0"/>
-              <a:cs typeface="Lucida Sans" charset="0"/>
-            </a:endParaRPr>
-          </a:p>
-          <a:p>
-            <a:pPr algn="r">
-              <a:lnSpc>
-                <a:spcPct val="120000"/>
-              </a:lnSpc>
-            </a:pPr>
-            <a:r>
-              <a:rPr lang="en-US" sz="900" dirty="0" err="1" smtClean="0">
+              </a:endParaRPr>
+            </a:p>
+          </p:txBody>
+        </p:sp>
+        <p:sp>
+          <p:nvSpPr>
+            <p:cNvPr id="26" name="Rectangle 25"/>
+            <p:cNvSpPr/>
+            <p:nvPr/>
+          </p:nvSpPr>
+          <p:spPr>
+            <a:xfrm>
+              <a:off x="2789700" y="8078142"/>
+              <a:ext cx="3877730" cy="830997"/>
+            </a:xfrm>
+            <a:prstGeom prst="rect">
+              <a:avLst/>
+            </a:prstGeom>
+          </p:spPr>
+          <p:txBody>
+            <a:bodyPr wrap="square">
+              <a:spAutoFit/>
+            </a:bodyPr>
+            <a:lstStyle/>
+            <a:p>
+              <a:pPr>
+                <a:lnSpc>
+                  <a:spcPct val="120000"/>
+                </a:lnSpc>
+              </a:pPr>
+              <a:r>
+                <a:rPr lang="en-US" sz="1000" b="1" dirty="0" smtClean="0">
+                  <a:solidFill>
+                    <a:srgbClr val="00B0F0"/>
+                  </a:solidFill>
+                  <a:latin typeface="Lucida Sans" charset="0"/>
+                  <a:ea typeface="Lucida Sans" charset="0"/>
+                  <a:cs typeface="Lucida Sans" charset="0"/>
+                </a:rPr>
+                <a:t>Facebook Analyzer</a:t>
+              </a:r>
+              <a:endParaRPr lang="en-US" sz="1000" b="1" dirty="0">
                 <a:solidFill>
                   <a:srgbClr val="00B0F0"/>
                 </a:solidFill>
                 <a:latin typeface="Lucida Sans" charset="0"/>
                 <a:ea typeface="Lucida Sans" charset="0"/>
                 <a:cs typeface="Lucida Sans" charset="0"/>
-              </a:rPr>
-              <a:t>github</a:t>
-            </a:r>
-            <a:r>
-              <a:rPr lang="en-US" sz="900" dirty="0" smtClean="0">
+              </a:endParaRPr>
+            </a:p>
+            <a:p>
+              <a:pPr>
+                <a:lnSpc>
+                  <a:spcPct val="120000"/>
+                </a:lnSpc>
+              </a:pPr>
+              <a:r>
+                <a:rPr lang="en-US" sz="1000" dirty="0">
+                  <a:latin typeface="Lucida Sans" charset="0"/>
+                  <a:ea typeface="Lucida Sans" charset="0"/>
+                  <a:cs typeface="Lucida Sans" charset="0"/>
+                </a:rPr>
+                <a:t>Python tool that downloads JSON data of a Facebook group and analyzes data trends regarding posters, commenters, likers, and content.</a:t>
+              </a:r>
+            </a:p>
+          </p:txBody>
+        </p:sp>
+      </p:grpSp>
+      <p:sp>
+        <p:nvSpPr>
+          <p:cNvPr id="30" name="TextBox 29"/>
+          <p:cNvSpPr txBox="1"/>
+          <p:nvPr/>
+        </p:nvSpPr>
+        <p:spPr>
+          <a:xfrm>
+            <a:off x="-14548" y="7814835"/>
+            <a:ext cx="2553623" cy="1212640"/>
+          </a:xfrm>
+          <a:prstGeom prst="rect">
+            <a:avLst/>
+          </a:prstGeom>
+          <a:noFill/>
+          <a:ln>
+            <a:noFill/>
+          </a:ln>
+        </p:spPr>
+        <p:style>
+          <a:lnRef idx="2">
+            <a:schemeClr val="accent2"/>
+          </a:lnRef>
+          <a:fillRef idx="1">
+            <a:schemeClr val="lt1"/>
+          </a:fillRef>
+          <a:effectRef idx="0">
+            <a:schemeClr val="accent2"/>
+          </a:effectRef>
+          <a:fontRef idx="minor">
+            <a:schemeClr val="dk1"/>
+          </a:fontRef>
+        </p:style>
+        <p:txBody>
+          <a:bodyPr wrap="square" rtlCol="0">
+            <a:spAutoFit/>
+          </a:bodyPr>
+          <a:lstStyle/>
+          <a:p>
+            <a:pPr algn="ctr">
+              <a:lnSpc>
+                <a:spcPct val="130000"/>
+              </a:lnSpc>
+            </a:pPr>
+            <a:r>
+              <a:rPr lang="en-US" sz="1400" dirty="0" err="1" smtClean="0">
                 <a:solidFill>
-                  <a:schemeClr val="tx1">
-                    <a:lumMod val="65000"/>
-                    <a:lumOff val="35000"/>
-                  </a:schemeClr>
+                  <a:schemeClr val="bg1"/>
                 </a:solidFill>
                 <a:latin typeface="Lucida Sans" charset="0"/>
                 <a:ea typeface="Lucida Sans" charset="0"/>
                 <a:cs typeface="Lucida Sans" charset="0"/>
               </a:rPr>
-              <a:t>: </a:t>
-            </a:r>
-            <a:r>
-              <a:rPr lang="en-US" sz="900" dirty="0" err="1" smtClean="0">
+              <a:t>hantaowang.me</a:t>
+            </a:r>
+            <a:endParaRPr lang="en-US" sz="1400" dirty="0" smtClean="0">
+              <a:solidFill>
+                <a:schemeClr val="bg1"/>
+              </a:solidFill>
+              <a:latin typeface="Lucida Sans" charset="0"/>
+              <a:ea typeface="Lucida Sans" charset="0"/>
+              <a:cs typeface="Lucida Sans" charset="0"/>
+            </a:endParaRPr>
+          </a:p>
+          <a:p>
+            <a:pPr algn="ctr">
+              <a:lnSpc>
+                <a:spcPct val="130000"/>
+              </a:lnSpc>
+            </a:pPr>
+            <a:r>
+              <a:rPr lang="en-US" sz="1400" dirty="0" smtClean="0">
+                <a:solidFill>
+                  <a:schemeClr val="bg1"/>
+                </a:solidFill>
+                <a:latin typeface="Lucida Sans" charset="0"/>
+                <a:ea typeface="Lucida Sans" charset="0"/>
+                <a:cs typeface="Lucida Sans" charset="0"/>
+              </a:rPr>
+              <a:t>hwang97@berkeley.edu</a:t>
+            </a:r>
+          </a:p>
+          <a:p>
+            <a:pPr algn="ctr">
+              <a:lnSpc>
+                <a:spcPct val="130000"/>
+              </a:lnSpc>
+            </a:pPr>
+            <a:r>
+              <a:rPr lang="en-US" sz="1400" dirty="0" err="1" smtClean="0">
+                <a:solidFill>
+                  <a:schemeClr val="bg1"/>
+                </a:solidFill>
                 <a:latin typeface="Lucida Sans" charset="0"/>
                 <a:ea typeface="Lucida Sans" charset="0"/>
                 <a:cs typeface="Lucida Sans" charset="0"/>
@@ -5139,7 +4633,10 @@
               <a:t>github.com</a:t>
             </a:r>
             <a:r>
-              <a:rPr lang="en-US" sz="900" dirty="0" smtClean="0">
+              <a:rPr lang="en-US" sz="1400" dirty="0" smtClean="0">
+                <a:solidFill>
+                  <a:schemeClr val="bg1"/>
+                </a:solidFill>
                 <a:latin typeface="Lucida Sans" charset="0"/>
                 <a:ea typeface="Lucida Sans" charset="0"/>
                 <a:cs typeface="Lucida Sans" charset="0"/>
@@ -5147,116 +4644,690 @@
               <a:t>/</a:t>
             </a:r>
             <a:r>
-              <a:rPr lang="en-US" sz="900" dirty="0" err="1" smtClean="0">
+              <a:rPr lang="en-US" sz="1400" dirty="0" err="1" smtClean="0">
+                <a:solidFill>
+                  <a:schemeClr val="bg1"/>
+                </a:solidFill>
                 <a:latin typeface="Lucida Sans" charset="0"/>
                 <a:ea typeface="Lucida Sans" charset="0"/>
                 <a:cs typeface="Lucida Sans" charset="0"/>
               </a:rPr>
               <a:t>hantaowang</a:t>
             </a:r>
-            <a:endParaRPr lang="en-US" sz="900" dirty="0">
+            <a:endParaRPr lang="en-US" sz="1400" dirty="0" smtClean="0">
+              <a:solidFill>
+                <a:schemeClr val="bg1"/>
+              </a:solidFill>
               <a:latin typeface="Lucida Sans" charset="0"/>
               <a:ea typeface="Lucida Sans" charset="0"/>
               <a:cs typeface="Lucida Sans" charset="0"/>
             </a:endParaRPr>
           </a:p>
           <a:p>
-            <a:pPr algn="r">
+            <a:pPr algn="ctr">
               <a:lnSpc>
-                <a:spcPct val="120000"/>
+                <a:spcPct val="130000"/>
               </a:lnSpc>
             </a:pPr>
             <a:r>
-              <a:rPr lang="en-US" sz="900" dirty="0" smtClean="0">
+              <a:rPr lang="en-US" sz="1400" dirty="0" smtClean="0">
                 <a:solidFill>
-                  <a:srgbClr val="00B0F0"/>
+                  <a:schemeClr val="bg1"/>
                 </a:solidFill>
                 <a:latin typeface="Lucida Sans" charset="0"/>
                 <a:ea typeface="Lucida Sans" charset="0"/>
                 <a:cs typeface="Lucida Sans" charset="0"/>
               </a:rPr>
-              <a:t>email</a:t>
-            </a:r>
-            <a:r>
-              <a:rPr lang="en-US" sz="900" dirty="0" smtClean="0">
+              <a:t>(310) 293 - 4575</a:t>
+            </a:r>
+          </a:p>
+        </p:txBody>
+      </p:sp>
+      <p:sp>
+        <p:nvSpPr>
+          <p:cNvPr id="31" name="TextBox 30"/>
+          <p:cNvSpPr txBox="1"/>
+          <p:nvPr/>
+        </p:nvSpPr>
+        <p:spPr>
+          <a:xfrm>
+            <a:off x="0" y="7512290"/>
+            <a:ext cx="2564013" cy="338554"/>
+          </a:xfrm>
+          <a:prstGeom prst="rect">
+            <a:avLst/>
+          </a:prstGeom>
+          <a:noFill/>
+          <a:ln>
+            <a:noFill/>
+          </a:ln>
+        </p:spPr>
+        <p:style>
+          <a:lnRef idx="2">
+            <a:schemeClr val="accent2"/>
+          </a:lnRef>
+          <a:fillRef idx="1">
+            <a:schemeClr val="lt1"/>
+          </a:fillRef>
+          <a:effectRef idx="0">
+            <a:schemeClr val="accent2"/>
+          </a:effectRef>
+          <a:fontRef idx="minor">
+            <a:schemeClr val="dk1"/>
+          </a:fontRef>
+        </p:style>
+        <p:txBody>
+          <a:bodyPr wrap="square" rtlCol="0">
+            <a:spAutoFit/>
+          </a:bodyPr>
+          <a:lstStyle/>
+          <a:p>
+            <a:pPr algn="ctr"/>
+            <a:r>
+              <a:rPr lang="en-US" sz="1600" b="1" dirty="0" smtClean="0">
                 <a:solidFill>
-                  <a:schemeClr val="tx1">
-                    <a:lumMod val="65000"/>
-                    <a:lumOff val="35000"/>
-                  </a:schemeClr>
+                  <a:schemeClr val="bg1"/>
+                </a:solidFill>
+                <a:latin typeface="Verdana" charset="0"/>
+                <a:ea typeface="Verdana" charset="0"/>
+                <a:cs typeface="Verdana" charset="0"/>
+              </a:rPr>
+              <a:t>CONTACT</a:t>
+            </a:r>
+            <a:endParaRPr lang="en-US" sz="1400" b="1" dirty="0" smtClean="0">
+              <a:solidFill>
+                <a:schemeClr val="bg1"/>
+              </a:solidFill>
+              <a:latin typeface="Verdana" charset="0"/>
+              <a:ea typeface="Verdana" charset="0"/>
+              <a:cs typeface="Verdana" charset="0"/>
+            </a:endParaRPr>
+          </a:p>
+        </p:txBody>
+      </p:sp>
+      <p:grpSp>
+        <p:nvGrpSpPr>
+          <p:cNvPr id="2" name="Group 1"/>
+          <p:cNvGrpSpPr/>
+          <p:nvPr/>
+        </p:nvGrpSpPr>
+        <p:grpSpPr>
+          <a:xfrm>
+            <a:off x="22537" y="4046418"/>
+            <a:ext cx="2518937" cy="3429694"/>
+            <a:chOff x="35132" y="4070431"/>
+            <a:chExt cx="2518937" cy="3429694"/>
+          </a:xfrm>
+        </p:grpSpPr>
+        <p:sp>
+          <p:nvSpPr>
+            <p:cNvPr id="27" name="TextBox 26"/>
+            <p:cNvSpPr txBox="1"/>
+            <p:nvPr/>
+          </p:nvSpPr>
+          <p:spPr>
+            <a:xfrm>
+              <a:off x="35132" y="4070431"/>
+              <a:ext cx="2518937" cy="338554"/>
+            </a:xfrm>
+            <a:prstGeom prst="rect">
+              <a:avLst/>
+            </a:prstGeom>
+            <a:noFill/>
+            <a:ln>
+              <a:noFill/>
+            </a:ln>
+          </p:spPr>
+          <p:style>
+            <a:lnRef idx="2">
+              <a:schemeClr val="accent2"/>
+            </a:lnRef>
+            <a:fillRef idx="1">
+              <a:schemeClr val="lt1"/>
+            </a:fillRef>
+            <a:effectRef idx="0">
+              <a:schemeClr val="accent2"/>
+            </a:effectRef>
+            <a:fontRef idx="minor">
+              <a:schemeClr val="dk1"/>
+            </a:fontRef>
+          </p:style>
+          <p:txBody>
+            <a:bodyPr wrap="square" rtlCol="0">
+              <a:spAutoFit/>
+            </a:bodyPr>
+            <a:lstStyle/>
+            <a:p>
+              <a:pPr algn="ctr"/>
+              <a:r>
+                <a:rPr lang="en-US" sz="1600" b="1" dirty="0" smtClean="0">
+                  <a:solidFill>
+                    <a:schemeClr val="bg1"/>
+                  </a:solidFill>
+                  <a:latin typeface="Verdana" charset="0"/>
+                  <a:ea typeface="Verdana" charset="0"/>
+                  <a:cs typeface="Verdana" charset="0"/>
+                </a:rPr>
+                <a:t>SKILLS</a:t>
+              </a:r>
+              <a:endParaRPr lang="en-US" sz="1400" b="1" dirty="0" smtClean="0">
+                <a:solidFill>
+                  <a:schemeClr val="bg1"/>
+                </a:solidFill>
+                <a:latin typeface="Verdana" charset="0"/>
+                <a:ea typeface="Verdana" charset="0"/>
+                <a:cs typeface="Verdana" charset="0"/>
+              </a:endParaRPr>
+            </a:p>
+          </p:txBody>
+        </p:sp>
+        <p:sp>
+          <p:nvSpPr>
+            <p:cNvPr id="29" name="TextBox 28"/>
+            <p:cNvSpPr txBox="1"/>
+            <p:nvPr/>
+          </p:nvSpPr>
+          <p:spPr>
+            <a:xfrm>
+              <a:off x="215901" y="4391582"/>
+              <a:ext cx="1739900" cy="3108543"/>
+            </a:xfrm>
+            <a:prstGeom prst="rect">
+              <a:avLst/>
+            </a:prstGeom>
+            <a:noFill/>
+            <a:ln>
+              <a:noFill/>
+            </a:ln>
+          </p:spPr>
+          <p:style>
+            <a:lnRef idx="2">
+              <a:schemeClr val="accent2"/>
+            </a:lnRef>
+            <a:fillRef idx="1">
+              <a:schemeClr val="lt1"/>
+            </a:fillRef>
+            <a:effectRef idx="0">
+              <a:schemeClr val="accent2"/>
+            </a:effectRef>
+            <a:fontRef idx="minor">
+              <a:schemeClr val="dk1"/>
+            </a:fontRef>
+          </p:style>
+          <p:txBody>
+            <a:bodyPr wrap="square" rtlCol="0">
+              <a:spAutoFit/>
+            </a:bodyPr>
+            <a:lstStyle/>
+            <a:p>
+              <a:r>
+                <a:rPr lang="en-US" sz="1400" dirty="0" smtClean="0">
+                  <a:solidFill>
+                    <a:schemeClr val="bg1"/>
+                  </a:solidFill>
+                  <a:latin typeface="Lucida Sans" charset="0"/>
+                  <a:ea typeface="Lucida Sans" charset="0"/>
+                  <a:cs typeface="Lucida Sans" charset="0"/>
+                </a:rPr>
+                <a:t>Python </a:t>
+              </a:r>
+            </a:p>
+            <a:p>
+              <a:r>
+                <a:rPr lang="en-US" sz="1400" dirty="0" smtClean="0">
+                  <a:solidFill>
+                    <a:schemeClr val="bg1"/>
+                  </a:solidFill>
+                  <a:latin typeface="Lucida Sans" charset="0"/>
+                  <a:ea typeface="Lucida Sans" charset="0"/>
+                  <a:cs typeface="Lucida Sans" charset="0"/>
+                </a:rPr>
+                <a:t>Java</a:t>
+              </a:r>
+            </a:p>
+            <a:p>
+              <a:r>
+                <a:rPr lang="en-US" sz="1400" dirty="0" smtClean="0">
+                  <a:solidFill>
+                    <a:schemeClr val="bg1"/>
+                  </a:solidFill>
+                  <a:latin typeface="Lucida Sans" charset="0"/>
+                  <a:ea typeface="Lucida Sans" charset="0"/>
+                  <a:cs typeface="Lucida Sans" charset="0"/>
+                </a:rPr>
+                <a:t>HTML / CSS</a:t>
+              </a:r>
+            </a:p>
+            <a:p>
+              <a:r>
+                <a:rPr lang="en-US" sz="1400" dirty="0" err="1" smtClean="0">
+                  <a:solidFill>
+                    <a:schemeClr val="bg1"/>
+                  </a:solidFill>
+                  <a:latin typeface="Lucida Sans" charset="0"/>
+                  <a:ea typeface="Lucida Sans" charset="0"/>
+                  <a:cs typeface="Lucida Sans" charset="0"/>
+                </a:rPr>
+                <a:t>Javascript</a:t>
+              </a:r>
+              <a:endParaRPr lang="en-US" sz="1400" dirty="0" smtClean="0">
+                <a:solidFill>
+                  <a:schemeClr val="bg1"/>
                 </a:solidFill>
                 <a:latin typeface="Lucida Sans" charset="0"/>
                 <a:ea typeface="Lucida Sans" charset="0"/>
                 <a:cs typeface="Lucida Sans" charset="0"/>
-              </a:rPr>
-              <a:t>: </a:t>
-            </a:r>
-            <a:r>
-              <a:rPr lang="en-US" sz="900" dirty="0" smtClean="0">
-                <a:latin typeface="Lucida Sans" charset="0"/>
-                <a:ea typeface="Lucida Sans" charset="0"/>
-                <a:cs typeface="Lucida Sans" charset="0"/>
-              </a:rPr>
-              <a:t>hwang97@berkeley.edu</a:t>
-            </a:r>
-          </a:p>
-          <a:p>
-            <a:pPr algn="r">
-              <a:lnSpc>
-                <a:spcPct val="120000"/>
-              </a:lnSpc>
-            </a:pPr>
-            <a:r>
-              <a:rPr lang="en-US" sz="900" dirty="0">
+              </a:endParaRPr>
+            </a:p>
+            <a:p>
+              <a:r>
+                <a:rPr lang="en-US" sz="1400" dirty="0" smtClean="0">
+                  <a:solidFill>
+                    <a:schemeClr val="bg1"/>
+                  </a:solidFill>
+                  <a:latin typeface="Lucida Sans" charset="0"/>
+                  <a:ea typeface="Lucida Sans" charset="0"/>
+                  <a:cs typeface="Lucida Sans" charset="0"/>
+                </a:rPr>
+                <a:t>Scheme</a:t>
+              </a:r>
+            </a:p>
+            <a:p>
+              <a:r>
+                <a:rPr lang="en-US" sz="1400" dirty="0" err="1" smtClean="0">
+                  <a:solidFill>
+                    <a:schemeClr val="bg1"/>
+                  </a:solidFill>
+                  <a:latin typeface="Lucida Sans" charset="0"/>
+                  <a:ea typeface="Lucida Sans" charset="0"/>
+                  <a:cs typeface="Lucida Sans" charset="0"/>
+                </a:rPr>
+                <a:t>Node.JS</a:t>
+              </a:r>
+              <a:endParaRPr lang="en-US" sz="1400" dirty="0" smtClean="0">
                 <a:solidFill>
-                  <a:srgbClr val="00B0F0"/>
+                  <a:schemeClr val="bg1"/>
                 </a:solidFill>
                 <a:latin typeface="Lucida Sans" charset="0"/>
                 <a:ea typeface="Lucida Sans" charset="0"/>
                 <a:cs typeface="Lucida Sans" charset="0"/>
-              </a:rPr>
-              <a:t>c</a:t>
-            </a:r>
-            <a:r>
-              <a:rPr lang="en-US" sz="900" dirty="0" smtClean="0">
+              </a:endParaRPr>
+            </a:p>
+            <a:p>
+              <a:r>
+                <a:rPr lang="en-US" sz="1400" dirty="0" smtClean="0">
+                  <a:solidFill>
+                    <a:schemeClr val="bg1"/>
+                  </a:solidFill>
+                  <a:latin typeface="Lucida Sans" charset="0"/>
+                  <a:ea typeface="Lucida Sans" charset="0"/>
+                  <a:cs typeface="Lucida Sans" charset="0"/>
+                </a:rPr>
+                <a:t>Bootstrap</a:t>
+              </a:r>
+            </a:p>
+            <a:p>
+              <a:r>
+                <a:rPr lang="en-US" sz="1400" dirty="0" smtClean="0">
+                  <a:solidFill>
+                    <a:schemeClr val="bg1"/>
+                  </a:solidFill>
+                  <a:latin typeface="Lucida Sans" charset="0"/>
+                  <a:ea typeface="Lucida Sans" charset="0"/>
+                  <a:cs typeface="Lucida Sans" charset="0"/>
+                </a:rPr>
+                <a:t>MySQL</a:t>
+              </a:r>
+            </a:p>
+            <a:p>
+              <a:r>
+                <a:rPr lang="en-US" sz="1400" dirty="0" smtClean="0">
+                  <a:solidFill>
+                    <a:schemeClr val="bg1"/>
+                  </a:solidFill>
+                  <a:latin typeface="Lucida Sans" charset="0"/>
+                  <a:ea typeface="Lucida Sans" charset="0"/>
+                  <a:cs typeface="Lucida Sans" charset="0"/>
+                </a:rPr>
+                <a:t>Ruby</a:t>
+              </a:r>
+            </a:p>
+            <a:p>
+              <a:endParaRPr lang="en-US" sz="900" dirty="0">
                 <a:solidFill>
-                  <a:srgbClr val="00B0F0"/>
+                  <a:schemeClr val="bg1"/>
                 </a:solidFill>
                 <a:latin typeface="Lucida Sans" charset="0"/>
                 <a:ea typeface="Lucida Sans" charset="0"/>
                 <a:cs typeface="Lucida Sans" charset="0"/>
-              </a:rPr>
-              <a:t>ell</a:t>
-            </a:r>
-            <a:r>
-              <a:rPr lang="en-US" sz="900" dirty="0" smtClean="0">
+              </a:endParaRPr>
+            </a:p>
+            <a:p>
+              <a:r>
+                <a:rPr lang="en-US" sz="1400" dirty="0" smtClean="0">
+                  <a:solidFill>
+                    <a:schemeClr val="bg1"/>
+                  </a:solidFill>
+                  <a:latin typeface="Lucida Sans" charset="0"/>
+                  <a:ea typeface="Lucida Sans" charset="0"/>
+                  <a:cs typeface="Lucida Sans" charset="0"/>
+                </a:rPr>
+                <a:t>AutoCAD</a:t>
+              </a:r>
+            </a:p>
+            <a:p>
+              <a:r>
+                <a:rPr lang="en-US" sz="1400" dirty="0" err="1" smtClean="0">
+                  <a:solidFill>
+                    <a:schemeClr val="bg1"/>
+                  </a:solidFill>
+                  <a:latin typeface="Lucida Sans" charset="0"/>
+                  <a:ea typeface="Lucida Sans" charset="0"/>
+                  <a:cs typeface="Lucida Sans" charset="0"/>
+                </a:rPr>
+                <a:t>Solidworks</a:t>
+              </a:r>
+              <a:endParaRPr lang="en-US" sz="1400" dirty="0" smtClean="0">
                 <a:solidFill>
-                  <a:schemeClr val="tx1">
-                    <a:lumMod val="65000"/>
-                    <a:lumOff val="35000"/>
-                  </a:schemeClr>
+                  <a:schemeClr val="bg1"/>
                 </a:solidFill>
                 <a:latin typeface="Lucida Sans" charset="0"/>
                 <a:ea typeface="Lucida Sans" charset="0"/>
                 <a:cs typeface="Lucida Sans" charset="0"/>
-              </a:rPr>
-              <a:t>: </a:t>
-            </a:r>
-            <a:r>
-              <a:rPr lang="en-US" sz="900" dirty="0" smtClean="0">
+              </a:endParaRPr>
+            </a:p>
+            <a:p>
+              <a:r>
+                <a:rPr lang="en-US" sz="1400" dirty="0" smtClean="0">
+                  <a:solidFill>
+                    <a:schemeClr val="bg1"/>
+                  </a:solidFill>
+                  <a:latin typeface="Lucida Sans" charset="0"/>
+                  <a:ea typeface="Lucida Sans" charset="0"/>
+                  <a:cs typeface="Lucida Sans" charset="0"/>
+                </a:rPr>
+                <a:t>inventor</a:t>
+              </a:r>
+              <a:endParaRPr lang="en-US" sz="1400" dirty="0" smtClean="0">
+                <a:solidFill>
+                  <a:schemeClr val="bg1"/>
+                </a:solidFill>
                 <a:latin typeface="Lucida Sans" charset="0"/>
                 <a:ea typeface="Lucida Sans" charset="0"/>
                 <a:cs typeface="Lucida Sans" charset="0"/>
-              </a:rPr>
-              <a:t>(310)-293-4575</a:t>
-            </a:r>
-          </a:p>
-        </p:txBody>
-      </p:sp>
+              </a:endParaRPr>
+            </a:p>
+            <a:p>
+              <a:r>
+                <a:rPr lang="en-US" sz="1400" dirty="0" smtClean="0">
+                  <a:solidFill>
+                    <a:schemeClr val="bg1"/>
+                  </a:solidFill>
+                  <a:latin typeface="Lucida Sans" charset="0"/>
+                  <a:ea typeface="Lucida Sans" charset="0"/>
+                  <a:cs typeface="Lucida Sans" charset="0"/>
+                </a:rPr>
+                <a:t>Final Cut Pro</a:t>
+              </a:r>
+            </a:p>
+          </p:txBody>
+        </p:sp>
+        <p:sp>
+          <p:nvSpPr>
+            <p:cNvPr id="28" name="TextBox 27"/>
+            <p:cNvSpPr txBox="1"/>
+            <p:nvPr/>
+          </p:nvSpPr>
+          <p:spPr>
+            <a:xfrm>
+              <a:off x="1196340" y="4391582"/>
+              <a:ext cx="1127759" cy="3031599"/>
+            </a:xfrm>
+            <a:prstGeom prst="rect">
+              <a:avLst/>
+            </a:prstGeom>
+            <a:noFill/>
+            <a:ln>
+              <a:noFill/>
+            </a:ln>
+          </p:spPr>
+          <p:style>
+            <a:lnRef idx="2">
+              <a:schemeClr val="accent2"/>
+            </a:lnRef>
+            <a:fillRef idx="1">
+              <a:schemeClr val="lt1"/>
+            </a:fillRef>
+            <a:effectRef idx="0">
+              <a:schemeClr val="accent2"/>
+            </a:effectRef>
+            <a:fontRef idx="minor">
+              <a:schemeClr val="dk1"/>
+            </a:fontRef>
+          </p:style>
+          <p:txBody>
+            <a:bodyPr wrap="square" rtlCol="0">
+              <a:spAutoFit/>
+            </a:bodyPr>
+            <a:lstStyle/>
+            <a:p>
+              <a:pPr algn="r"/>
+              <a:r>
+                <a:rPr lang="en-US" sz="1400" dirty="0" smtClean="0">
+                  <a:solidFill>
+                    <a:schemeClr val="bg1"/>
+                  </a:solidFill>
+                  <a:latin typeface="Lucida Sans" charset="0"/>
+                  <a:ea typeface="Lucida Sans" charset="0"/>
+                  <a:cs typeface="Lucida Sans" charset="0"/>
+                </a:rPr>
+                <a:t>★★</a:t>
+              </a:r>
+              <a:r>
+                <a:rPr lang="en-US" sz="1400" dirty="0">
+                  <a:solidFill>
+                    <a:schemeClr val="bg1"/>
+                  </a:solidFill>
+                  <a:latin typeface="Lucida Sans" charset="0"/>
+                  <a:ea typeface="Lucida Sans" charset="0"/>
+                  <a:cs typeface="Lucida Sans" charset="0"/>
+                </a:rPr>
+                <a:t>★</a:t>
+              </a:r>
+            </a:p>
+            <a:p>
+              <a:pPr algn="r"/>
+              <a:r>
+                <a:rPr lang="en-US" sz="1400" dirty="0" smtClean="0">
+                  <a:solidFill>
+                    <a:schemeClr val="bg1"/>
+                  </a:solidFill>
+                  <a:latin typeface="Lucida Sans" charset="0"/>
+                  <a:ea typeface="Lucida Sans" charset="0"/>
+                  <a:cs typeface="Lucida Sans" charset="0"/>
+                </a:rPr>
+                <a:t>★★★</a:t>
+              </a:r>
+            </a:p>
+            <a:p>
+              <a:pPr algn="r"/>
+              <a:r>
+                <a:rPr lang="en-US" sz="1400" dirty="0" smtClean="0">
+                  <a:solidFill>
+                    <a:schemeClr val="bg1"/>
+                  </a:solidFill>
+                  <a:latin typeface="Lucida Sans" charset="0"/>
+                  <a:ea typeface="Lucida Sans" charset="0"/>
+                  <a:cs typeface="Lucida Sans" charset="0"/>
+                </a:rPr>
+                <a:t>★★★</a:t>
+              </a:r>
+            </a:p>
+            <a:p>
+              <a:pPr algn="r"/>
+              <a:r>
+                <a:rPr lang="en-US" sz="1400" dirty="0" smtClean="0">
+                  <a:solidFill>
+                    <a:schemeClr val="bg1"/>
+                  </a:solidFill>
+                  <a:latin typeface="Lucida Sans" charset="0"/>
+                  <a:ea typeface="Lucida Sans" charset="0"/>
+                  <a:cs typeface="Lucida Sans" charset="0"/>
+                </a:rPr>
+                <a:t>★★★</a:t>
+              </a:r>
+            </a:p>
+            <a:p>
+              <a:pPr algn="r"/>
+              <a:r>
+                <a:rPr lang="en-US" sz="1400" dirty="0" smtClean="0">
+                  <a:solidFill>
+                    <a:schemeClr val="bg1"/>
+                  </a:solidFill>
+                  <a:latin typeface="Lucida Sans" charset="0"/>
+                  <a:ea typeface="Lucida Sans" charset="0"/>
+                  <a:cs typeface="Lucida Sans" charset="0"/>
+                </a:rPr>
+                <a:t>★★★</a:t>
+              </a:r>
+            </a:p>
+            <a:p>
+              <a:pPr algn="r"/>
+              <a:r>
+                <a:rPr lang="en-US" sz="1400" dirty="0" smtClean="0">
+                  <a:solidFill>
+                    <a:schemeClr val="bg1"/>
+                  </a:solidFill>
+                  <a:latin typeface="Lucida Sans" charset="0"/>
+                  <a:ea typeface="Lucida Sans" charset="0"/>
+                  <a:cs typeface="Lucida Sans" charset="0"/>
+                </a:rPr>
+                <a:t>★★</a:t>
+              </a:r>
+            </a:p>
+            <a:p>
+              <a:pPr algn="r"/>
+              <a:r>
+                <a:rPr lang="en-US" sz="1400" dirty="0" smtClean="0">
+                  <a:solidFill>
+                    <a:schemeClr val="bg1"/>
+                  </a:solidFill>
+                  <a:latin typeface="Lucida Sans" charset="0"/>
+                  <a:ea typeface="Lucida Sans" charset="0"/>
+                  <a:cs typeface="Lucida Sans" charset="0"/>
+                </a:rPr>
+                <a:t>★★</a:t>
+              </a:r>
+            </a:p>
+            <a:p>
+              <a:pPr algn="r"/>
+              <a:r>
+                <a:rPr lang="en-US" sz="1400" dirty="0" smtClean="0">
+                  <a:solidFill>
+                    <a:schemeClr val="bg1"/>
+                  </a:solidFill>
+                  <a:latin typeface="Lucida Sans" charset="0"/>
+                  <a:ea typeface="Lucida Sans" charset="0"/>
+                  <a:cs typeface="Lucida Sans" charset="0"/>
+                </a:rPr>
+                <a:t>★</a:t>
+              </a:r>
+            </a:p>
+            <a:p>
+              <a:pPr algn="r"/>
+              <a:r>
+                <a:rPr lang="en-US" sz="1400" dirty="0" smtClean="0">
+                  <a:solidFill>
+                    <a:schemeClr val="bg1"/>
+                  </a:solidFill>
+                  <a:latin typeface="Lucida Sans" charset="0"/>
+                  <a:ea typeface="Lucida Sans" charset="0"/>
+                  <a:cs typeface="Lucida Sans" charset="0"/>
+                </a:rPr>
+                <a:t>★</a:t>
+              </a:r>
+            </a:p>
+            <a:p>
+              <a:endParaRPr lang="en-US" sz="800" dirty="0">
+                <a:solidFill>
+                  <a:schemeClr val="bg1"/>
+                </a:solidFill>
+                <a:latin typeface="Lucida Sans" charset="0"/>
+                <a:ea typeface="Lucida Sans" charset="0"/>
+                <a:cs typeface="Lucida Sans" charset="0"/>
+              </a:endParaRPr>
+            </a:p>
+            <a:p>
+              <a:pPr algn="r"/>
+              <a:r>
+                <a:rPr lang="en-US" sz="1400" dirty="0">
+                  <a:solidFill>
+                    <a:schemeClr val="bg1"/>
+                  </a:solidFill>
+                  <a:latin typeface="Lucida Sans" charset="0"/>
+                  <a:ea typeface="Lucida Sans" charset="0"/>
+                  <a:cs typeface="Lucida Sans" charset="0"/>
+                </a:rPr>
+                <a:t>★★★</a:t>
+              </a:r>
+            </a:p>
+            <a:p>
+              <a:pPr algn="r"/>
+              <a:r>
+                <a:rPr lang="en-US" sz="1400" dirty="0">
+                  <a:solidFill>
+                    <a:schemeClr val="bg1"/>
+                  </a:solidFill>
+                  <a:latin typeface="Lucida Sans" charset="0"/>
+                  <a:ea typeface="Lucida Sans" charset="0"/>
+                  <a:cs typeface="Lucida Sans" charset="0"/>
+                </a:rPr>
+                <a:t>★★★</a:t>
+              </a:r>
+            </a:p>
+            <a:p>
+              <a:pPr algn="r"/>
+              <a:r>
+                <a:rPr lang="en-US" sz="1400" dirty="0" smtClean="0">
+                  <a:solidFill>
+                    <a:schemeClr val="bg1"/>
+                  </a:solidFill>
+                  <a:latin typeface="Lucida Sans" charset="0"/>
+                  <a:ea typeface="Lucida Sans" charset="0"/>
+                  <a:cs typeface="Lucida Sans" charset="0"/>
+                </a:rPr>
+                <a:t>★★</a:t>
+              </a:r>
+            </a:p>
+            <a:p>
+              <a:pPr algn="r"/>
+              <a:r>
+                <a:rPr lang="en-US" sz="1400" dirty="0">
+                  <a:solidFill>
+                    <a:schemeClr val="bg1"/>
+                  </a:solidFill>
+                  <a:latin typeface="Lucida Sans" charset="0"/>
+                  <a:ea typeface="Lucida Sans" charset="0"/>
+                  <a:cs typeface="Lucida Sans" charset="0"/>
+                </a:rPr>
+                <a:t>★</a:t>
+              </a:r>
+              <a:endParaRPr lang="en-US" sz="1400" dirty="0">
+                <a:solidFill>
+                  <a:schemeClr val="bg1"/>
+                </a:solidFill>
+                <a:latin typeface="Lucida Sans" charset="0"/>
+                <a:ea typeface="Lucida Sans" charset="0"/>
+                <a:cs typeface="Lucida Sans" charset="0"/>
+              </a:endParaRPr>
+            </a:p>
+          </p:txBody>
+        </p:sp>
+      </p:grpSp>
     </p:spTree>
     <p:extLst>
       <p:ext uri="{BB962C8B-B14F-4D97-AF65-F5344CB8AC3E}">
-        <p14:creationId xmlns:p14="http://schemas.microsoft.com/office/powerpoint/2010/main" val="1453363113"/>
+        <p14:creationId xmlns:p14="http://schemas.microsoft.com/office/powerpoint/2010/main" val="1376722915"/>
       </p:ext>
     </p:extLst>
   </p:cSld>

--- a/public/files/resume.pptx
+++ b/public/files/resume.pptx
@@ -197,7 +197,7 @@
           <a:p>
             <a:fld id="{5EE9A4F7-1A22-1744-9935-DCEFD2F601E8}" type="datetimeFigureOut">
               <a:rPr lang="en-US" smtClean="0"/>
-              <a:t>2/7/17</a:t>
+              <a:t>3/21/17</a:t>
             </a:fld>
             <a:endParaRPr lang="en-US"/>
           </a:p>
@@ -596,7 +596,7 @@
           <a:p>
             <a:fld id="{0AE1F7CC-2E77-F54C-B79D-D1014779F13F}" type="datetimeFigureOut">
               <a:rPr lang="en-US" smtClean="0"/>
-              <a:t>2/7/17</a:t>
+              <a:t>3/21/17</a:t>
             </a:fld>
             <a:endParaRPr lang="en-US"/>
           </a:p>
@@ -761,7 +761,7 @@
           <a:p>
             <a:fld id="{0AE1F7CC-2E77-F54C-B79D-D1014779F13F}" type="datetimeFigureOut">
               <a:rPr lang="en-US" smtClean="0"/>
-              <a:t>2/7/17</a:t>
+              <a:t>3/21/17</a:t>
             </a:fld>
             <a:endParaRPr lang="en-US"/>
           </a:p>
@@ -936,7 +936,7 @@
           <a:p>
             <a:fld id="{0AE1F7CC-2E77-F54C-B79D-D1014779F13F}" type="datetimeFigureOut">
               <a:rPr lang="en-US" smtClean="0"/>
-              <a:t>2/7/17</a:t>
+              <a:t>3/21/17</a:t>
             </a:fld>
             <a:endParaRPr lang="en-US"/>
           </a:p>
@@ -1101,7 +1101,7 @@
           <a:p>
             <a:fld id="{0AE1F7CC-2E77-F54C-B79D-D1014779F13F}" type="datetimeFigureOut">
               <a:rPr lang="en-US" smtClean="0"/>
-              <a:t>2/7/17</a:t>
+              <a:t>3/21/17</a:t>
             </a:fld>
             <a:endParaRPr lang="en-US"/>
           </a:p>
@@ -1340,7 +1340,7 @@
           <a:p>
             <a:fld id="{0AE1F7CC-2E77-F54C-B79D-D1014779F13F}" type="datetimeFigureOut">
               <a:rPr lang="en-US" smtClean="0"/>
-              <a:t>2/7/17</a:t>
+              <a:t>3/21/17</a:t>
             </a:fld>
             <a:endParaRPr lang="en-US"/>
           </a:p>
@@ -1567,7 +1567,7 @@
           <a:p>
             <a:fld id="{0AE1F7CC-2E77-F54C-B79D-D1014779F13F}" type="datetimeFigureOut">
               <a:rPr lang="en-US" smtClean="0"/>
-              <a:t>2/7/17</a:t>
+              <a:t>3/21/17</a:t>
             </a:fld>
             <a:endParaRPr lang="en-US"/>
           </a:p>
@@ -1929,7 +1929,7 @@
           <a:p>
             <a:fld id="{0AE1F7CC-2E77-F54C-B79D-D1014779F13F}" type="datetimeFigureOut">
               <a:rPr lang="en-US" smtClean="0"/>
-              <a:t>2/7/17</a:t>
+              <a:t>3/21/17</a:t>
             </a:fld>
             <a:endParaRPr lang="en-US"/>
           </a:p>
@@ -2042,7 +2042,7 @@
           <a:p>
             <a:fld id="{0AE1F7CC-2E77-F54C-B79D-D1014779F13F}" type="datetimeFigureOut">
               <a:rPr lang="en-US" smtClean="0"/>
-              <a:t>2/7/17</a:t>
+              <a:t>3/21/17</a:t>
             </a:fld>
             <a:endParaRPr lang="en-US"/>
           </a:p>
@@ -2132,7 +2132,7 @@
           <a:p>
             <a:fld id="{0AE1F7CC-2E77-F54C-B79D-D1014779F13F}" type="datetimeFigureOut">
               <a:rPr lang="en-US" smtClean="0"/>
-              <a:t>2/7/17</a:t>
+              <a:t>3/21/17</a:t>
             </a:fld>
             <a:endParaRPr lang="en-US"/>
           </a:p>
@@ -2404,7 +2404,7 @@
           <a:p>
             <a:fld id="{0AE1F7CC-2E77-F54C-B79D-D1014779F13F}" type="datetimeFigureOut">
               <a:rPr lang="en-US" smtClean="0"/>
-              <a:t>2/7/17</a:t>
+              <a:t>3/21/17</a:t>
             </a:fld>
             <a:endParaRPr lang="en-US"/>
           </a:p>
@@ -2656,7 +2656,7 @@
           <a:p>
             <a:fld id="{0AE1F7CC-2E77-F54C-B79D-D1014779F13F}" type="datetimeFigureOut">
               <a:rPr lang="en-US" smtClean="0"/>
-              <a:t>2/7/17</a:t>
+              <a:t>3/21/17</a:t>
             </a:fld>
             <a:endParaRPr lang="en-US"/>
           </a:p>
@@ -2864,7 +2864,7 @@
           <a:p>
             <a:fld id="{0AE1F7CC-2E77-F54C-B79D-D1014779F13F}" type="datetimeFigureOut">
               <a:rPr lang="en-US" smtClean="0"/>
-              <a:t>2/7/17</a:t>
+              <a:t>3/21/17</a:t>
             </a:fld>
             <a:endParaRPr lang="en-US"/>
           </a:p>
@@ -3269,58 +3269,6 @@
           <a:chExt cx="0" cy="0"/>
         </a:xfrm>
       </p:grpSpPr>
-      <p:sp>
-        <p:nvSpPr>
-          <p:cNvPr id="15" name="Rectangle 14"/>
-          <p:cNvSpPr/>
-          <p:nvPr/>
-        </p:nvSpPr>
-        <p:spPr>
-          <a:xfrm rot="5400000">
-            <a:off x="-3302464" y="3289993"/>
-            <a:ext cx="9143999" cy="2564014"/>
-          </a:xfrm>
-          <a:prstGeom prst="rect">
-            <a:avLst/>
-          </a:prstGeom>
-          <a:solidFill>
-            <a:srgbClr val="00B0F0">
-              <a:alpha val="58431"/>
-            </a:srgbClr>
-          </a:solidFill>
-          <a:ln>
-            <a:noFill/>
-          </a:ln>
-        </p:spPr>
-        <p:style>
-          <a:lnRef idx="2">
-            <a:schemeClr val="accent1">
-              <a:shade val="50000"/>
-            </a:schemeClr>
-          </a:lnRef>
-          <a:fillRef idx="1">
-            <a:schemeClr val="accent1"/>
-          </a:fillRef>
-          <a:effectRef idx="0">
-            <a:schemeClr val="accent1"/>
-          </a:effectRef>
-          <a:fontRef idx="minor">
-            <a:schemeClr val="lt1"/>
-          </a:fontRef>
-        </p:style>
-        <p:txBody>
-          <a:bodyPr rtlCol="0" anchor="ctr"/>
-          <a:lstStyle/>
-          <a:p>
-            <a:pPr algn="ctr"/>
-            <a:endParaRPr lang="en-US">
-              <a:solidFill>
-                <a:srgbClr val="92D050"/>
-              </a:solidFill>
-            </a:endParaRPr>
-          </a:p>
-        </p:txBody>
-      </p:sp>
       <p:grpSp>
         <p:nvGrpSpPr>
           <p:cNvPr id="5" name="Group 4"/>
@@ -3329,10 +3277,10 @@
         </p:nvGrpSpPr>
         <p:grpSpPr>
           <a:xfrm>
-            <a:off x="2789700" y="61956"/>
-            <a:ext cx="4068300" cy="1261546"/>
-            <a:chOff x="2789700" y="212597"/>
-            <a:chExt cx="4068300" cy="1261546"/>
+            <a:off x="205237" y="1341964"/>
+            <a:ext cx="6652763" cy="1149478"/>
+            <a:chOff x="2790772" y="991944"/>
+            <a:chExt cx="4065541" cy="1149478"/>
           </a:xfrm>
         </p:grpSpPr>
         <p:sp>
@@ -3343,7 +3291,7 @@
           </p:nvSpPr>
           <p:spPr>
             <a:xfrm>
-              <a:off x="2792459" y="212597"/>
+              <a:off x="2790772" y="991944"/>
               <a:ext cx="4065541" cy="276999"/>
             </a:xfrm>
             <a:prstGeom prst="rect">
@@ -3396,8 +3344,8 @@
           </p:nvSpPr>
           <p:spPr>
             <a:xfrm>
-              <a:off x="2789700" y="458480"/>
-              <a:ext cx="3877728" cy="1015663"/>
+              <a:off x="2790851" y="1218092"/>
+              <a:ext cx="3877728" cy="923330"/>
             </a:xfrm>
             <a:prstGeom prst="rect">
               <a:avLst/>
@@ -3428,14 +3376,38 @@
             <a:lstStyle/>
             <a:p>
               <a:r>
-                <a:rPr lang="en-US" sz="1000" dirty="0" smtClean="0">
+                <a:rPr lang="en-US" sz="900" dirty="0" smtClean="0">
                   <a:latin typeface="Lucida Sans" charset="0"/>
                   <a:ea typeface="Lucida Sans" charset="0"/>
                   <a:cs typeface="Lucida Sans" charset="0"/>
                 </a:rPr>
-                <a:t>I am a first year undergraduate at UC Berkeley looking for a position in front end web development. I am interested in creating and designing a friendly and impactful user experience. I have previous experience working in medium to large groups on planning and executing long term, detail oriented projects.</a:t>
+                <a:t>I am a first year undergraduate at UC Berkeley looking for </a:t>
               </a:r>
-              <a:endParaRPr lang="en-US" sz="1000" dirty="0" smtClean="0">
+              <a:r>
+                <a:rPr lang="en-US" sz="900" dirty="0" smtClean="0">
+                  <a:latin typeface="Lucida Sans" charset="0"/>
+                  <a:ea typeface="Lucida Sans" charset="0"/>
+                  <a:cs typeface="Lucida Sans" charset="0"/>
+                </a:rPr>
+                <a:t>a research assistant position during Summer 2017 and beyond. </a:t>
+              </a:r>
+              <a:r>
+                <a:rPr lang="en-US" sz="900" dirty="0" smtClean="0">
+                  <a:latin typeface="Lucida Sans" charset="0"/>
+                  <a:ea typeface="Lucida Sans" charset="0"/>
+                  <a:cs typeface="Lucida Sans" charset="0"/>
+                </a:rPr>
+                <a:t>I have previous experience working in medium to large groups on planning and executing long term, detail oriented </a:t>
+              </a:r>
+              <a:r>
+                <a:rPr lang="en-US" sz="900" dirty="0" smtClean="0">
+                  <a:latin typeface="Lucida Sans" charset="0"/>
+                  <a:ea typeface="Lucida Sans" charset="0"/>
+                  <a:cs typeface="Lucida Sans" charset="0"/>
+                </a:rPr>
+                <a:t>projects. I am currently enrolled in ME 193A, a research orientation class with the goal of developing a spacesuit for manned Mars missions. My interests include data science, machine learning, artificial intelligence, robotics, and the application of computer science to fields such as biology and chemistry.</a:t>
+              </a:r>
+              <a:endParaRPr lang="en-US" sz="900" dirty="0" smtClean="0">
                 <a:solidFill>
                   <a:schemeClr val="tx1"/>
                 </a:solidFill>
@@ -3447,100 +3419,6 @@
           </p:txBody>
         </p:sp>
       </p:grpSp>
-      <p:grpSp>
-        <p:nvGrpSpPr>
-          <p:cNvPr id="17" name="Group 16"/>
-          <p:cNvGrpSpPr/>
-          <p:nvPr/>
-        </p:nvGrpSpPr>
-        <p:grpSpPr>
-          <a:xfrm>
-            <a:off x="352935" y="366485"/>
-            <a:ext cx="1833204" cy="1828800"/>
-            <a:chOff x="263179" y="185295"/>
-            <a:chExt cx="1833204" cy="1828800"/>
-          </a:xfrm>
-        </p:grpSpPr>
-        <p:sp>
-          <p:nvSpPr>
-            <p:cNvPr id="13" name="Oval 12"/>
-            <p:cNvSpPr/>
-            <p:nvPr/>
-          </p:nvSpPr>
-          <p:spPr>
-            <a:xfrm flipV="1">
-              <a:off x="263179" y="185295"/>
-              <a:ext cx="1828800" cy="1828800"/>
-            </a:xfrm>
-            <a:prstGeom prst="ellipse">
-              <a:avLst/>
-            </a:prstGeom>
-            <a:solidFill>
-              <a:schemeClr val="bg1"/>
-            </a:solidFill>
-            <a:ln>
-              <a:noFill/>
-            </a:ln>
-          </p:spPr>
-          <p:style>
-            <a:lnRef idx="2">
-              <a:schemeClr val="accent1">
-                <a:shade val="50000"/>
-              </a:schemeClr>
-            </a:lnRef>
-            <a:fillRef idx="1">
-              <a:schemeClr val="accent1"/>
-            </a:fillRef>
-            <a:effectRef idx="0">
-              <a:schemeClr val="accent1"/>
-            </a:effectRef>
-            <a:fontRef idx="minor">
-              <a:schemeClr val="lt1"/>
-            </a:fontRef>
-          </p:style>
-          <p:txBody>
-            <a:bodyPr rtlCol="0" anchor="ctr"/>
-            <a:lstStyle/>
-            <a:p>
-              <a:pPr algn="ctr"/>
-              <a:endParaRPr lang="en-US"/>
-            </a:p>
-          </p:txBody>
-        </p:sp>
-        <p:pic>
-          <p:nvPicPr>
-            <p:cNvPr id="12" name="Picture 11"/>
-            <p:cNvPicPr>
-              <a:picLocks noChangeAspect="1"/>
-            </p:cNvPicPr>
-            <p:nvPr/>
-          </p:nvPicPr>
-          <p:blipFill rotWithShape="1">
-            <a:blip r:embed="rId2">
-              <a:extLst>
-                <a:ext uri="{28A0092B-C50C-407E-A947-70E740481C1C}">
-                  <a14:useLocalDpi xmlns:a14="http://schemas.microsoft.com/office/drawing/2010/main" val="0"/>
-                </a:ext>
-              </a:extLst>
-            </a:blip>
-            <a:srcRect l="3324" t="9861" r="5477"/>
-            <a:stretch/>
-          </p:blipFill>
-          <p:spPr>
-            <a:xfrm>
-              <a:off x="263179" y="185295"/>
-              <a:ext cx="1833204" cy="1828800"/>
-            </a:xfrm>
-            <a:prstGeom prst="ellipse">
-              <a:avLst/>
-            </a:prstGeom>
-            <a:ln>
-              <a:noFill/>
-            </a:ln>
-            <a:effectLst/>
-          </p:spPr>
-        </p:pic>
-      </p:grpSp>
       <p:sp>
         <p:nvSpPr>
           <p:cNvPr id="14" name="TextBox 13"/>
@@ -3549,8 +3427,8 @@
         </p:nvSpPr>
         <p:spPr>
           <a:xfrm>
-            <a:off x="-1" y="2244478"/>
-            <a:ext cx="2539077" cy="1323439"/>
+            <a:off x="188276" y="124768"/>
+            <a:ext cx="6584609" cy="584775"/>
           </a:xfrm>
           <a:prstGeom prst="rect">
             <a:avLst/>
@@ -3580,86 +3458,36 @@
           </a:bodyPr>
           <a:lstStyle/>
           <a:p>
-            <a:pPr algn="ctr"/>
-            <a:r>
-              <a:rPr lang="en-US" sz="4000" spc="300" dirty="0" smtClean="0">
+            <a:r>
+              <a:rPr lang="en-US" sz="3200" spc="300" dirty="0" err="1" smtClean="0">
                 <a:solidFill>
-                  <a:schemeClr val="bg1"/>
+                  <a:schemeClr val="tx1"/>
                 </a:solidFill>
                 <a:latin typeface="Lucida Sans" charset="0"/>
                 <a:ea typeface="Lucida Sans" charset="0"/>
                 <a:cs typeface="Lucida Sans" charset="0"/>
               </a:rPr>
-              <a:t>WILL</a:t>
-            </a:r>
-          </a:p>
-          <a:p>
-            <a:pPr algn="ctr"/>
-            <a:r>
-              <a:rPr lang="en-US" sz="4000" spc="300" dirty="0" smtClean="0">
+              <a:t>Hantao</a:t>
+            </a:r>
+            <a:r>
+              <a:rPr lang="en-US" sz="3200" spc="300" dirty="0" smtClean="0">
                 <a:solidFill>
-                  <a:schemeClr val="bg1"/>
+                  <a:schemeClr val="tx1"/>
                 </a:solidFill>
                 <a:latin typeface="Lucida Sans" charset="0"/>
                 <a:ea typeface="Lucida Sans" charset="0"/>
                 <a:cs typeface="Lucida Sans" charset="0"/>
               </a:rPr>
-              <a:t>WANG</a:t>
-            </a:r>
-          </a:p>
-        </p:txBody>
-      </p:sp>
-      <p:sp>
-        <p:nvSpPr>
-          <p:cNvPr id="18" name="TextBox 17"/>
-          <p:cNvSpPr txBox="1"/>
-          <p:nvPr/>
-        </p:nvSpPr>
-        <p:spPr>
-          <a:xfrm>
-            <a:off x="-24939" y="3501130"/>
-            <a:ext cx="2588952" cy="369332"/>
-          </a:xfrm>
-          <a:prstGeom prst="rect">
-            <a:avLst/>
-          </a:prstGeom>
-          <a:noFill/>
-          <a:ln>
-            <a:noFill/>
-          </a:ln>
-        </p:spPr>
-        <p:style>
-          <a:lnRef idx="2">
-            <a:schemeClr val="accent2"/>
-          </a:lnRef>
-          <a:fillRef idx="1">
-            <a:schemeClr val="lt1"/>
-          </a:fillRef>
-          <a:effectRef idx="0">
-            <a:schemeClr val="accent2"/>
-          </a:effectRef>
-          <a:fontRef idx="minor">
-            <a:schemeClr val="dk1"/>
-          </a:fontRef>
-        </p:style>
-        <p:txBody>
-          <a:bodyPr wrap="square" rtlCol="0">
-            <a:spAutoFit/>
-          </a:bodyPr>
-          <a:lstStyle/>
-          <a:p>
-            <a:pPr algn="ctr"/>
-            <a:r>
-              <a:rPr lang="en-US" dirty="0" smtClean="0">
-                <a:solidFill>
-                  <a:schemeClr val="bg1"/>
-                </a:solidFill>
-                <a:latin typeface="Lucida Sans" charset="0"/>
-                <a:ea typeface="Lucida Sans" charset="0"/>
-                <a:cs typeface="Lucida Sans" charset="0"/>
-              </a:rPr>
-              <a:t>Front End Developer</a:t>
-            </a:r>
+              <a:t> (Will) Wang</a:t>
+            </a:r>
+            <a:endParaRPr lang="en-US" sz="3200" spc="300" dirty="0" smtClean="0">
+              <a:solidFill>
+                <a:schemeClr val="tx1"/>
+              </a:solidFill>
+              <a:latin typeface="Lucida Sans" charset="0"/>
+              <a:ea typeface="Lucida Sans" charset="0"/>
+              <a:cs typeface="Lucida Sans" charset="0"/>
+            </a:endParaRPr>
           </a:p>
         </p:txBody>
       </p:sp>
@@ -3671,10 +3499,10 @@
         </p:nvGrpSpPr>
         <p:grpSpPr>
           <a:xfrm>
-            <a:off x="2789700" y="1370325"/>
-            <a:ext cx="4065541" cy="1733829"/>
-            <a:chOff x="2789700" y="2562843"/>
-            <a:chExt cx="4065541" cy="1733829"/>
+            <a:off x="188276" y="2472491"/>
+            <a:ext cx="6650004" cy="2130574"/>
+            <a:chOff x="2788013" y="3257396"/>
+            <a:chExt cx="4065541" cy="2130574"/>
           </a:xfrm>
         </p:grpSpPr>
         <p:sp>
@@ -3685,7 +3513,7 @@
           </p:nvSpPr>
           <p:spPr>
             <a:xfrm>
-              <a:off x="2789700" y="2562843"/>
+              <a:off x="2788013" y="3257396"/>
               <a:ext cx="4065541" cy="276999"/>
             </a:xfrm>
             <a:prstGeom prst="rect">
@@ -3738,8 +3566,8 @@
           </p:nvSpPr>
           <p:spPr>
             <a:xfrm>
-              <a:off x="2792459" y="2770613"/>
-              <a:ext cx="3877729" cy="1526059"/>
+              <a:off x="2788013" y="3486424"/>
+              <a:ext cx="3877729" cy="1901546"/>
             </a:xfrm>
             <a:prstGeom prst="rect">
               <a:avLst/>
@@ -3757,7 +3585,7 @@
                 </a:lnSpc>
               </a:pPr>
               <a:r>
-                <a:rPr lang="en-US" sz="1000" b="1" dirty="0" smtClean="0">
+                <a:rPr lang="en-US" sz="900" b="1" dirty="0" smtClean="0">
                   <a:solidFill>
                     <a:srgbClr val="00B0F0"/>
                   </a:solidFill>
@@ -3775,23 +3603,80 @@
                 </a:lnSpc>
               </a:pPr>
               <a:r>
-                <a:rPr lang="en-US" sz="1000" dirty="0" smtClean="0">
+                <a:rPr lang="en-US" sz="900" dirty="0" smtClean="0">
                   <a:latin typeface="Verdana" charset="0"/>
                   <a:ea typeface="Verdana" charset="0"/>
                   <a:cs typeface="Verdana" charset="0"/>
                 </a:rPr>
-                <a:t>B.S. Electrical Engineering and Computer Science</a:t>
+                <a:t>B.S. Electrical Engineering and Computer </a:t>
               </a:r>
-            </a:p>
-            <a:p>
               <a:r>
-                <a:rPr lang="en-US" sz="1000" dirty="0" smtClean="0">
+                <a:rPr lang="en-US" sz="900" dirty="0" smtClean="0">
                   <a:latin typeface="Verdana" charset="0"/>
                   <a:ea typeface="Verdana" charset="0"/>
                   <a:cs typeface="Verdana" charset="0"/>
                 </a:rPr>
-                <a:t>Relevant Courses: CS 61A SCIP, CS 198 Web Design Decal, CS 61B Data Structures (IP)</a:t>
+                <a:t>Science</a:t>
               </a:r>
+            </a:p>
+            <a:p>
+              <a:pPr>
+                <a:lnSpc>
+                  <a:spcPct val="120000"/>
+                </a:lnSpc>
+              </a:pPr>
+              <a:r>
+                <a:rPr lang="en-US" sz="900" dirty="0" smtClean="0">
+                  <a:latin typeface="Verdana" charset="0"/>
+                  <a:ea typeface="Verdana" charset="0"/>
+                  <a:cs typeface="Verdana" charset="0"/>
+                </a:rPr>
+                <a:t>Overall GPA: 3.53	Technical GPA: 3.74</a:t>
+              </a:r>
+              <a:endParaRPr lang="en-US" sz="900" dirty="0" smtClean="0">
+                <a:latin typeface="Verdana" charset="0"/>
+                <a:ea typeface="Verdana" charset="0"/>
+                <a:cs typeface="Verdana" charset="0"/>
+              </a:endParaRPr>
+            </a:p>
+            <a:p>
+              <a:r>
+                <a:rPr lang="en-US" sz="900" dirty="0" smtClean="0">
+                  <a:latin typeface="Verdana" charset="0"/>
+                  <a:ea typeface="Verdana" charset="0"/>
+                  <a:cs typeface="Verdana" charset="0"/>
+                </a:rPr>
+                <a:t>Relevant Courses: CS 61A SCIP, CS 198 Web </a:t>
+              </a:r>
+              <a:r>
+                <a:rPr lang="en-US" sz="900" dirty="0" smtClean="0">
+                  <a:latin typeface="Verdana" charset="0"/>
+                  <a:ea typeface="Verdana" charset="0"/>
+                  <a:cs typeface="Verdana" charset="0"/>
+                </a:rPr>
+                <a:t>Design, </a:t>
+              </a:r>
+              <a:r>
+                <a:rPr lang="en-US" sz="900" dirty="0" smtClean="0">
+                  <a:latin typeface="Verdana" charset="0"/>
+                  <a:ea typeface="Verdana" charset="0"/>
+                  <a:cs typeface="Verdana" charset="0"/>
+                </a:rPr>
+                <a:t>CS 61B Data </a:t>
+              </a:r>
+              <a:r>
+                <a:rPr lang="en-US" sz="900" dirty="0" smtClean="0">
+                  <a:latin typeface="Verdana" charset="0"/>
+                  <a:ea typeface="Verdana" charset="0"/>
+                  <a:cs typeface="Verdana" charset="0"/>
+                </a:rPr>
+                <a:t>Structures, MATH 53 Multivariable Calculus, MATH 54 Linear Algebra &amp; Differential Equations, ENG 25 Visualization for Design, E26 3D Modeling for Design, ME 193/292A Special Topics in Biomechanical Engineering</a:t>
+              </a:r>
+              <a:endParaRPr lang="en-US" sz="900" dirty="0" smtClean="0">
+                <a:latin typeface="Verdana" charset="0"/>
+                <a:ea typeface="Verdana" charset="0"/>
+                <a:cs typeface="Verdana" charset="0"/>
+              </a:endParaRPr>
             </a:p>
             <a:p>
               <a:pPr>
@@ -3800,7 +3685,7 @@
                 </a:spcBef>
               </a:pPr>
               <a:r>
-                <a:rPr lang="en-US" sz="1000" b="1" dirty="0" smtClean="0">
+                <a:rPr lang="en-US" sz="900" b="1" dirty="0" smtClean="0">
                   <a:solidFill>
                     <a:srgbClr val="00B0F0"/>
                   </a:solidFill>
@@ -3818,14 +3703,45 @@
                 </a:lnSpc>
               </a:pPr>
               <a:r>
-                <a:rPr lang="en-US" sz="1000" dirty="0" smtClean="0">
+                <a:rPr lang="en-US" sz="900" dirty="0" smtClean="0">
                   <a:latin typeface="Verdana" charset="0"/>
                   <a:ea typeface="Verdana" charset="0"/>
                   <a:cs typeface="Verdana" charset="0"/>
                 </a:rPr>
-                <a:t>High School Concurrent Enrollment</a:t>
+                <a:t>High School Concurrent </a:t>
               </a:r>
-              <a:endParaRPr lang="en-US" sz="1000" dirty="0">
+              <a:r>
+                <a:rPr lang="en-US" sz="900" dirty="0" smtClean="0">
+                  <a:latin typeface="Verdana" charset="0"/>
+                  <a:ea typeface="Verdana" charset="0"/>
+                  <a:cs typeface="Verdana" charset="0"/>
+                </a:rPr>
+                <a:t>Enrollment</a:t>
+              </a:r>
+            </a:p>
+            <a:p>
+              <a:pPr>
+                <a:lnSpc>
+                  <a:spcPct val="150000"/>
+                </a:lnSpc>
+              </a:pPr>
+              <a:r>
+                <a:rPr lang="en-US" sz="900" dirty="0">
+                  <a:latin typeface="Verdana" charset="0"/>
+                  <a:ea typeface="Verdana" charset="0"/>
+                  <a:cs typeface="Verdana" charset="0"/>
+                </a:rPr>
+                <a:t>Overall GPA: </a:t>
+              </a:r>
+              <a:r>
+                <a:rPr lang="en-US" sz="900" dirty="0" smtClean="0">
+                  <a:latin typeface="Verdana" charset="0"/>
+                  <a:ea typeface="Verdana" charset="0"/>
+                  <a:cs typeface="Verdana" charset="0"/>
+                </a:rPr>
+                <a:t>3.93</a:t>
+              </a:r>
+              <a:endParaRPr lang="en-US" sz="900" dirty="0">
                 <a:latin typeface="Verdana" charset="0"/>
                 <a:ea typeface="Verdana" charset="0"/>
                 <a:cs typeface="Verdana" charset="0"/>
@@ -3833,7 +3749,7 @@
             </a:p>
             <a:p>
               <a:r>
-                <a:rPr lang="en-US" sz="1000" dirty="0">
+                <a:rPr lang="en-US" sz="900" dirty="0">
                   <a:latin typeface="Verdana" charset="0"/>
                   <a:ea typeface="Verdana" charset="0"/>
                   <a:cs typeface="Verdana" charset="0"/>
@@ -3841,14 +3757,22 @@
                 <a:t>Relevant </a:t>
               </a:r>
               <a:r>
-                <a:rPr lang="en-US" sz="1000" dirty="0" smtClean="0">
+                <a:rPr lang="en-US" sz="900" dirty="0" smtClean="0">
                   <a:latin typeface="Verdana" charset="0"/>
                   <a:ea typeface="Verdana" charset="0"/>
                   <a:cs typeface="Verdana" charset="0"/>
                 </a:rPr>
-                <a:t>Courses: CS 116 Intro to Computer Hardware &amp; Tools, FIN 360 Business Finance</a:t>
+                <a:t>Courses: CS 116 Intro to Computer Hardware &amp; Tools, FIN 360 Business </a:t>
               </a:r>
-              <a:endParaRPr lang="en-US" sz="1000" dirty="0">
+              <a:r>
+                <a:rPr lang="en-US" sz="900" dirty="0" smtClean="0">
+                  <a:latin typeface="Verdana" charset="0"/>
+                  <a:ea typeface="Verdana" charset="0"/>
+                  <a:cs typeface="Verdana" charset="0"/>
+                </a:rPr>
+                <a:t>Finance, 2 semesters college biology, 2 semesters college physics, 3 semesters college chemistry</a:t>
+              </a:r>
+              <a:endParaRPr lang="en-US" sz="900" dirty="0">
                 <a:latin typeface="Verdana" charset="0"/>
                 <a:ea typeface="Verdana" charset="0"/>
                 <a:cs typeface="Verdana" charset="0"/>
@@ -3865,10 +3789,10 @@
         </p:nvGrpSpPr>
         <p:grpSpPr>
           <a:xfrm>
-            <a:off x="2792459" y="3166049"/>
-            <a:ext cx="4065541" cy="2314853"/>
-            <a:chOff x="2792459" y="3719308"/>
-            <a:chExt cx="4065541" cy="2314853"/>
+            <a:off x="189272" y="4599108"/>
+            <a:ext cx="6583613" cy="1263068"/>
+            <a:chOff x="2790755" y="4098124"/>
+            <a:chExt cx="4067245" cy="1263068"/>
           </a:xfrm>
         </p:grpSpPr>
         <p:sp>
@@ -3879,7 +3803,7 @@
           </p:nvSpPr>
           <p:spPr>
             <a:xfrm>
-              <a:off x="2792459" y="3719308"/>
+              <a:off x="2792459" y="4098124"/>
               <a:ext cx="4065541" cy="276999"/>
             </a:xfrm>
             <a:prstGeom prst="rect">
@@ -3940,8 +3864,8 @@
           </p:nvSpPr>
           <p:spPr>
             <a:xfrm>
-              <a:off x="2792459" y="3933586"/>
-              <a:ext cx="3877730" cy="2100575"/>
+              <a:off x="2790755" y="4323536"/>
+              <a:ext cx="3877730" cy="1037656"/>
             </a:xfrm>
             <a:prstGeom prst="rect">
               <a:avLst/>
@@ -3959,7 +3883,7 @@
                 </a:lnSpc>
               </a:pPr>
               <a:r>
-                <a:rPr lang="en-US" sz="1000" b="1" dirty="0" smtClean="0">
+                <a:rPr lang="en-US" sz="900" b="1" dirty="0" smtClean="0">
                   <a:solidFill>
                     <a:srgbClr val="00B0F0"/>
                   </a:solidFill>
@@ -3967,25 +3891,37 @@
                   <a:ea typeface="Verdana" charset="0"/>
                   <a:cs typeface="Verdana" charset="0"/>
                 </a:rPr>
-                <a:t>Gulfstream Aerospace</a:t>
+                <a:t>Gulfstream </a:t>
               </a:r>
-            </a:p>
-            <a:p>
-              <a:pPr>
-                <a:lnSpc>
-                  <a:spcPct val="120000"/>
-                </a:lnSpc>
-              </a:pPr>
               <a:r>
-                <a:rPr lang="en-US" sz="1000" dirty="0" smtClean="0">
+                <a:rPr lang="en-US" sz="900" b="1" dirty="0" smtClean="0">
+                  <a:solidFill>
+                    <a:srgbClr val="00B0F0"/>
+                  </a:solidFill>
                   <a:latin typeface="Verdana" charset="0"/>
                   <a:ea typeface="Verdana" charset="0"/>
                   <a:cs typeface="Verdana" charset="0"/>
                 </a:rPr>
-                <a:t>High School Apprentice, Aug 2015 </a:t>
+                <a:t>Aerospace		</a:t>
               </a:r>
               <a:r>
-                <a:rPr lang="mr-IN" sz="1000" dirty="0" smtClean="0">
+                <a:rPr lang="en-US" sz="900" dirty="0" smtClean="0">
+                  <a:latin typeface="Verdana" charset="0"/>
+                  <a:ea typeface="Verdana" charset="0"/>
+                  <a:cs typeface="Verdana" charset="0"/>
+                </a:rPr>
+                <a:t>High </a:t>
+              </a:r>
+              <a:r>
+                <a:rPr lang="en-US" sz="900" dirty="0" smtClean="0">
+                  <a:latin typeface="Verdana" charset="0"/>
+                  <a:ea typeface="Verdana" charset="0"/>
+                  <a:cs typeface="Verdana" charset="0"/>
+                </a:rPr>
+                <a:t>School Apprentice, Aug 2015 </a:t>
+              </a:r>
+              <a:r>
+                <a:rPr lang="mr-IN" sz="900" dirty="0" smtClean="0">
                   <a:latin typeface="Verdana" charset="0"/>
                   <a:ea typeface="Verdana" charset="0"/>
                   <a:cs typeface="Verdana" charset="0"/>
@@ -3993,7 +3929,7 @@
                 <a:t>–</a:t>
               </a:r>
               <a:r>
-                <a:rPr lang="en-US" sz="1000" dirty="0" smtClean="0">
+                <a:rPr lang="en-US" sz="900" dirty="0" smtClean="0">
                   <a:latin typeface="Verdana" charset="0"/>
                   <a:ea typeface="Verdana" charset="0"/>
                   <a:cs typeface="Verdana" charset="0"/>
@@ -4011,7 +3947,7 @@
                 </a:spcBef>
               </a:pPr>
               <a:r>
-                <a:rPr lang="en-US" sz="1000" dirty="0" smtClean="0">
+                <a:rPr lang="en-US" sz="900" dirty="0" smtClean="0">
                   <a:latin typeface="Verdana" charset="0"/>
                   <a:ea typeface="Verdana" charset="0"/>
                   <a:cs typeface="Verdana" charset="0"/>
@@ -4019,7 +3955,7 @@
                 <a:t>Worked </a:t>
               </a:r>
               <a:r>
-                <a:rPr lang="en-US" sz="1000" dirty="0">
+                <a:rPr lang="en-US" sz="900" dirty="0">
                   <a:latin typeface="Verdana" charset="0"/>
                   <a:ea typeface="Verdana" charset="0"/>
                   <a:cs typeface="Verdana" charset="0"/>
@@ -4027,7 +3963,7 @@
                 <a:t>with the mechanical engineering teams on interior design drawings of G550 and G650 aircraft. Responsibilities included intensive use of AutoCAD, CATIA, and Excel</a:t>
               </a:r>
               <a:r>
-                <a:rPr lang="en-US" sz="1000" dirty="0" smtClean="0">
+                <a:rPr lang="en-US" sz="900" dirty="0" smtClean="0">
                   <a:latin typeface="Verdana" charset="0"/>
                   <a:ea typeface="Verdana" charset="0"/>
                   <a:cs typeface="Verdana" charset="0"/>
@@ -4045,86 +3981,13 @@
                 </a:spcBef>
               </a:pPr>
               <a:r>
-                <a:rPr lang="en-US" sz="1000" dirty="0" smtClean="0">
+                <a:rPr lang="en-US" sz="900" dirty="0" smtClean="0">
                   <a:latin typeface="Verdana" charset="0"/>
                   <a:ea typeface="Verdana" charset="0"/>
                   <a:cs typeface="Verdana" charset="0"/>
                 </a:rPr>
                 <a:t>Honors: Mach 3 Excellence Award</a:t>
               </a:r>
-            </a:p>
-            <a:p>
-              <a:pPr>
-                <a:lnSpc>
-                  <a:spcPct val="150000"/>
-                </a:lnSpc>
-              </a:pPr>
-              <a:r>
-                <a:rPr lang="en-US" sz="1000" b="1" dirty="0" err="1" smtClean="0">
-                  <a:solidFill>
-                    <a:srgbClr val="00B0F0"/>
-                  </a:solidFill>
-                  <a:latin typeface="Verdana" charset="0"/>
-                  <a:ea typeface="Verdana" charset="0"/>
-                  <a:cs typeface="Verdana" charset="0"/>
-                </a:rPr>
-                <a:t>Experium</a:t>
-              </a:r>
-              <a:r>
-                <a:rPr lang="en-US" sz="1000" b="1" dirty="0" smtClean="0">
-                  <a:solidFill>
-                    <a:srgbClr val="00B0F0"/>
-                  </a:solidFill>
-                  <a:latin typeface="Verdana" charset="0"/>
-                  <a:ea typeface="Verdana" charset="0"/>
-                  <a:cs typeface="Verdana" charset="0"/>
-                </a:rPr>
-                <a:t> Science Academy</a:t>
-              </a:r>
-              <a:endParaRPr lang="en-US" sz="1000" b="1" dirty="0">
-                <a:solidFill>
-                  <a:srgbClr val="00B0F0"/>
-                </a:solidFill>
-                <a:latin typeface="Verdana" charset="0"/>
-                <a:ea typeface="Verdana" charset="0"/>
-                <a:cs typeface="Verdana" charset="0"/>
-              </a:endParaRPr>
-            </a:p>
-            <a:p>
-              <a:pPr>
-                <a:lnSpc>
-                  <a:spcPct val="120000"/>
-                </a:lnSpc>
-              </a:pPr>
-              <a:r>
-                <a:rPr lang="en-US" sz="1000" dirty="0" smtClean="0">
-                  <a:latin typeface="Verdana" charset="0"/>
-                  <a:ea typeface="Verdana" charset="0"/>
-                  <a:cs typeface="Verdana" charset="0"/>
-                </a:rPr>
-                <a:t>Laboratory Technician, June 2014 </a:t>
-              </a:r>
-              <a:r>
-                <a:rPr lang="mr-IN" sz="1000" dirty="0" smtClean="0">
-                  <a:latin typeface="Verdana" charset="0"/>
-                  <a:ea typeface="Verdana" charset="0"/>
-                  <a:cs typeface="Verdana" charset="0"/>
-                </a:rPr>
-                <a:t>–</a:t>
-              </a:r>
-              <a:r>
-                <a:rPr lang="en-US" sz="1000" dirty="0" smtClean="0">
-                  <a:latin typeface="Verdana" charset="0"/>
-                  <a:ea typeface="Verdana" charset="0"/>
-                  <a:cs typeface="Verdana" charset="0"/>
-                </a:rPr>
-                <a:t> Aug 2015</a:t>
-              </a:r>
-              <a:endParaRPr lang="en-US" sz="1000" dirty="0">
-                <a:latin typeface="Verdana" charset="0"/>
-                <a:ea typeface="Verdana" charset="0"/>
-                <a:cs typeface="Verdana" charset="0"/>
-              </a:endParaRPr>
             </a:p>
             <a:p>
               <a:pPr>
@@ -4144,29 +4007,324 @@
           </p:txBody>
         </p:sp>
       </p:grpSp>
+      <p:sp>
+        <p:nvSpPr>
+          <p:cNvPr id="22" name="TextBox 21"/>
+          <p:cNvSpPr txBox="1"/>
+          <p:nvPr/>
+        </p:nvSpPr>
+        <p:spPr>
+          <a:xfrm>
+            <a:off x="192030" y="6587554"/>
+            <a:ext cx="6410175" cy="276999"/>
+          </a:xfrm>
+          <a:prstGeom prst="rect">
+            <a:avLst/>
+          </a:prstGeom>
+          <a:noFill/>
+          <a:ln>
+            <a:noFill/>
+          </a:ln>
+        </p:spPr>
+        <p:style>
+          <a:lnRef idx="2">
+            <a:schemeClr val="accent2"/>
+          </a:lnRef>
+          <a:fillRef idx="1">
+            <a:schemeClr val="lt1"/>
+          </a:fillRef>
+          <a:effectRef idx="0">
+            <a:schemeClr val="accent2"/>
+          </a:effectRef>
+          <a:fontRef idx="minor">
+            <a:schemeClr val="dk1"/>
+          </a:fontRef>
+        </p:style>
+        <p:txBody>
+          <a:bodyPr wrap="square" rtlCol="0">
+            <a:spAutoFit/>
+          </a:bodyPr>
+          <a:lstStyle/>
+          <a:p>
+            <a:r>
+              <a:rPr lang="en-US" sz="1200" b="1" dirty="0" smtClean="0">
+                <a:solidFill>
+                  <a:schemeClr val="tx1"/>
+                </a:solidFill>
+                <a:latin typeface="Verdana" charset="0"/>
+                <a:ea typeface="Verdana" charset="0"/>
+                <a:cs typeface="Verdana" charset="0"/>
+              </a:rPr>
+              <a:t>PROJECTS</a:t>
+            </a:r>
+            <a:endParaRPr lang="en-US" sz="1400" b="1" dirty="0" smtClean="0">
+              <a:solidFill>
+                <a:schemeClr val="tx1"/>
+              </a:solidFill>
+              <a:latin typeface="Verdana" charset="0"/>
+              <a:ea typeface="Verdana" charset="0"/>
+              <a:cs typeface="Verdana" charset="0"/>
+            </a:endParaRPr>
+          </a:p>
+        </p:txBody>
+      </p:sp>
+      <p:sp>
+        <p:nvSpPr>
+          <p:cNvPr id="23" name="Rectangle 22"/>
+          <p:cNvSpPr/>
+          <p:nvPr/>
+        </p:nvSpPr>
+        <p:spPr>
+          <a:xfrm>
+            <a:off x="196543" y="6822157"/>
+            <a:ext cx="6114052" cy="574196"/>
+          </a:xfrm>
+          <a:prstGeom prst="rect">
+            <a:avLst/>
+          </a:prstGeom>
+        </p:spPr>
+        <p:txBody>
+          <a:bodyPr wrap="square">
+            <a:spAutoFit/>
+          </a:bodyPr>
+          <a:lstStyle/>
+          <a:p>
+            <a:pPr>
+              <a:lnSpc>
+                <a:spcPct val="120000"/>
+              </a:lnSpc>
+            </a:pPr>
+            <a:r>
+              <a:rPr lang="en-US" sz="900" b="1" dirty="0" smtClean="0">
+                <a:solidFill>
+                  <a:srgbClr val="00B0F0"/>
+                </a:solidFill>
+                <a:latin typeface="Lucida Sans" charset="0"/>
+                <a:ea typeface="Lucida Sans" charset="0"/>
+                <a:cs typeface="Lucida Sans" charset="0"/>
+              </a:rPr>
+              <a:t>Scheme Interpreter</a:t>
+            </a:r>
+            <a:endParaRPr lang="en-US" sz="900" b="1" dirty="0">
+              <a:solidFill>
+                <a:srgbClr val="00B0F0"/>
+              </a:solidFill>
+              <a:latin typeface="Lucida Sans" charset="0"/>
+              <a:ea typeface="Lucida Sans" charset="0"/>
+              <a:cs typeface="Lucida Sans" charset="0"/>
+            </a:endParaRPr>
+          </a:p>
+          <a:p>
+            <a:pPr>
+              <a:lnSpc>
+                <a:spcPct val="120000"/>
+              </a:lnSpc>
+            </a:pPr>
+            <a:r>
+              <a:rPr lang="en-US" sz="900" dirty="0">
+                <a:latin typeface="Lucida Sans" charset="0"/>
+                <a:ea typeface="Lucida Sans" charset="0"/>
+                <a:cs typeface="Lucida Sans" charset="0"/>
+              </a:rPr>
+              <a:t>Interactive Interpreter that reads and executes user input in Scheme, a dialect of Lisp. Project is written in Python and focuses on Object Orientated Programming and environments.</a:t>
+            </a:r>
+          </a:p>
+        </p:txBody>
+      </p:sp>
+      <p:sp>
+        <p:nvSpPr>
+          <p:cNvPr id="25" name="Rectangle 24"/>
+          <p:cNvSpPr/>
+          <p:nvPr/>
+        </p:nvSpPr>
+        <p:spPr>
+          <a:xfrm>
+            <a:off x="196543" y="7335010"/>
+            <a:ext cx="6114052" cy="574196"/>
+          </a:xfrm>
+          <a:prstGeom prst="rect">
+            <a:avLst/>
+          </a:prstGeom>
+        </p:spPr>
+        <p:txBody>
+          <a:bodyPr wrap="square">
+            <a:spAutoFit/>
+          </a:bodyPr>
+          <a:lstStyle/>
+          <a:p>
+            <a:pPr>
+              <a:lnSpc>
+                <a:spcPct val="120000"/>
+              </a:lnSpc>
+            </a:pPr>
+            <a:r>
+              <a:rPr lang="en-US" sz="900" b="1" dirty="0" err="1" smtClean="0">
+                <a:solidFill>
+                  <a:srgbClr val="00B0F0"/>
+                </a:solidFill>
+                <a:latin typeface="Lucida Sans" charset="0"/>
+                <a:ea typeface="Lucida Sans" charset="0"/>
+                <a:cs typeface="Lucida Sans" charset="0"/>
+              </a:rPr>
+              <a:t>hantaowang.me</a:t>
+            </a:r>
+            <a:endParaRPr lang="en-US" sz="900" b="1" dirty="0">
+              <a:solidFill>
+                <a:srgbClr val="00B0F0"/>
+              </a:solidFill>
+              <a:latin typeface="Lucida Sans" charset="0"/>
+              <a:ea typeface="Lucida Sans" charset="0"/>
+              <a:cs typeface="Lucida Sans" charset="0"/>
+            </a:endParaRPr>
+          </a:p>
+          <a:p>
+            <a:pPr>
+              <a:lnSpc>
+                <a:spcPct val="120000"/>
+              </a:lnSpc>
+            </a:pPr>
+            <a:r>
+              <a:rPr lang="en-US" sz="900" dirty="0" smtClean="0">
+                <a:latin typeface="Lucida Sans" charset="0"/>
+                <a:ea typeface="Lucida Sans" charset="0"/>
+                <a:cs typeface="Lucida Sans" charset="0"/>
+              </a:rPr>
+              <a:t>Personal website </a:t>
+            </a:r>
+            <a:r>
+              <a:rPr lang="en-US" sz="900" dirty="0">
+                <a:latin typeface="Lucida Sans" charset="0"/>
+                <a:ea typeface="Lucida Sans" charset="0"/>
+                <a:cs typeface="Lucida Sans" charset="0"/>
+              </a:rPr>
+              <a:t>written in HTML, CSS, and </a:t>
+            </a:r>
+            <a:r>
+              <a:rPr lang="en-US" sz="900" dirty="0" smtClean="0">
+                <a:latin typeface="Lucida Sans" charset="0"/>
+                <a:ea typeface="Lucida Sans" charset="0"/>
+                <a:cs typeface="Lucida Sans" charset="0"/>
+              </a:rPr>
+              <a:t>JavaScript. </a:t>
+            </a:r>
+            <a:r>
+              <a:rPr lang="en-US" sz="900" dirty="0" smtClean="0">
+                <a:latin typeface="Lucida Sans" charset="0"/>
+                <a:ea typeface="Lucida Sans" charset="0"/>
+                <a:cs typeface="Lucida Sans" charset="0"/>
+              </a:rPr>
+              <a:t>Currently in the process of migrating to a server built with Express in </a:t>
+            </a:r>
+            <a:r>
+              <a:rPr lang="en-US" sz="900" dirty="0" err="1" smtClean="0">
+                <a:latin typeface="Lucida Sans" charset="0"/>
+                <a:ea typeface="Lucida Sans" charset="0"/>
+                <a:cs typeface="Lucida Sans" charset="0"/>
+              </a:rPr>
+              <a:t>Node.JS</a:t>
+            </a:r>
+            <a:r>
+              <a:rPr lang="en-US" sz="900" dirty="0" smtClean="0">
+                <a:latin typeface="Lucida Sans" charset="0"/>
+                <a:ea typeface="Lucida Sans" charset="0"/>
+                <a:cs typeface="Lucida Sans" charset="0"/>
+              </a:rPr>
+              <a:t>. </a:t>
+            </a:r>
+            <a:endParaRPr lang="en-US" sz="900" dirty="0">
+              <a:latin typeface="Lucida Sans" charset="0"/>
+              <a:ea typeface="Lucida Sans" charset="0"/>
+              <a:cs typeface="Lucida Sans" charset="0"/>
+            </a:endParaRPr>
+          </a:p>
+        </p:txBody>
+      </p:sp>
+      <p:sp>
+        <p:nvSpPr>
+          <p:cNvPr id="26" name="Rectangle 25"/>
+          <p:cNvSpPr/>
+          <p:nvPr/>
+        </p:nvSpPr>
+        <p:spPr>
+          <a:xfrm>
+            <a:off x="189271" y="7841580"/>
+            <a:ext cx="6114052" cy="574196"/>
+          </a:xfrm>
+          <a:prstGeom prst="rect">
+            <a:avLst/>
+          </a:prstGeom>
+        </p:spPr>
+        <p:txBody>
+          <a:bodyPr wrap="square">
+            <a:spAutoFit/>
+          </a:bodyPr>
+          <a:lstStyle/>
+          <a:p>
+            <a:pPr>
+              <a:lnSpc>
+                <a:spcPct val="120000"/>
+              </a:lnSpc>
+            </a:pPr>
+            <a:r>
+              <a:rPr lang="en-US" sz="900" b="1" dirty="0" smtClean="0">
+                <a:solidFill>
+                  <a:srgbClr val="00B0F0"/>
+                </a:solidFill>
+                <a:latin typeface="Lucida Sans" charset="0"/>
+                <a:ea typeface="Lucida Sans" charset="0"/>
+                <a:cs typeface="Lucida Sans" charset="0"/>
+              </a:rPr>
+              <a:t>Facebook Analyzer</a:t>
+            </a:r>
+            <a:endParaRPr lang="en-US" sz="900" b="1" dirty="0">
+              <a:solidFill>
+                <a:srgbClr val="00B0F0"/>
+              </a:solidFill>
+              <a:latin typeface="Lucida Sans" charset="0"/>
+              <a:ea typeface="Lucida Sans" charset="0"/>
+              <a:cs typeface="Lucida Sans" charset="0"/>
+            </a:endParaRPr>
+          </a:p>
+          <a:p>
+            <a:pPr>
+              <a:lnSpc>
+                <a:spcPct val="120000"/>
+              </a:lnSpc>
+            </a:pPr>
+            <a:r>
+              <a:rPr lang="en-US" sz="900" dirty="0">
+                <a:latin typeface="Lucida Sans" charset="0"/>
+                <a:ea typeface="Lucida Sans" charset="0"/>
+                <a:cs typeface="Lucida Sans" charset="0"/>
+              </a:rPr>
+              <a:t>Python tool that downloads JSON data of a Facebook group and analyzes data trends regarding posters, commenters, likers, and content.</a:t>
+            </a:r>
+          </a:p>
+        </p:txBody>
+      </p:sp>
       <p:grpSp>
         <p:nvGrpSpPr>
-          <p:cNvPr id="3" name="Group 2"/>
+          <p:cNvPr id="32" name="Group 31"/>
           <p:cNvGrpSpPr/>
           <p:nvPr/>
         </p:nvGrpSpPr>
         <p:grpSpPr>
           <a:xfrm>
-            <a:off x="2789699" y="5283201"/>
-            <a:ext cx="4065541" cy="3625938"/>
-            <a:chOff x="2789699" y="5283201"/>
-            <a:chExt cx="4065541" cy="3625938"/>
+            <a:off x="189272" y="5589153"/>
+            <a:ext cx="6583613" cy="1262382"/>
+            <a:chOff x="2790755" y="4027122"/>
+            <a:chExt cx="4067245" cy="1262382"/>
           </a:xfrm>
         </p:grpSpPr>
         <p:sp>
           <p:nvSpPr>
-            <p:cNvPr id="22" name="TextBox 21"/>
+            <p:cNvPr id="33" name="TextBox 32"/>
             <p:cNvSpPr txBox="1"/>
             <p:nvPr/>
           </p:nvSpPr>
           <p:spPr>
             <a:xfrm>
-              <a:off x="2789699" y="5283201"/>
+              <a:off x="2792459" y="4027122"/>
               <a:ext cx="4065541" cy="276999"/>
             </a:xfrm>
             <a:prstGeom prst="rect">
@@ -4206,7 +4364,7 @@
                   <a:ea typeface="Verdana" charset="0"/>
                   <a:cs typeface="Verdana" charset="0"/>
                 </a:rPr>
-                <a:t>PROJECTS</a:t>
+                <a:t>SKILLS</a:t>
               </a:r>
               <a:endParaRPr lang="en-US" sz="1400" b="1" dirty="0" smtClean="0">
                 <a:solidFill>
@@ -4221,14 +4379,14 @@
         </p:sp>
         <p:sp>
           <p:nvSpPr>
-            <p:cNvPr id="23" name="Rectangle 22"/>
+            <p:cNvPr id="34" name="Rectangle 33"/>
             <p:cNvSpPr/>
             <p:nvPr/>
           </p:nvSpPr>
           <p:spPr>
             <a:xfrm>
-              <a:off x="2792459" y="5515955"/>
-              <a:ext cx="3877730" cy="1015663"/>
+              <a:off x="2790755" y="4249219"/>
+              <a:ext cx="3877730" cy="1040285"/>
             </a:xfrm>
             <a:prstGeom prst="rect">
               <a:avLst/>
@@ -4250,19 +4408,19 @@
                   <a:solidFill>
                     <a:srgbClr val="00B0F0"/>
                   </a:solidFill>
-                  <a:latin typeface="Lucida Sans" charset="0"/>
-                  <a:ea typeface="Lucida Sans" charset="0"/>
-                  <a:cs typeface="Lucida Sans" charset="0"/>
+                  <a:latin typeface="Verdana" charset="0"/>
+                  <a:ea typeface="Verdana" charset="0"/>
+                  <a:cs typeface="Verdana" charset="0"/>
                 </a:rPr>
-                <a:t>Scheme Interpreter</a:t>
+                <a:t>Languages</a:t>
               </a:r>
-              <a:endParaRPr lang="en-US" sz="1000" b="1" dirty="0">
+              <a:endParaRPr lang="en-US" sz="1000" b="1" dirty="0" smtClean="0">
                 <a:solidFill>
                   <a:srgbClr val="00B0F0"/>
                 </a:solidFill>
-                <a:latin typeface="Lucida Sans" charset="0"/>
-                <a:ea typeface="Lucida Sans" charset="0"/>
-                <a:cs typeface="Lucida Sans" charset="0"/>
+                <a:latin typeface="Verdana" charset="0"/>
+                <a:ea typeface="Verdana" charset="0"/>
+                <a:cs typeface="Verdana" charset="0"/>
               </a:endParaRPr>
             </a:p>
             <a:p>
@@ -4272,60 +4430,43 @@
                 </a:lnSpc>
               </a:pPr>
               <a:r>
-                <a:rPr lang="en-US" sz="1000" dirty="0">
-                  <a:latin typeface="Lucida Sans" charset="0"/>
-                  <a:ea typeface="Lucida Sans" charset="0"/>
-                  <a:cs typeface="Lucida Sans" charset="0"/>
+                <a:rPr lang="en-US" sz="900" dirty="0" smtClean="0">
+                  <a:latin typeface="Verdana" charset="0"/>
+                  <a:ea typeface="Verdana" charset="0"/>
+                  <a:cs typeface="Verdana" charset="0"/>
                 </a:rPr>
-                <a:t>Interactive Interpreter that reads and executes user input in Scheme, a dialect of Lisp. Project is written in Python and focuses on Object Orientated Programming and environments.</a:t>
+                <a:t>Python, Java, HTML, CSS, JavaScript, Scheme, MySQL, Ruby</a:t>
               </a:r>
+              <a:endParaRPr lang="en-US" sz="900" dirty="0" smtClean="0">
+                <a:latin typeface="Verdana" charset="0"/>
+                <a:ea typeface="Verdana" charset="0"/>
+                <a:cs typeface="Verdana" charset="0"/>
+              </a:endParaRPr>
             </a:p>
-          </p:txBody>
-        </p:sp>
-        <p:sp>
-          <p:nvSpPr>
-            <p:cNvPr id="24" name="Rectangle 23"/>
-            <p:cNvSpPr/>
-            <p:nvPr/>
-          </p:nvSpPr>
-          <p:spPr>
-            <a:xfrm>
-              <a:off x="2792459" y="6446852"/>
-              <a:ext cx="3877730" cy="830997"/>
-            </a:xfrm>
-            <a:prstGeom prst="rect">
-              <a:avLst/>
-            </a:prstGeom>
-          </p:spPr>
-          <p:txBody>
-            <a:bodyPr wrap="square">
-              <a:spAutoFit/>
-            </a:bodyPr>
-            <a:lstStyle/>
             <a:p>
               <a:pPr>
                 <a:lnSpc>
-                  <a:spcPct val="120000"/>
+                  <a:spcPct val="150000"/>
                 </a:lnSpc>
               </a:pPr>
               <a:r>
-                <a:rPr lang="en-US" sz="1000" b="1" dirty="0" err="1" smtClean="0">
+                <a:rPr lang="en-US" sz="900" b="1" dirty="0" smtClean="0">
                   <a:solidFill>
                     <a:srgbClr val="00B0F0"/>
                   </a:solidFill>
-                  <a:latin typeface="Lucida Sans" charset="0"/>
-                  <a:ea typeface="Lucida Sans" charset="0"/>
-                  <a:cs typeface="Lucida Sans" charset="0"/>
+                  <a:latin typeface="Verdana" charset="0"/>
+                  <a:ea typeface="Verdana" charset="0"/>
+                  <a:cs typeface="Verdana" charset="0"/>
                 </a:rPr>
-                <a:t>pyCalc</a:t>
+                <a:t>Programs, Frameworks, Environments</a:t>
               </a:r>
-              <a:endParaRPr lang="en-US" sz="1000" b="1" dirty="0">
+              <a:endParaRPr lang="en-US" sz="900" b="1" dirty="0">
                 <a:solidFill>
                   <a:srgbClr val="00B0F0"/>
                 </a:solidFill>
-                <a:latin typeface="Lucida Sans" charset="0"/>
-                <a:ea typeface="Lucida Sans" charset="0"/>
-                <a:cs typeface="Lucida Sans" charset="0"/>
+                <a:latin typeface="Verdana" charset="0"/>
+                <a:ea typeface="Verdana" charset="0"/>
+                <a:cs typeface="Verdana" charset="0"/>
               </a:endParaRPr>
             </a:p>
             <a:p>
@@ -4335,76 +4476,25 @@
                 </a:lnSpc>
               </a:pPr>
               <a:r>
-                <a:rPr lang="en-US" sz="1000" dirty="0">
-                  <a:latin typeface="Lucida Sans" charset="0"/>
-                  <a:ea typeface="Lucida Sans" charset="0"/>
-                  <a:cs typeface="Lucida Sans" charset="0"/>
+                <a:rPr lang="en-US" sz="900" dirty="0" err="1" smtClean="0">
+                  <a:latin typeface="Verdana" charset="0"/>
+                  <a:ea typeface="Verdana" charset="0"/>
+                  <a:cs typeface="Verdana" charset="0"/>
                 </a:rPr>
-                <a:t>Python based graphing calculator that reads, evaluates, and graphs user input. Emphasis on Read-</a:t>
+                <a:t>Node.JS</a:t>
               </a:r>
               <a:r>
-                <a:rPr lang="en-US" sz="1000" dirty="0" err="1">
-                  <a:latin typeface="Lucida Sans" charset="0"/>
-                  <a:ea typeface="Lucida Sans" charset="0"/>
-                  <a:cs typeface="Lucida Sans" charset="0"/>
+                <a:rPr lang="en-US" sz="900" dirty="0" smtClean="0">
+                  <a:latin typeface="Verdana" charset="0"/>
+                  <a:ea typeface="Verdana" charset="0"/>
+                  <a:cs typeface="Verdana" charset="0"/>
                 </a:rPr>
-                <a:t>Evalv</a:t>
+                <a:t>, Bootstrap, AutoCAD, SolidWorks, Inventor, Final Cut Pro</a:t>
               </a:r>
-              <a:r>
-                <a:rPr lang="en-US" sz="1000" dirty="0">
-                  <a:latin typeface="Lucida Sans" charset="0"/>
-                  <a:ea typeface="Lucida Sans" charset="0"/>
-                  <a:cs typeface="Lucida Sans" charset="0"/>
-                </a:rPr>
-                <a:t>-Print Loops (REPL) and tree objects.</a:t>
-              </a:r>
-            </a:p>
-          </p:txBody>
-        </p:sp>
-        <p:sp>
-          <p:nvSpPr>
-            <p:cNvPr id="25" name="Rectangle 24"/>
-            <p:cNvSpPr/>
-            <p:nvPr/>
-          </p:nvSpPr>
-          <p:spPr>
-            <a:xfrm>
-              <a:off x="2792459" y="7247145"/>
-              <a:ext cx="3877730" cy="830997"/>
-            </a:xfrm>
-            <a:prstGeom prst="rect">
-              <a:avLst/>
-            </a:prstGeom>
-          </p:spPr>
-          <p:txBody>
-            <a:bodyPr wrap="square">
-              <a:spAutoFit/>
-            </a:bodyPr>
-            <a:lstStyle/>
-            <a:p>
-              <a:pPr>
-                <a:lnSpc>
-                  <a:spcPct val="120000"/>
-                </a:lnSpc>
-              </a:pPr>
-              <a:r>
-                <a:rPr lang="en-US" sz="1000" b="1" dirty="0" err="1" smtClean="0">
-                  <a:solidFill>
-                    <a:srgbClr val="00B0F0"/>
-                  </a:solidFill>
-                  <a:latin typeface="Lucida Sans" charset="0"/>
-                  <a:ea typeface="Lucida Sans" charset="0"/>
-                  <a:cs typeface="Lucida Sans" charset="0"/>
-                </a:rPr>
-                <a:t>hantaowang.me</a:t>
-              </a:r>
-              <a:endParaRPr lang="en-US" sz="1000" b="1" dirty="0">
-                <a:solidFill>
-                  <a:srgbClr val="00B0F0"/>
-                </a:solidFill>
-                <a:latin typeface="Lucida Sans" charset="0"/>
-                <a:ea typeface="Lucida Sans" charset="0"/>
-                <a:cs typeface="Lucida Sans" charset="0"/>
+              <a:endParaRPr lang="en-US" sz="900" dirty="0">
+                <a:latin typeface="Verdana" charset="0"/>
+                <a:ea typeface="Verdana" charset="0"/>
+                <a:cs typeface="Verdana" charset="0"/>
               </a:endParaRPr>
             </a:p>
             <a:p>
@@ -4412,137 +4502,97 @@
                 <a:lnSpc>
                   <a:spcPct val="120000"/>
                 </a:lnSpc>
+                <a:spcBef>
+                  <a:spcPts val="300"/>
+                </a:spcBef>
               </a:pPr>
-              <a:r>
-                <a:rPr lang="en-US" sz="1000" dirty="0" smtClean="0">
-                  <a:latin typeface="Lucida Sans" charset="0"/>
-                  <a:ea typeface="Lucida Sans" charset="0"/>
-                  <a:cs typeface="Lucida Sans" charset="0"/>
-                </a:rPr>
-                <a:t>Personal website </a:t>
-              </a:r>
-              <a:r>
-                <a:rPr lang="en-US" sz="1000" dirty="0">
-                  <a:latin typeface="Lucida Sans" charset="0"/>
-                  <a:ea typeface="Lucida Sans" charset="0"/>
-                  <a:cs typeface="Lucida Sans" charset="0"/>
-                </a:rPr>
-                <a:t>written in HTML, CSS, and </a:t>
-              </a:r>
-              <a:r>
-                <a:rPr lang="en-US" sz="1000" dirty="0" err="1" smtClean="0">
-                  <a:latin typeface="Lucida Sans" charset="0"/>
-                  <a:ea typeface="Lucida Sans" charset="0"/>
-                  <a:cs typeface="Lucida Sans" charset="0"/>
-                </a:rPr>
-                <a:t>Javascript</a:t>
-              </a:r>
-              <a:r>
-                <a:rPr lang="en-US" sz="1000" dirty="0" smtClean="0">
-                  <a:latin typeface="Lucida Sans" charset="0"/>
-                  <a:ea typeface="Lucida Sans" charset="0"/>
-                  <a:cs typeface="Lucida Sans" charset="0"/>
-                </a:rPr>
-                <a:t>. Currently in the process of migrating to a server built with Express in </a:t>
-              </a:r>
-              <a:r>
-                <a:rPr lang="en-US" sz="1000" dirty="0" err="1" smtClean="0">
-                  <a:latin typeface="Lucida Sans" charset="0"/>
-                  <a:ea typeface="Lucida Sans" charset="0"/>
-                  <a:cs typeface="Lucida Sans" charset="0"/>
-                </a:rPr>
-                <a:t>Node.JS</a:t>
-              </a:r>
-              <a:r>
-                <a:rPr lang="en-US" sz="1000" dirty="0" smtClean="0">
-                  <a:latin typeface="Lucida Sans" charset="0"/>
-                  <a:ea typeface="Lucida Sans" charset="0"/>
-                  <a:cs typeface="Lucida Sans" charset="0"/>
-                </a:rPr>
-                <a:t>. </a:t>
-              </a:r>
-              <a:endParaRPr lang="en-US" sz="1000" dirty="0">
-                <a:latin typeface="Lucida Sans" charset="0"/>
-                <a:ea typeface="Lucida Sans" charset="0"/>
-                <a:cs typeface="Lucida Sans" charset="0"/>
+              <a:endParaRPr lang="en-US" sz="1000" b="1" dirty="0">
+                <a:latin typeface="Verdana" charset="0"/>
+                <a:ea typeface="Verdana" charset="0"/>
+                <a:cs typeface="Verdana" charset="0"/>
               </a:endParaRPr>
             </a:p>
           </p:txBody>
         </p:sp>
-        <p:sp>
-          <p:nvSpPr>
-            <p:cNvPr id="26" name="Rectangle 25"/>
-            <p:cNvSpPr/>
-            <p:nvPr/>
-          </p:nvSpPr>
-          <p:spPr>
-            <a:xfrm>
-              <a:off x="2789700" y="8078142"/>
-              <a:ext cx="3877730" cy="830997"/>
-            </a:xfrm>
-            <a:prstGeom prst="rect">
-              <a:avLst/>
-            </a:prstGeom>
-          </p:spPr>
-          <p:txBody>
-            <a:bodyPr wrap="square">
-              <a:spAutoFit/>
-            </a:bodyPr>
-            <a:lstStyle/>
-            <a:p>
-              <a:pPr>
-                <a:lnSpc>
-                  <a:spcPct val="120000"/>
-                </a:lnSpc>
-              </a:pPr>
-              <a:r>
-                <a:rPr lang="en-US" sz="1000" b="1" dirty="0" smtClean="0">
-                  <a:solidFill>
-                    <a:srgbClr val="00B0F0"/>
-                  </a:solidFill>
-                  <a:latin typeface="Lucida Sans" charset="0"/>
-                  <a:ea typeface="Lucida Sans" charset="0"/>
-                  <a:cs typeface="Lucida Sans" charset="0"/>
-                </a:rPr>
-                <a:t>Facebook Analyzer</a:t>
-              </a:r>
-              <a:endParaRPr lang="en-US" sz="1000" b="1" dirty="0">
+      </p:grpSp>
+      <p:sp>
+        <p:nvSpPr>
+          <p:cNvPr id="35" name="Rectangle 34"/>
+          <p:cNvSpPr/>
+          <p:nvPr/>
+        </p:nvSpPr>
+        <p:spPr>
+          <a:xfrm>
+            <a:off x="205236" y="8377883"/>
+            <a:ext cx="6114052" cy="740395"/>
+          </a:xfrm>
+          <a:prstGeom prst="rect">
+            <a:avLst/>
+          </a:prstGeom>
+        </p:spPr>
+        <p:txBody>
+          <a:bodyPr wrap="square">
+            <a:spAutoFit/>
+          </a:bodyPr>
+          <a:lstStyle/>
+          <a:p>
+            <a:pPr>
+              <a:lnSpc>
+                <a:spcPct val="120000"/>
+              </a:lnSpc>
+            </a:pPr>
+            <a:r>
+              <a:rPr lang="en-US" sz="900" b="1" dirty="0" smtClean="0">
                 <a:solidFill>
                   <a:srgbClr val="00B0F0"/>
                 </a:solidFill>
                 <a:latin typeface="Lucida Sans" charset="0"/>
                 <a:ea typeface="Lucida Sans" charset="0"/>
                 <a:cs typeface="Lucida Sans" charset="0"/>
-              </a:endParaRPr>
-            </a:p>
-            <a:p>
-              <a:pPr>
-                <a:lnSpc>
-                  <a:spcPct val="120000"/>
-                </a:lnSpc>
-              </a:pPr>
-              <a:r>
-                <a:rPr lang="en-US" sz="1000" dirty="0">
-                  <a:latin typeface="Lucida Sans" charset="0"/>
-                  <a:ea typeface="Lucida Sans" charset="0"/>
-                  <a:cs typeface="Lucida Sans" charset="0"/>
-                </a:rPr>
-                <a:t>Python tool that downloads JSON data of a Facebook group and analyzes data trends regarding posters, commenters, likers, and content.</a:t>
-              </a:r>
-            </a:p>
-          </p:txBody>
-        </p:sp>
-      </p:grpSp>
-      <p:sp>
-        <p:nvSpPr>
-          <p:cNvPr id="30" name="TextBox 29"/>
+              </a:rPr>
+              <a:t>Database</a:t>
+            </a:r>
+            <a:endParaRPr lang="en-US" sz="900" b="1" dirty="0">
+              <a:solidFill>
+                <a:srgbClr val="00B0F0"/>
+              </a:solidFill>
+              <a:latin typeface="Lucida Sans" charset="0"/>
+              <a:ea typeface="Lucida Sans" charset="0"/>
+              <a:cs typeface="Lucida Sans" charset="0"/>
+            </a:endParaRPr>
+          </a:p>
+          <a:p>
+            <a:pPr>
+              <a:lnSpc>
+                <a:spcPct val="120000"/>
+              </a:lnSpc>
+            </a:pPr>
+            <a:r>
+              <a:rPr lang="en-US" sz="900" dirty="0" smtClean="0">
+                <a:latin typeface="Lucida Sans" charset="0"/>
+                <a:ea typeface="Lucida Sans" charset="0"/>
+                <a:cs typeface="Lucida Sans" charset="0"/>
+              </a:rPr>
+              <a:t>Built a SQL-like database with Java with commands such as load, store, select, with, as, from, etc. Able to perform Cartesian and special joins of two or more tables in accordance to specifications defined by user input.</a:t>
+            </a:r>
+            <a:endParaRPr lang="en-US" sz="900" dirty="0">
+              <a:latin typeface="Lucida Sans" charset="0"/>
+              <a:ea typeface="Lucida Sans" charset="0"/>
+              <a:cs typeface="Lucida Sans" charset="0"/>
+            </a:endParaRPr>
+          </a:p>
+        </p:txBody>
+      </p:sp>
+      <p:sp>
+        <p:nvSpPr>
+          <p:cNvPr id="38" name="TextBox 37"/>
           <p:cNvSpPr txBox="1"/>
           <p:nvPr/>
         </p:nvSpPr>
         <p:spPr>
           <a:xfrm>
-            <a:off x="-14548" y="7814835"/>
-            <a:ext cx="2553623" cy="1212640"/>
+            <a:off x="205366" y="725670"/>
+            <a:ext cx="6345430" cy="461665"/>
           </a:xfrm>
           <a:prstGeom prst="rect">
             <a:avLst/>
@@ -4572,41 +4622,34 @@
           </a:bodyPr>
           <a:lstStyle/>
           <a:p>
-            <a:pPr algn="ctr">
-              <a:lnSpc>
-                <a:spcPct val="130000"/>
-              </a:lnSpc>
-            </a:pPr>
-            <a:r>
-              <a:rPr lang="en-US" sz="1400" dirty="0" err="1" smtClean="0">
-                <a:solidFill>
-                  <a:schemeClr val="bg1"/>
-                </a:solidFill>
+            <a:r>
+              <a:rPr lang="en-US" sz="1200" dirty="0" err="1" smtClean="0">
                 <a:latin typeface="Lucida Sans" charset="0"/>
                 <a:ea typeface="Lucida Sans" charset="0"/>
                 <a:cs typeface="Lucida Sans" charset="0"/>
               </a:rPr>
-              <a:t>hantaowang.me</a:t>
-            </a:r>
-            <a:endParaRPr lang="en-US" sz="1400" dirty="0" smtClean="0">
-              <a:solidFill>
-                <a:schemeClr val="bg1"/>
-              </a:solidFill>
-              <a:latin typeface="Lucida Sans" charset="0"/>
-              <a:ea typeface="Lucida Sans" charset="0"/>
-              <a:cs typeface="Lucida Sans" charset="0"/>
-            </a:endParaRPr>
-          </a:p>
-          <a:p>
-            <a:pPr algn="ctr">
-              <a:lnSpc>
-                <a:spcPct val="130000"/>
-              </a:lnSpc>
-            </a:pPr>
-            <a:r>
-              <a:rPr lang="en-US" sz="1400" dirty="0" smtClean="0">
+              <a:t>www.hantaowang.me</a:t>
+            </a:r>
+            <a:r>
+              <a:rPr lang="en-US" sz="1200" dirty="0">
+                <a:latin typeface="Lucida Sans" charset="0"/>
+                <a:ea typeface="Lucida Sans" charset="0"/>
+                <a:cs typeface="Lucida Sans" charset="0"/>
+              </a:rPr>
+              <a:t>	</a:t>
+            </a:r>
+            <a:r>
+              <a:rPr lang="en-US" sz="1200" dirty="0" smtClean="0">
+                <a:latin typeface="Lucida Sans" charset="0"/>
+                <a:ea typeface="Lucida Sans" charset="0"/>
+                <a:cs typeface="Lucida Sans" charset="0"/>
+              </a:rPr>
+              <a:t>	</a:t>
+            </a:r>
+            <a:r>
+              <a:rPr lang="en-US" sz="1200" dirty="0" smtClean="0">
                 <a:solidFill>
-                  <a:schemeClr val="bg1"/>
+                  <a:schemeClr val="tx1"/>
                 </a:solidFill>
                 <a:latin typeface="Lucida Sans" charset="0"/>
                 <a:ea typeface="Lucida Sans" charset="0"/>
@@ -4616,15 +4659,10 @@
             </a:r>
           </a:p>
           <a:p>
-            <a:pPr algn="ctr">
-              <a:lnSpc>
-                <a:spcPct val="130000"/>
-              </a:lnSpc>
-            </a:pPr>
-            <a:r>
-              <a:rPr lang="en-US" sz="1400" dirty="0" err="1" smtClean="0">
+            <a:r>
+              <a:rPr lang="en-US" sz="1200" dirty="0" err="1" smtClean="0">
                 <a:solidFill>
-                  <a:schemeClr val="bg1"/>
+                  <a:schemeClr val="tx1"/>
                 </a:solidFill>
                 <a:latin typeface="Lucida Sans" charset="0"/>
                 <a:ea typeface="Lucida Sans" charset="0"/>
@@ -4633,9 +4671,9 @@
               <a:t>github.com</a:t>
             </a:r>
             <a:r>
-              <a:rPr lang="en-US" sz="1400" dirty="0" smtClean="0">
+              <a:rPr lang="en-US" sz="1200" dirty="0" smtClean="0">
                 <a:solidFill>
-                  <a:schemeClr val="bg1"/>
+                  <a:schemeClr val="tx1"/>
                 </a:solidFill>
                 <a:latin typeface="Lucida Sans" charset="0"/>
                 <a:ea typeface="Lucida Sans" charset="0"/>
@@ -4644,9 +4682,9 @@
               <a:t>/</a:t>
             </a:r>
             <a:r>
-              <a:rPr lang="en-US" sz="1400" dirty="0" err="1" smtClean="0">
+              <a:rPr lang="en-US" sz="1200" dirty="0" err="1" smtClean="0">
                 <a:solidFill>
-                  <a:schemeClr val="bg1"/>
+                  <a:schemeClr val="tx1"/>
                 </a:solidFill>
                 <a:latin typeface="Lucida Sans" charset="0"/>
                 <a:ea typeface="Lucida Sans" charset="0"/>
@@ -4654,676 +4692,88 @@
               </a:rPr>
               <a:t>hantaowang</a:t>
             </a:r>
-            <a:endParaRPr lang="en-US" sz="1400" dirty="0" smtClean="0">
-              <a:solidFill>
-                <a:schemeClr val="bg1"/>
-              </a:solidFill>
-              <a:latin typeface="Lucida Sans" charset="0"/>
-              <a:ea typeface="Lucida Sans" charset="0"/>
-              <a:cs typeface="Lucida Sans" charset="0"/>
-            </a:endParaRPr>
-          </a:p>
-          <a:p>
-            <a:pPr algn="ctr">
-              <a:lnSpc>
-                <a:spcPct val="130000"/>
-              </a:lnSpc>
-            </a:pPr>
-            <a:r>
-              <a:rPr lang="en-US" sz="1400" dirty="0" smtClean="0">
+            <a:r>
+              <a:rPr lang="en-US" sz="1200" dirty="0">
                 <a:solidFill>
-                  <a:schemeClr val="bg1"/>
+                  <a:schemeClr val="tx1"/>
                 </a:solidFill>
                 <a:latin typeface="Lucida Sans" charset="0"/>
                 <a:ea typeface="Lucida Sans" charset="0"/>
                 <a:cs typeface="Lucida Sans" charset="0"/>
               </a:rPr>
-              <a:t>(310) 293 - 4575</a:t>
-            </a:r>
-          </a:p>
-        </p:txBody>
-      </p:sp>
-      <p:sp>
-        <p:nvSpPr>
-          <p:cNvPr id="31" name="TextBox 30"/>
-          <p:cNvSpPr txBox="1"/>
-          <p:nvPr/>
-        </p:nvSpPr>
-        <p:spPr>
-          <a:xfrm>
-            <a:off x="0" y="7512290"/>
-            <a:ext cx="2564013" cy="338554"/>
-          </a:xfrm>
-          <a:prstGeom prst="rect">
-            <a:avLst/>
-          </a:prstGeom>
-          <a:noFill/>
-          <a:ln>
-            <a:noFill/>
-          </a:ln>
-        </p:spPr>
-        <p:style>
-          <a:lnRef idx="2">
-            <a:schemeClr val="accent2"/>
-          </a:lnRef>
-          <a:fillRef idx="1">
-            <a:schemeClr val="lt1"/>
-          </a:fillRef>
-          <a:effectRef idx="0">
-            <a:schemeClr val="accent2"/>
-          </a:effectRef>
-          <a:fontRef idx="minor">
-            <a:schemeClr val="dk1"/>
-          </a:fontRef>
-        </p:style>
-        <p:txBody>
-          <a:bodyPr wrap="square" rtlCol="0">
-            <a:spAutoFit/>
-          </a:bodyPr>
-          <a:lstStyle/>
-          <a:p>
-            <a:pPr algn="ctr"/>
-            <a:r>
-              <a:rPr lang="en-US" sz="1600" b="1" dirty="0" smtClean="0">
+              <a:t>	</a:t>
+            </a:r>
+            <a:r>
+              <a:rPr lang="en-US" sz="1200" dirty="0" smtClean="0">
                 <a:solidFill>
-                  <a:schemeClr val="bg1"/>
-                </a:solidFill>
-                <a:latin typeface="Verdana" charset="0"/>
-                <a:ea typeface="Verdana" charset="0"/>
-                <a:cs typeface="Verdana" charset="0"/>
-              </a:rPr>
-              <a:t>CONTACT</a:t>
-            </a:r>
-            <a:endParaRPr lang="en-US" sz="1400" b="1" dirty="0" smtClean="0">
-              <a:solidFill>
-                <a:schemeClr val="bg1"/>
-              </a:solidFill>
-              <a:latin typeface="Verdana" charset="0"/>
-              <a:ea typeface="Verdana" charset="0"/>
-              <a:cs typeface="Verdana" charset="0"/>
-            </a:endParaRPr>
-          </a:p>
-        </p:txBody>
-      </p:sp>
-      <p:grpSp>
-        <p:nvGrpSpPr>
-          <p:cNvPr id="2" name="Group 1"/>
-          <p:cNvGrpSpPr/>
-          <p:nvPr/>
-        </p:nvGrpSpPr>
-        <p:grpSpPr>
-          <a:xfrm>
-            <a:off x="22537" y="4046418"/>
-            <a:ext cx="2518937" cy="3429694"/>
-            <a:chOff x="35132" y="4070431"/>
-            <a:chExt cx="2518937" cy="3429694"/>
-          </a:xfrm>
-        </p:grpSpPr>
-        <p:sp>
-          <p:nvSpPr>
-            <p:cNvPr id="27" name="TextBox 26"/>
-            <p:cNvSpPr txBox="1"/>
-            <p:nvPr/>
-          </p:nvSpPr>
-          <p:spPr>
-            <a:xfrm>
-              <a:off x="35132" y="4070431"/>
-              <a:ext cx="2518937" cy="338554"/>
-            </a:xfrm>
-            <a:prstGeom prst="rect">
-              <a:avLst/>
-            </a:prstGeom>
-            <a:noFill/>
-            <a:ln>
-              <a:noFill/>
-            </a:ln>
-          </p:spPr>
-          <p:style>
-            <a:lnRef idx="2">
-              <a:schemeClr val="accent2"/>
-            </a:lnRef>
-            <a:fillRef idx="1">
-              <a:schemeClr val="lt1"/>
-            </a:fillRef>
-            <a:effectRef idx="0">
-              <a:schemeClr val="accent2"/>
-            </a:effectRef>
-            <a:fontRef idx="minor">
-              <a:schemeClr val="dk1"/>
-            </a:fontRef>
-          </p:style>
-          <p:txBody>
-            <a:bodyPr wrap="square" rtlCol="0">
-              <a:spAutoFit/>
-            </a:bodyPr>
-            <a:lstStyle/>
-            <a:p>
-              <a:pPr algn="ctr"/>
-              <a:r>
-                <a:rPr lang="en-US" sz="1600" b="1" dirty="0" smtClean="0">
-                  <a:solidFill>
-                    <a:schemeClr val="bg1"/>
-                  </a:solidFill>
-                  <a:latin typeface="Verdana" charset="0"/>
-                  <a:ea typeface="Verdana" charset="0"/>
-                  <a:cs typeface="Verdana" charset="0"/>
-                </a:rPr>
-                <a:t>SKILLS</a:t>
-              </a:r>
-              <a:endParaRPr lang="en-US" sz="1400" b="1" dirty="0" smtClean="0">
-                <a:solidFill>
-                  <a:schemeClr val="bg1"/>
-                </a:solidFill>
-                <a:latin typeface="Verdana" charset="0"/>
-                <a:ea typeface="Verdana" charset="0"/>
-                <a:cs typeface="Verdana" charset="0"/>
-              </a:endParaRPr>
-            </a:p>
-          </p:txBody>
-        </p:sp>
-        <p:sp>
-          <p:nvSpPr>
-            <p:cNvPr id="29" name="TextBox 28"/>
-            <p:cNvSpPr txBox="1"/>
-            <p:nvPr/>
-          </p:nvSpPr>
-          <p:spPr>
-            <a:xfrm>
-              <a:off x="215901" y="4391582"/>
-              <a:ext cx="1739900" cy="3108543"/>
-            </a:xfrm>
-            <a:prstGeom prst="rect">
-              <a:avLst/>
-            </a:prstGeom>
-            <a:noFill/>
-            <a:ln>
-              <a:noFill/>
-            </a:ln>
-          </p:spPr>
-          <p:style>
-            <a:lnRef idx="2">
-              <a:schemeClr val="accent2"/>
-            </a:lnRef>
-            <a:fillRef idx="1">
-              <a:schemeClr val="lt1"/>
-            </a:fillRef>
-            <a:effectRef idx="0">
-              <a:schemeClr val="accent2"/>
-            </a:effectRef>
-            <a:fontRef idx="minor">
-              <a:schemeClr val="dk1"/>
-            </a:fontRef>
-          </p:style>
-          <p:txBody>
-            <a:bodyPr wrap="square" rtlCol="0">
-              <a:spAutoFit/>
-            </a:bodyPr>
-            <a:lstStyle/>
-            <a:p>
-              <a:r>
-                <a:rPr lang="en-US" sz="1400" dirty="0" smtClean="0">
-                  <a:solidFill>
-                    <a:schemeClr val="bg1"/>
-                  </a:solidFill>
-                  <a:latin typeface="Lucida Sans" charset="0"/>
-                  <a:ea typeface="Lucida Sans" charset="0"/>
-                  <a:cs typeface="Lucida Sans" charset="0"/>
-                </a:rPr>
-                <a:t>Python </a:t>
-              </a:r>
-            </a:p>
-            <a:p>
-              <a:r>
-                <a:rPr lang="en-US" sz="1400" dirty="0" smtClean="0">
-                  <a:solidFill>
-                    <a:schemeClr val="bg1"/>
-                  </a:solidFill>
-                  <a:latin typeface="Lucida Sans" charset="0"/>
-                  <a:ea typeface="Lucida Sans" charset="0"/>
-                  <a:cs typeface="Lucida Sans" charset="0"/>
-                </a:rPr>
-                <a:t>Java</a:t>
-              </a:r>
-            </a:p>
-            <a:p>
-              <a:r>
-                <a:rPr lang="en-US" sz="1400" dirty="0" smtClean="0">
-                  <a:solidFill>
-                    <a:schemeClr val="bg1"/>
-                  </a:solidFill>
-                  <a:latin typeface="Lucida Sans" charset="0"/>
-                  <a:ea typeface="Lucida Sans" charset="0"/>
-                  <a:cs typeface="Lucida Sans" charset="0"/>
-                </a:rPr>
-                <a:t>HTML / CSS</a:t>
-              </a:r>
-            </a:p>
-            <a:p>
-              <a:r>
-                <a:rPr lang="en-US" sz="1400" dirty="0" err="1" smtClean="0">
-                  <a:solidFill>
-                    <a:schemeClr val="bg1"/>
-                  </a:solidFill>
-                  <a:latin typeface="Lucida Sans" charset="0"/>
-                  <a:ea typeface="Lucida Sans" charset="0"/>
-                  <a:cs typeface="Lucida Sans" charset="0"/>
-                </a:rPr>
-                <a:t>Javascript</a:t>
-              </a:r>
-              <a:endParaRPr lang="en-US" sz="1400" dirty="0" smtClean="0">
-                <a:solidFill>
-                  <a:schemeClr val="bg1"/>
+                  <a:schemeClr val="tx1"/>
                 </a:solidFill>
                 <a:latin typeface="Lucida Sans" charset="0"/>
                 <a:ea typeface="Lucida Sans" charset="0"/>
                 <a:cs typeface="Lucida Sans" charset="0"/>
-              </a:endParaRPr>
-            </a:p>
-            <a:p>
-              <a:r>
-                <a:rPr lang="en-US" sz="1400" dirty="0" smtClean="0">
-                  <a:solidFill>
-                    <a:schemeClr val="bg1"/>
-                  </a:solidFill>
-                  <a:latin typeface="Lucida Sans" charset="0"/>
-                  <a:ea typeface="Lucida Sans" charset="0"/>
-                  <a:cs typeface="Lucida Sans" charset="0"/>
-                </a:rPr>
-                <a:t>Scheme</a:t>
-              </a:r>
-            </a:p>
-            <a:p>
-              <a:r>
-                <a:rPr lang="en-US" sz="1400" dirty="0" err="1" smtClean="0">
-                  <a:solidFill>
-                    <a:schemeClr val="bg1"/>
-                  </a:solidFill>
-                  <a:latin typeface="Lucida Sans" charset="0"/>
-                  <a:ea typeface="Lucida Sans" charset="0"/>
-                  <a:cs typeface="Lucida Sans" charset="0"/>
-                </a:rPr>
-                <a:t>Node.JS</a:t>
-              </a:r>
-              <a:endParaRPr lang="en-US" sz="1400" dirty="0" smtClean="0">
+              </a:rPr>
+              <a:t>	</a:t>
+            </a:r>
+            <a:r>
+              <a:rPr lang="en-US" sz="1200" dirty="0" err="1" smtClean="0">
                 <a:solidFill>
-                  <a:schemeClr val="bg1"/>
+                  <a:schemeClr val="tx1"/>
                 </a:solidFill>
                 <a:latin typeface="Lucida Sans" charset="0"/>
                 <a:ea typeface="Lucida Sans" charset="0"/>
                 <a:cs typeface="Lucida Sans" charset="0"/>
-              </a:endParaRPr>
-            </a:p>
-            <a:p>
-              <a:r>
-                <a:rPr lang="en-US" sz="1400" dirty="0" smtClean="0">
-                  <a:solidFill>
-                    <a:schemeClr val="bg1"/>
-                  </a:solidFill>
-                  <a:latin typeface="Lucida Sans" charset="0"/>
-                  <a:ea typeface="Lucida Sans" charset="0"/>
-                  <a:cs typeface="Lucida Sans" charset="0"/>
-                </a:rPr>
-                <a:t>Bootstrap</a:t>
-              </a:r>
-            </a:p>
-            <a:p>
-              <a:r>
-                <a:rPr lang="en-US" sz="1400" dirty="0" smtClean="0">
-                  <a:solidFill>
-                    <a:schemeClr val="bg1"/>
-                  </a:solidFill>
-                  <a:latin typeface="Lucida Sans" charset="0"/>
-                  <a:ea typeface="Lucida Sans" charset="0"/>
-                  <a:cs typeface="Lucida Sans" charset="0"/>
-                </a:rPr>
-                <a:t>MySQL</a:t>
-              </a:r>
-            </a:p>
-            <a:p>
-              <a:r>
-                <a:rPr lang="en-US" sz="1400" dirty="0" smtClean="0">
-                  <a:solidFill>
-                    <a:schemeClr val="bg1"/>
-                  </a:solidFill>
-                  <a:latin typeface="Lucida Sans" charset="0"/>
-                  <a:ea typeface="Lucida Sans" charset="0"/>
-                  <a:cs typeface="Lucida Sans" charset="0"/>
-                </a:rPr>
-                <a:t>Ruby</a:t>
-              </a:r>
-            </a:p>
-            <a:p>
-              <a:endParaRPr lang="en-US" sz="900" dirty="0">
+              </a:rPr>
+              <a:t>linkedin.com</a:t>
+            </a:r>
+            <a:r>
+              <a:rPr lang="en-US" sz="1200" dirty="0" smtClean="0">
                 <a:solidFill>
-                  <a:schemeClr val="bg1"/>
+                  <a:schemeClr val="tx1"/>
                 </a:solidFill>
                 <a:latin typeface="Lucida Sans" charset="0"/>
                 <a:ea typeface="Lucida Sans" charset="0"/>
                 <a:cs typeface="Lucida Sans" charset="0"/>
-              </a:endParaRPr>
-            </a:p>
-            <a:p>
-              <a:r>
-                <a:rPr lang="en-US" sz="1400" dirty="0" smtClean="0">
-                  <a:solidFill>
-                    <a:schemeClr val="bg1"/>
-                  </a:solidFill>
-                  <a:latin typeface="Lucida Sans" charset="0"/>
-                  <a:ea typeface="Lucida Sans" charset="0"/>
-                  <a:cs typeface="Lucida Sans" charset="0"/>
-                </a:rPr>
-                <a:t>AutoCAD</a:t>
-              </a:r>
-            </a:p>
-            <a:p>
-              <a:r>
-                <a:rPr lang="en-US" sz="1400" dirty="0" err="1" smtClean="0">
-                  <a:solidFill>
-                    <a:schemeClr val="bg1"/>
-                  </a:solidFill>
-                  <a:latin typeface="Lucida Sans" charset="0"/>
-                  <a:ea typeface="Lucida Sans" charset="0"/>
-                  <a:cs typeface="Lucida Sans" charset="0"/>
-                </a:rPr>
-                <a:t>Solidworks</a:t>
-              </a:r>
-              <a:endParaRPr lang="en-US" sz="1400" dirty="0" smtClean="0">
-                <a:solidFill>
-                  <a:schemeClr val="bg1"/>
-                </a:solidFill>
-                <a:latin typeface="Lucida Sans" charset="0"/>
-                <a:ea typeface="Lucida Sans" charset="0"/>
-                <a:cs typeface="Lucida Sans" charset="0"/>
-              </a:endParaRPr>
-            </a:p>
-            <a:p>
-              <a:r>
-                <a:rPr lang="en-US" sz="1400" dirty="0" smtClean="0">
-                  <a:solidFill>
-                    <a:schemeClr val="bg1"/>
-                  </a:solidFill>
-                  <a:latin typeface="Lucida Sans" charset="0"/>
-                  <a:ea typeface="Lucida Sans" charset="0"/>
-                  <a:cs typeface="Lucida Sans" charset="0"/>
-                </a:rPr>
-                <a:t>inventor</a:t>
-              </a:r>
-              <a:endParaRPr lang="en-US" sz="1400" dirty="0" smtClean="0">
-                <a:solidFill>
-                  <a:schemeClr val="bg1"/>
-                </a:solidFill>
-                <a:latin typeface="Lucida Sans" charset="0"/>
-                <a:ea typeface="Lucida Sans" charset="0"/>
-                <a:cs typeface="Lucida Sans" charset="0"/>
-              </a:endParaRPr>
-            </a:p>
-            <a:p>
-              <a:r>
-                <a:rPr lang="en-US" sz="1400" dirty="0" smtClean="0">
-                  <a:solidFill>
-                    <a:schemeClr val="bg1"/>
-                  </a:solidFill>
-                  <a:latin typeface="Lucida Sans" charset="0"/>
-                  <a:ea typeface="Lucida Sans" charset="0"/>
-                  <a:cs typeface="Lucida Sans" charset="0"/>
-                </a:rPr>
-                <a:t>Final Cut Pro</a:t>
-              </a:r>
-            </a:p>
-          </p:txBody>
-        </p:sp>
-        <p:sp>
-          <p:nvSpPr>
-            <p:cNvPr id="28" name="TextBox 27"/>
-            <p:cNvSpPr txBox="1"/>
-            <p:nvPr/>
-          </p:nvSpPr>
-          <p:spPr>
-            <a:xfrm>
-              <a:off x="1196340" y="4391582"/>
-              <a:ext cx="1127759" cy="3031599"/>
-            </a:xfrm>
-            <a:prstGeom prst="rect">
-              <a:avLst/>
-            </a:prstGeom>
-            <a:noFill/>
-            <a:ln>
-              <a:noFill/>
-            </a:ln>
-          </p:spPr>
-          <p:style>
-            <a:lnRef idx="2">
-              <a:schemeClr val="accent2"/>
-            </a:lnRef>
-            <a:fillRef idx="1">
-              <a:schemeClr val="lt1"/>
-            </a:fillRef>
-            <a:effectRef idx="0">
-              <a:schemeClr val="accent2"/>
-            </a:effectRef>
-            <a:fontRef idx="minor">
-              <a:schemeClr val="dk1"/>
-            </a:fontRef>
-          </p:style>
-          <p:txBody>
-            <a:bodyPr wrap="square" rtlCol="0">
-              <a:spAutoFit/>
-            </a:bodyPr>
-            <a:lstStyle/>
-            <a:p>
-              <a:pPr algn="r"/>
-              <a:r>
-                <a:rPr lang="en-US" sz="1400" dirty="0" smtClean="0">
-                  <a:solidFill>
-                    <a:schemeClr val="bg1"/>
-                  </a:solidFill>
-                  <a:latin typeface="Lucida Sans" charset="0"/>
-                  <a:ea typeface="Lucida Sans" charset="0"/>
-                  <a:cs typeface="Lucida Sans" charset="0"/>
-                </a:rPr>
-                <a:t>★★</a:t>
-              </a:r>
-              <a:r>
-                <a:rPr lang="en-US" sz="1400" dirty="0">
-                  <a:solidFill>
-                    <a:schemeClr val="bg1"/>
-                  </a:solidFill>
-                  <a:latin typeface="Lucida Sans" charset="0"/>
-                  <a:ea typeface="Lucida Sans" charset="0"/>
-                  <a:cs typeface="Lucida Sans" charset="0"/>
-                </a:rPr>
-                <a:t>★</a:t>
-              </a:r>
-            </a:p>
-            <a:p>
-              <a:pPr algn="r"/>
-              <a:r>
-                <a:rPr lang="en-US" sz="1400" dirty="0" smtClean="0">
-                  <a:solidFill>
-                    <a:schemeClr val="bg1"/>
-                  </a:solidFill>
-                  <a:latin typeface="Lucida Sans" charset="0"/>
-                  <a:ea typeface="Lucida Sans" charset="0"/>
-                  <a:cs typeface="Lucida Sans" charset="0"/>
-                </a:rPr>
-                <a:t>★★★</a:t>
-              </a:r>
-            </a:p>
-            <a:p>
-              <a:pPr algn="r"/>
-              <a:r>
-                <a:rPr lang="en-US" sz="1400" dirty="0" smtClean="0">
-                  <a:solidFill>
-                    <a:schemeClr val="bg1"/>
-                  </a:solidFill>
-                  <a:latin typeface="Lucida Sans" charset="0"/>
-                  <a:ea typeface="Lucida Sans" charset="0"/>
-                  <a:cs typeface="Lucida Sans" charset="0"/>
-                </a:rPr>
-                <a:t>★★★</a:t>
-              </a:r>
-            </a:p>
-            <a:p>
-              <a:pPr algn="r"/>
-              <a:r>
-                <a:rPr lang="en-US" sz="1400" dirty="0" smtClean="0">
-                  <a:solidFill>
-                    <a:schemeClr val="bg1"/>
-                  </a:solidFill>
-                  <a:latin typeface="Lucida Sans" charset="0"/>
-                  <a:ea typeface="Lucida Sans" charset="0"/>
-                  <a:cs typeface="Lucida Sans" charset="0"/>
-                </a:rPr>
-                <a:t>★★★</a:t>
-              </a:r>
-            </a:p>
-            <a:p>
-              <a:pPr algn="r"/>
-              <a:r>
-                <a:rPr lang="en-US" sz="1400" dirty="0" smtClean="0">
-                  <a:solidFill>
-                    <a:schemeClr val="bg1"/>
-                  </a:solidFill>
-                  <a:latin typeface="Lucida Sans" charset="0"/>
-                  <a:ea typeface="Lucida Sans" charset="0"/>
-                  <a:cs typeface="Lucida Sans" charset="0"/>
-                </a:rPr>
-                <a:t>★★★</a:t>
-              </a:r>
-            </a:p>
-            <a:p>
-              <a:pPr algn="r"/>
-              <a:r>
-                <a:rPr lang="en-US" sz="1400" dirty="0" smtClean="0">
-                  <a:solidFill>
-                    <a:schemeClr val="bg1"/>
-                  </a:solidFill>
-                  <a:latin typeface="Lucida Sans" charset="0"/>
-                  <a:ea typeface="Lucida Sans" charset="0"/>
-                  <a:cs typeface="Lucida Sans" charset="0"/>
-                </a:rPr>
-                <a:t>★★</a:t>
-              </a:r>
-            </a:p>
-            <a:p>
-              <a:pPr algn="r"/>
-              <a:r>
-                <a:rPr lang="en-US" sz="1400" dirty="0" smtClean="0">
-                  <a:solidFill>
-                    <a:schemeClr val="bg1"/>
-                  </a:solidFill>
-                  <a:latin typeface="Lucida Sans" charset="0"/>
-                  <a:ea typeface="Lucida Sans" charset="0"/>
-                  <a:cs typeface="Lucida Sans" charset="0"/>
-                </a:rPr>
-                <a:t>★★</a:t>
-              </a:r>
-            </a:p>
-            <a:p>
-              <a:pPr algn="r"/>
-              <a:r>
-                <a:rPr lang="en-US" sz="1400" dirty="0" smtClean="0">
-                  <a:solidFill>
-                    <a:schemeClr val="bg1"/>
-                  </a:solidFill>
-                  <a:latin typeface="Lucida Sans" charset="0"/>
-                  <a:ea typeface="Lucida Sans" charset="0"/>
-                  <a:cs typeface="Lucida Sans" charset="0"/>
-                </a:rPr>
-                <a:t>★</a:t>
-              </a:r>
-            </a:p>
-            <a:p>
-              <a:pPr algn="r"/>
-              <a:r>
-                <a:rPr lang="en-US" sz="1400" dirty="0" smtClean="0">
-                  <a:solidFill>
-                    <a:schemeClr val="bg1"/>
-                  </a:solidFill>
-                  <a:latin typeface="Lucida Sans" charset="0"/>
-                  <a:ea typeface="Lucida Sans" charset="0"/>
-                  <a:cs typeface="Lucida Sans" charset="0"/>
-                </a:rPr>
-                <a:t>★</a:t>
-              </a:r>
-            </a:p>
-            <a:p>
-              <a:endParaRPr lang="en-US" sz="800" dirty="0">
-                <a:solidFill>
-                  <a:schemeClr val="bg1"/>
-                </a:solidFill>
-                <a:latin typeface="Lucida Sans" charset="0"/>
-                <a:ea typeface="Lucida Sans" charset="0"/>
-                <a:cs typeface="Lucida Sans" charset="0"/>
-              </a:endParaRPr>
-            </a:p>
-            <a:p>
-              <a:pPr algn="r"/>
-              <a:r>
-                <a:rPr lang="en-US" sz="1400" dirty="0">
-                  <a:solidFill>
-                    <a:schemeClr val="bg1"/>
-                  </a:solidFill>
-                  <a:latin typeface="Lucida Sans" charset="0"/>
-                  <a:ea typeface="Lucida Sans" charset="0"/>
-                  <a:cs typeface="Lucida Sans" charset="0"/>
-                </a:rPr>
-                <a:t>★★★</a:t>
-              </a:r>
-            </a:p>
-            <a:p>
-              <a:pPr algn="r"/>
-              <a:r>
-                <a:rPr lang="en-US" sz="1400" dirty="0">
-                  <a:solidFill>
-                    <a:schemeClr val="bg1"/>
-                  </a:solidFill>
-                  <a:latin typeface="Lucida Sans" charset="0"/>
-                  <a:ea typeface="Lucida Sans" charset="0"/>
-                  <a:cs typeface="Lucida Sans" charset="0"/>
-                </a:rPr>
-                <a:t>★★★</a:t>
-              </a:r>
-            </a:p>
-            <a:p>
-              <a:pPr algn="r"/>
-              <a:r>
-                <a:rPr lang="en-US" sz="1400" dirty="0" smtClean="0">
-                  <a:solidFill>
-                    <a:schemeClr val="bg1"/>
-                  </a:solidFill>
-                  <a:latin typeface="Lucida Sans" charset="0"/>
-                  <a:ea typeface="Lucida Sans" charset="0"/>
-                  <a:cs typeface="Lucida Sans" charset="0"/>
-                </a:rPr>
-                <a:t>★★</a:t>
-              </a:r>
-            </a:p>
-            <a:p>
-              <a:pPr algn="r"/>
-              <a:r>
-                <a:rPr lang="en-US" sz="1400" dirty="0">
-                  <a:solidFill>
-                    <a:schemeClr val="bg1"/>
-                  </a:solidFill>
-                  <a:latin typeface="Lucida Sans" charset="0"/>
-                  <a:ea typeface="Lucida Sans" charset="0"/>
-                  <a:cs typeface="Lucida Sans" charset="0"/>
-                </a:rPr>
-                <a:t>★</a:t>
-              </a:r>
-              <a:endParaRPr lang="en-US" sz="1400" dirty="0">
-                <a:solidFill>
-                  <a:schemeClr val="bg1"/>
-                </a:solidFill>
-                <a:latin typeface="Lucida Sans" charset="0"/>
-                <a:ea typeface="Lucida Sans" charset="0"/>
-                <a:cs typeface="Lucida Sans" charset="0"/>
-              </a:endParaRPr>
-            </a:p>
-          </p:txBody>
-        </p:sp>
-      </p:grpSp>
+              </a:rPr>
+              <a:t>/in/hwang97</a:t>
+            </a:r>
+          </a:p>
+        </p:txBody>
+      </p:sp>
+      <p:cxnSp>
+        <p:nvCxnSpPr>
+          <p:cNvPr id="39" name="Straight Connector 38"/>
+          <p:cNvCxnSpPr/>
+          <p:nvPr/>
+        </p:nvCxnSpPr>
+        <p:spPr>
+          <a:xfrm>
+            <a:off x="289932" y="1260088"/>
+            <a:ext cx="6312273" cy="0"/>
+          </a:xfrm>
+          <a:prstGeom prst="line">
+            <a:avLst/>
+          </a:prstGeom>
+          <a:ln w="19050">
+            <a:solidFill>
+              <a:srgbClr val="00B0F0"/>
+            </a:solidFill>
+          </a:ln>
+        </p:spPr>
+        <p:style>
+          <a:lnRef idx="1">
+            <a:schemeClr val="accent1"/>
+          </a:lnRef>
+          <a:fillRef idx="0">
+            <a:schemeClr val="accent1"/>
+          </a:fillRef>
+          <a:effectRef idx="0">
+            <a:schemeClr val="accent1"/>
+          </a:effectRef>
+          <a:fontRef idx="minor">
+            <a:schemeClr val="tx1"/>
+          </a:fontRef>
+        </p:style>
+      </p:cxnSp>
     </p:spTree>
     <p:extLst>
       <p:ext uri="{BB962C8B-B14F-4D97-AF65-F5344CB8AC3E}">

--- a/public/files/resume.pptx
+++ b/public/files/resume.pptx
@@ -3277,7 +3277,7 @@
         </p:nvGrpSpPr>
         <p:grpSpPr>
           <a:xfrm>
-            <a:off x="205237" y="1341964"/>
+            <a:off x="205237" y="1209008"/>
             <a:ext cx="6652763" cy="1149478"/>
             <a:chOff x="2790772" y="991944"/>
             <a:chExt cx="4065541" cy="1149478"/>
@@ -3405,7 +3405,7 @@
                   <a:ea typeface="Lucida Sans" charset="0"/>
                   <a:cs typeface="Lucida Sans" charset="0"/>
                 </a:rPr>
-                <a:t>projects. I am currently enrolled in ME 193A, a research orientation class with the goal of developing a spacesuit for manned Mars missions. My interests include data science, machine learning, artificial intelligence, robotics, and the application of computer science to fields such as biology and chemistry.</a:t>
+                <a:t>projects. I am currently enrolled in ME 193A, a research orientated class with the goal of developing a spacesuit for manned Mars missions. My interests include data science, machine learning, artificial intelligence, robotics, and the application of computer science to fields such as biology and chemistry.</a:t>
               </a:r>
               <a:endParaRPr lang="en-US" sz="900" dirty="0" smtClean="0">
                 <a:solidFill>
@@ -3499,7 +3499,7 @@
         </p:nvGrpSpPr>
         <p:grpSpPr>
           <a:xfrm>
-            <a:off x="188276" y="2472491"/>
+            <a:off x="188276" y="2339535"/>
             <a:ext cx="6650004" cy="2130574"/>
             <a:chOff x="2788013" y="3257396"/>
             <a:chExt cx="4065541" cy="2130574"/>
@@ -3789,7 +3789,7 @@
         </p:nvGrpSpPr>
         <p:grpSpPr>
           <a:xfrm>
-            <a:off x="189272" y="4599108"/>
+            <a:off x="189272" y="4466152"/>
             <a:ext cx="6583613" cy="1263068"/>
             <a:chOff x="2790755" y="4098124"/>
             <a:chExt cx="4067245" cy="1263068"/>
@@ -4015,7 +4015,7 @@
         </p:nvSpPr>
         <p:spPr>
           <a:xfrm>
-            <a:off x="192030" y="6587554"/>
+            <a:off x="192030" y="6454598"/>
             <a:ext cx="6410175" cy="276999"/>
           </a:xfrm>
           <a:prstGeom prst="rect">
@@ -4076,7 +4076,7 @@
         </p:nvSpPr>
         <p:spPr>
           <a:xfrm>
-            <a:off x="196543" y="6822157"/>
+            <a:off x="196543" y="6689201"/>
             <a:ext cx="6114052" cy="574196"/>
           </a:xfrm>
           <a:prstGeom prst="rect">
@@ -4139,7 +4139,7 @@
         </p:nvSpPr>
         <p:spPr>
           <a:xfrm>
-            <a:off x="196543" y="7335010"/>
+            <a:off x="196543" y="7202054"/>
             <a:ext cx="6114052" cy="574196"/>
           </a:xfrm>
           <a:prstGeom prst="rect">
@@ -4247,7 +4247,7 @@
         </p:nvSpPr>
         <p:spPr>
           <a:xfrm>
-            <a:off x="189271" y="7841580"/>
+            <a:off x="189271" y="7708624"/>
             <a:ext cx="6114052" cy="574196"/>
           </a:xfrm>
           <a:prstGeom prst="rect">
@@ -4310,7 +4310,7 @@
         </p:nvGrpSpPr>
         <p:grpSpPr>
           <a:xfrm>
-            <a:off x="189272" y="5589153"/>
+            <a:off x="189272" y="5456197"/>
             <a:ext cx="6583613" cy="1262382"/>
             <a:chOff x="2790755" y="4027122"/>
             <a:chExt cx="4067245" cy="1262382"/>
@@ -4523,7 +4523,7 @@
         </p:nvSpPr>
         <p:spPr>
           <a:xfrm>
-            <a:off x="205236" y="8377883"/>
+            <a:off x="205236" y="8244927"/>
             <a:ext cx="6114052" cy="740395"/>
           </a:xfrm>
           <a:prstGeom prst="rect">
@@ -4591,7 +4591,7 @@
         </p:nvSpPr>
         <p:spPr>
           <a:xfrm>
-            <a:off x="205366" y="725670"/>
+            <a:off x="185646" y="624233"/>
             <a:ext cx="6345430" cy="461665"/>
           </a:xfrm>
           <a:prstGeom prst="rect">
@@ -4747,7 +4747,7 @@
         </p:nvCxnSpPr>
         <p:spPr>
           <a:xfrm>
-            <a:off x="289932" y="1260088"/>
+            <a:off x="289932" y="1130503"/>
             <a:ext cx="6312273" cy="0"/>
           </a:xfrm>
           <a:prstGeom prst="line">
